--- a/Sudoku/Sudoku  solving the puzzle validating uniqnuess.pptx
+++ b/Sudoku/Sudoku  solving the puzzle validating uniqnuess.pptx
@@ -7,8 +7,10 @@
   <p:sldIdLst>
     <p:sldId id="256" r:id="rId2"/>
     <p:sldId id="257" r:id="rId3"/>
-    <p:sldId id="258" r:id="rId4"/>
-    <p:sldId id="259" r:id="rId5"/>
+    <p:sldId id="260" r:id="rId4"/>
+    <p:sldId id="261" r:id="rId5"/>
+    <p:sldId id="258" r:id="rId6"/>
+    <p:sldId id="259" r:id="rId7"/>
   </p:sldIdLst>
   <p:sldSz cx="9144000" cy="6858000" type="screen4x3"/>
   <p:notesSz cx="6858000" cy="9144000"/>
@@ -291,7 +293,7 @@
           <a:p>
             <a:fld id="{A1E2C6C5-A207-4B71-89A7-4AB74899EBC0}" type="datetimeFigureOut">
               <a:rPr lang="en-US" smtClean="0"/>
-              <a:t>9/21/2015</a:t>
+              <a:t>9/22/2015</a:t>
             </a:fld>
             <a:endParaRPr lang="en-US"/>
           </a:p>
@@ -461,7 +463,7 @@
           <a:p>
             <a:fld id="{A1E2C6C5-A207-4B71-89A7-4AB74899EBC0}" type="datetimeFigureOut">
               <a:rPr lang="en-US" smtClean="0"/>
-              <a:t>9/21/2015</a:t>
+              <a:t>9/22/2015</a:t>
             </a:fld>
             <a:endParaRPr lang="en-US"/>
           </a:p>
@@ -641,7 +643,7 @@
           <a:p>
             <a:fld id="{A1E2C6C5-A207-4B71-89A7-4AB74899EBC0}" type="datetimeFigureOut">
               <a:rPr lang="en-US" smtClean="0"/>
-              <a:t>9/21/2015</a:t>
+              <a:t>9/22/2015</a:t>
             </a:fld>
             <a:endParaRPr lang="en-US"/>
           </a:p>
@@ -811,7 +813,7 @@
           <a:p>
             <a:fld id="{A1E2C6C5-A207-4B71-89A7-4AB74899EBC0}" type="datetimeFigureOut">
               <a:rPr lang="en-US" smtClean="0"/>
-              <a:t>9/21/2015</a:t>
+              <a:t>9/22/2015</a:t>
             </a:fld>
             <a:endParaRPr lang="en-US"/>
           </a:p>
@@ -1057,7 +1059,7 @@
           <a:p>
             <a:fld id="{A1E2C6C5-A207-4B71-89A7-4AB74899EBC0}" type="datetimeFigureOut">
               <a:rPr lang="en-US" smtClean="0"/>
-              <a:t>9/21/2015</a:t>
+              <a:t>9/22/2015</a:t>
             </a:fld>
             <a:endParaRPr lang="en-US"/>
           </a:p>
@@ -1345,7 +1347,7 @@
           <a:p>
             <a:fld id="{A1E2C6C5-A207-4B71-89A7-4AB74899EBC0}" type="datetimeFigureOut">
               <a:rPr lang="en-US" smtClean="0"/>
-              <a:t>9/21/2015</a:t>
+              <a:t>9/22/2015</a:t>
             </a:fld>
             <a:endParaRPr lang="en-US"/>
           </a:p>
@@ -1767,7 +1769,7 @@
           <a:p>
             <a:fld id="{A1E2C6C5-A207-4B71-89A7-4AB74899EBC0}" type="datetimeFigureOut">
               <a:rPr lang="en-US" smtClean="0"/>
-              <a:t>9/21/2015</a:t>
+              <a:t>9/22/2015</a:t>
             </a:fld>
             <a:endParaRPr lang="en-US"/>
           </a:p>
@@ -1885,7 +1887,7 @@
           <a:p>
             <a:fld id="{A1E2C6C5-A207-4B71-89A7-4AB74899EBC0}" type="datetimeFigureOut">
               <a:rPr lang="en-US" smtClean="0"/>
-              <a:t>9/21/2015</a:t>
+              <a:t>9/22/2015</a:t>
             </a:fld>
             <a:endParaRPr lang="en-US"/>
           </a:p>
@@ -1980,7 +1982,7 @@
           <a:p>
             <a:fld id="{A1E2C6C5-A207-4B71-89A7-4AB74899EBC0}" type="datetimeFigureOut">
               <a:rPr lang="en-US" smtClean="0"/>
-              <a:t>9/21/2015</a:t>
+              <a:t>9/22/2015</a:t>
             </a:fld>
             <a:endParaRPr lang="en-US"/>
           </a:p>
@@ -2257,7 +2259,7 @@
           <a:p>
             <a:fld id="{A1E2C6C5-A207-4B71-89A7-4AB74899EBC0}" type="datetimeFigureOut">
               <a:rPr lang="en-US" smtClean="0"/>
-              <a:t>9/21/2015</a:t>
+              <a:t>9/22/2015</a:t>
             </a:fld>
             <a:endParaRPr lang="en-US"/>
           </a:p>
@@ -2510,7 +2512,7 @@
           <a:p>
             <a:fld id="{A1E2C6C5-A207-4B71-89A7-4AB74899EBC0}" type="datetimeFigureOut">
               <a:rPr lang="en-US" smtClean="0"/>
-              <a:t>9/21/2015</a:t>
+              <a:t>9/22/2015</a:t>
             </a:fld>
             <a:endParaRPr lang="en-US"/>
           </a:p>
@@ -2723,7 +2725,7 @@
           <a:p>
             <a:fld id="{A1E2C6C5-A207-4B71-89A7-4AB74899EBC0}" type="datetimeFigureOut">
               <a:rPr lang="en-US" smtClean="0"/>
-              <a:t>9/21/2015</a:t>
+              <a:t>9/22/2015</a:t>
             </a:fld>
             <a:endParaRPr lang="en-US"/>
           </a:p>
@@ -3221,837 +3223,983 @@
           </a:p>
         </p:txBody>
       </p:sp>
-      <p:sp>
-        <p:nvSpPr>
-          <p:cNvPr id="4" name="Oval 3"/>
-          <p:cNvSpPr/>
+      <p:grpSp>
+        <p:nvGrpSpPr>
+          <p:cNvPr id="33" name="Group 32"/>
+          <p:cNvGrpSpPr/>
           <p:nvPr/>
-        </p:nvSpPr>
-        <p:spPr>
+        </p:nvGrpSpPr>
+        <p:grpSpPr>
           <a:xfrm>
-            <a:off x="3733800" y="1323975"/>
-            <a:ext cx="304800" cy="381000"/>
+            <a:off x="1371600" y="1323975"/>
+            <a:ext cx="4267200" cy="2943225"/>
+            <a:chOff x="1371600" y="1323975"/>
+            <a:chExt cx="4267200" cy="2943225"/>
           </a:xfrm>
-          <a:prstGeom prst="ellipse">
-            <a:avLst/>
-          </a:prstGeom>
-          <a:solidFill>
-            <a:schemeClr val="accent1">
-              <a:lumMod val="40000"/>
-              <a:lumOff val="60000"/>
-            </a:schemeClr>
-          </a:solidFill>
-        </p:spPr>
-        <p:style>
-          <a:lnRef idx="2">
-            <a:schemeClr val="accent1">
-              <a:shade val="50000"/>
-            </a:schemeClr>
-          </a:lnRef>
-          <a:fillRef idx="1">
-            <a:schemeClr val="accent1"/>
-          </a:fillRef>
-          <a:effectRef idx="0">
-            <a:schemeClr val="accent1"/>
-          </a:effectRef>
-          <a:fontRef idx="minor">
-            <a:schemeClr val="lt1"/>
-          </a:fontRef>
-        </p:style>
-        <p:txBody>
-          <a:bodyPr rtlCol="0" anchor="ctr"/>
-          <a:lstStyle/>
-          <a:p>
-            <a:pPr algn="ctr"/>
-            <a:r>
-              <a:rPr lang="en-US" dirty="0" smtClean="0"/>
-              <a:t>1</a:t>
-            </a:r>
-            <a:endParaRPr lang="en-US" dirty="0"/>
-          </a:p>
-        </p:txBody>
-      </p:sp>
-      <p:sp>
-        <p:nvSpPr>
-          <p:cNvPr id="10" name="Oval 9"/>
-          <p:cNvSpPr/>
-          <p:nvPr/>
-        </p:nvSpPr>
-        <p:spPr>
-          <a:xfrm>
-            <a:off x="2943225" y="2190750"/>
-            <a:ext cx="304800" cy="381000"/>
-          </a:xfrm>
-          <a:prstGeom prst="ellipse">
-            <a:avLst/>
-          </a:prstGeom>
-          <a:solidFill>
-            <a:schemeClr val="accent1">
-              <a:lumMod val="40000"/>
-              <a:lumOff val="60000"/>
-            </a:schemeClr>
-          </a:solidFill>
-        </p:spPr>
-        <p:style>
-          <a:lnRef idx="2">
-            <a:schemeClr val="accent1">
-              <a:shade val="50000"/>
-            </a:schemeClr>
-          </a:lnRef>
-          <a:fillRef idx="1">
-            <a:schemeClr val="accent1"/>
-          </a:fillRef>
-          <a:effectRef idx="0">
-            <a:schemeClr val="accent1"/>
-          </a:effectRef>
-          <a:fontRef idx="minor">
-            <a:schemeClr val="lt1"/>
-          </a:fontRef>
-        </p:style>
-        <p:txBody>
-          <a:bodyPr rtlCol="0" anchor="ctr"/>
-          <a:lstStyle/>
-          <a:p>
-            <a:pPr algn="ctr"/>
-            <a:r>
-              <a:rPr lang="en-US" dirty="0" smtClean="0"/>
-              <a:t>2</a:t>
-            </a:r>
-            <a:endParaRPr lang="en-US" dirty="0"/>
-          </a:p>
-        </p:txBody>
-      </p:sp>
-      <p:sp>
-        <p:nvSpPr>
-          <p:cNvPr id="11" name="Oval 10"/>
-          <p:cNvSpPr/>
-          <p:nvPr/>
-        </p:nvSpPr>
-        <p:spPr>
-          <a:xfrm>
-            <a:off x="2147886" y="3086100"/>
-            <a:ext cx="304800" cy="381000"/>
-          </a:xfrm>
-          <a:prstGeom prst="ellipse">
-            <a:avLst/>
-          </a:prstGeom>
-          <a:solidFill>
-            <a:schemeClr val="accent1">
-              <a:lumMod val="40000"/>
-              <a:lumOff val="60000"/>
-            </a:schemeClr>
-          </a:solidFill>
-        </p:spPr>
-        <p:style>
-          <a:lnRef idx="2">
-            <a:schemeClr val="accent1">
-              <a:shade val="50000"/>
-            </a:schemeClr>
-          </a:lnRef>
-          <a:fillRef idx="1">
-            <a:schemeClr val="accent1"/>
-          </a:fillRef>
-          <a:effectRef idx="0">
-            <a:schemeClr val="accent1"/>
-          </a:effectRef>
-          <a:fontRef idx="minor">
-            <a:schemeClr val="lt1"/>
-          </a:fontRef>
-        </p:style>
-        <p:txBody>
-          <a:bodyPr rtlCol="0" anchor="ctr"/>
-          <a:lstStyle/>
-          <a:p>
-            <a:pPr algn="ctr"/>
-            <a:r>
-              <a:rPr lang="en-US" dirty="0" smtClean="0"/>
-              <a:t>3</a:t>
-            </a:r>
-            <a:endParaRPr lang="en-US" dirty="0"/>
-          </a:p>
-        </p:txBody>
-      </p:sp>
-      <p:sp>
-        <p:nvSpPr>
-          <p:cNvPr id="12" name="Oval 11"/>
-          <p:cNvSpPr/>
-          <p:nvPr/>
-        </p:nvSpPr>
-        <p:spPr>
-          <a:xfrm>
-            <a:off x="1371600" y="3886200"/>
-            <a:ext cx="304800" cy="381000"/>
-          </a:xfrm>
-          <a:prstGeom prst="ellipse">
-            <a:avLst/>
-          </a:prstGeom>
-          <a:solidFill>
-            <a:schemeClr val="accent1">
-              <a:lumMod val="40000"/>
-              <a:lumOff val="60000"/>
-            </a:schemeClr>
-          </a:solidFill>
-        </p:spPr>
-        <p:style>
-          <a:lnRef idx="2">
-            <a:schemeClr val="accent1">
-              <a:shade val="50000"/>
-            </a:schemeClr>
-          </a:lnRef>
-          <a:fillRef idx="1">
-            <a:schemeClr val="accent1"/>
-          </a:fillRef>
-          <a:effectRef idx="0">
-            <a:schemeClr val="accent1"/>
-          </a:effectRef>
-          <a:fontRef idx="minor">
-            <a:schemeClr val="lt1"/>
-          </a:fontRef>
-        </p:style>
-        <p:txBody>
-          <a:bodyPr rtlCol="0" anchor="ctr"/>
-          <a:lstStyle/>
-          <a:p>
-            <a:pPr algn="ctr"/>
-            <a:r>
-              <a:rPr lang="en-US" dirty="0" smtClean="0"/>
-              <a:t>4</a:t>
-            </a:r>
-            <a:endParaRPr lang="en-US" dirty="0"/>
-          </a:p>
-        </p:txBody>
-      </p:sp>
-      <p:sp>
-        <p:nvSpPr>
-          <p:cNvPr id="13" name="Oval 12"/>
-          <p:cNvSpPr/>
-          <p:nvPr/>
-        </p:nvSpPr>
-        <p:spPr>
-          <a:xfrm>
-            <a:off x="2176462" y="3886200"/>
-            <a:ext cx="304800" cy="381000"/>
-          </a:xfrm>
-          <a:prstGeom prst="ellipse">
-            <a:avLst/>
-          </a:prstGeom>
-          <a:solidFill>
-            <a:schemeClr val="accent1">
-              <a:lumMod val="40000"/>
-              <a:lumOff val="60000"/>
-            </a:schemeClr>
-          </a:solidFill>
-        </p:spPr>
-        <p:style>
-          <a:lnRef idx="2">
-            <a:schemeClr val="accent1">
-              <a:shade val="50000"/>
-            </a:schemeClr>
-          </a:lnRef>
-          <a:fillRef idx="1">
-            <a:schemeClr val="accent1"/>
-          </a:fillRef>
-          <a:effectRef idx="0">
-            <a:schemeClr val="accent1"/>
-          </a:effectRef>
-          <a:fontRef idx="minor">
-            <a:schemeClr val="lt1"/>
-          </a:fontRef>
-        </p:style>
-        <p:txBody>
-          <a:bodyPr rtlCol="0" anchor="ctr"/>
-          <a:lstStyle/>
-          <a:p>
-            <a:pPr algn="ctr"/>
-            <a:r>
-              <a:rPr lang="en-US" dirty="0" smtClean="0"/>
-              <a:t>5</a:t>
-            </a:r>
-            <a:endParaRPr lang="en-US" dirty="0"/>
-          </a:p>
-        </p:txBody>
-      </p:sp>
-      <p:sp>
-        <p:nvSpPr>
-          <p:cNvPr id="14" name="Oval 13"/>
-          <p:cNvSpPr/>
-          <p:nvPr/>
-        </p:nvSpPr>
-        <p:spPr>
-          <a:xfrm>
-            <a:off x="2933700" y="3095625"/>
-            <a:ext cx="304800" cy="381000"/>
-          </a:xfrm>
-          <a:prstGeom prst="ellipse">
-            <a:avLst/>
-          </a:prstGeom>
-          <a:solidFill>
-            <a:schemeClr val="accent1">
-              <a:lumMod val="40000"/>
-              <a:lumOff val="60000"/>
-            </a:schemeClr>
-          </a:solidFill>
-        </p:spPr>
-        <p:style>
-          <a:lnRef idx="2">
-            <a:schemeClr val="accent1">
-              <a:shade val="50000"/>
-            </a:schemeClr>
-          </a:lnRef>
-          <a:fillRef idx="1">
-            <a:schemeClr val="accent1"/>
-          </a:fillRef>
-          <a:effectRef idx="0">
-            <a:schemeClr val="accent1"/>
-          </a:effectRef>
-          <a:fontRef idx="minor">
-            <a:schemeClr val="lt1"/>
-          </a:fontRef>
-        </p:style>
-        <p:txBody>
-          <a:bodyPr rtlCol="0" anchor="ctr"/>
-          <a:lstStyle/>
-          <a:p>
-            <a:pPr algn="ctr"/>
-            <a:r>
-              <a:rPr lang="en-US" dirty="0" smtClean="0"/>
-              <a:t>6</a:t>
-            </a:r>
-            <a:endParaRPr lang="en-US" dirty="0"/>
-          </a:p>
-        </p:txBody>
-      </p:sp>
-      <p:sp>
-        <p:nvSpPr>
-          <p:cNvPr id="15" name="Oval 14"/>
-          <p:cNvSpPr/>
-          <p:nvPr/>
-        </p:nvSpPr>
-        <p:spPr>
-          <a:xfrm>
-            <a:off x="3733800" y="2190750"/>
-            <a:ext cx="304800" cy="381000"/>
-          </a:xfrm>
-          <a:prstGeom prst="ellipse">
-            <a:avLst/>
-          </a:prstGeom>
-          <a:solidFill>
-            <a:schemeClr val="accent1">
-              <a:lumMod val="40000"/>
-              <a:lumOff val="60000"/>
-            </a:schemeClr>
-          </a:solidFill>
-        </p:spPr>
-        <p:style>
-          <a:lnRef idx="2">
-            <a:schemeClr val="accent1">
-              <a:shade val="50000"/>
-            </a:schemeClr>
-          </a:lnRef>
-          <a:fillRef idx="1">
-            <a:schemeClr val="accent1"/>
-          </a:fillRef>
-          <a:effectRef idx="0">
-            <a:schemeClr val="accent1"/>
-          </a:effectRef>
-          <a:fontRef idx="minor">
-            <a:schemeClr val="lt1"/>
-          </a:fontRef>
-        </p:style>
-        <p:txBody>
-          <a:bodyPr rtlCol="0" anchor="ctr"/>
-          <a:lstStyle/>
-          <a:p>
-            <a:pPr algn="ctr"/>
-            <a:r>
-              <a:rPr lang="en-US" dirty="0" smtClean="0"/>
-              <a:t>7</a:t>
-            </a:r>
-            <a:endParaRPr lang="en-US" dirty="0"/>
-          </a:p>
-        </p:txBody>
-      </p:sp>
-      <p:sp>
-        <p:nvSpPr>
-          <p:cNvPr id="16" name="Oval 15"/>
-          <p:cNvSpPr/>
-          <p:nvPr/>
-        </p:nvSpPr>
-        <p:spPr>
-          <a:xfrm>
-            <a:off x="4572000" y="2190750"/>
-            <a:ext cx="304800" cy="381000"/>
-          </a:xfrm>
-          <a:prstGeom prst="ellipse">
-            <a:avLst/>
-          </a:prstGeom>
-          <a:solidFill>
-            <a:schemeClr val="accent1">
-              <a:lumMod val="40000"/>
-              <a:lumOff val="60000"/>
-            </a:schemeClr>
-          </a:solidFill>
-        </p:spPr>
-        <p:style>
-          <a:lnRef idx="2">
-            <a:schemeClr val="accent1">
-              <a:shade val="50000"/>
-            </a:schemeClr>
-          </a:lnRef>
-          <a:fillRef idx="1">
-            <a:schemeClr val="accent1"/>
-          </a:fillRef>
-          <a:effectRef idx="0">
-            <a:schemeClr val="accent1"/>
-          </a:effectRef>
-          <a:fontRef idx="minor">
-            <a:schemeClr val="lt1"/>
-          </a:fontRef>
-        </p:style>
-        <p:txBody>
-          <a:bodyPr rtlCol="0" anchor="ctr"/>
-          <a:lstStyle/>
-          <a:p>
-            <a:pPr algn="ctr"/>
-            <a:r>
-              <a:rPr lang="en-US" dirty="0" smtClean="0"/>
-              <a:t>8</a:t>
-            </a:r>
-            <a:endParaRPr lang="en-US" dirty="0"/>
-          </a:p>
-        </p:txBody>
-      </p:sp>
-      <p:sp>
-        <p:nvSpPr>
-          <p:cNvPr id="17" name="Oval 16"/>
-          <p:cNvSpPr/>
-          <p:nvPr/>
-        </p:nvSpPr>
-        <p:spPr>
-          <a:xfrm>
-            <a:off x="4582160" y="3095625"/>
-            <a:ext cx="304800" cy="381000"/>
-          </a:xfrm>
-          <a:prstGeom prst="ellipse">
-            <a:avLst/>
-          </a:prstGeom>
-          <a:solidFill>
-            <a:schemeClr val="accent1">
-              <a:lumMod val="40000"/>
-              <a:lumOff val="60000"/>
-            </a:schemeClr>
-          </a:solidFill>
-        </p:spPr>
-        <p:style>
-          <a:lnRef idx="2">
-            <a:schemeClr val="accent1">
-              <a:shade val="50000"/>
-            </a:schemeClr>
-          </a:lnRef>
-          <a:fillRef idx="1">
-            <a:schemeClr val="accent1"/>
-          </a:fillRef>
-          <a:effectRef idx="0">
-            <a:schemeClr val="accent1"/>
-          </a:effectRef>
-          <a:fontRef idx="minor">
-            <a:schemeClr val="lt1"/>
-          </a:fontRef>
-        </p:style>
-        <p:txBody>
-          <a:bodyPr rtlCol="0" anchor="ctr"/>
-          <a:lstStyle/>
-          <a:p>
-            <a:pPr algn="ctr"/>
-            <a:r>
-              <a:rPr lang="en-US" dirty="0"/>
-              <a:t>9</a:t>
-            </a:r>
-            <a:endParaRPr lang="en-US" dirty="0"/>
-          </a:p>
-        </p:txBody>
-      </p:sp>
-      <p:sp>
-        <p:nvSpPr>
-          <p:cNvPr id="18" name="Oval 17"/>
-          <p:cNvSpPr/>
-          <p:nvPr/>
-        </p:nvSpPr>
-        <p:spPr>
-          <a:xfrm>
-            <a:off x="4582160" y="3886200"/>
-            <a:ext cx="304800" cy="381000"/>
-          </a:xfrm>
-          <a:prstGeom prst="ellipse">
-            <a:avLst/>
-          </a:prstGeom>
-          <a:solidFill>
-            <a:schemeClr val="accent1">
-              <a:lumMod val="40000"/>
-              <a:lumOff val="60000"/>
-            </a:schemeClr>
-          </a:solidFill>
-        </p:spPr>
-        <p:style>
-          <a:lnRef idx="2">
-            <a:schemeClr val="accent1">
-              <a:shade val="50000"/>
-            </a:schemeClr>
-          </a:lnRef>
-          <a:fillRef idx="1">
-            <a:schemeClr val="accent1"/>
-          </a:fillRef>
-          <a:effectRef idx="0">
-            <a:schemeClr val="accent1"/>
-          </a:effectRef>
-          <a:fontRef idx="minor">
-            <a:schemeClr val="lt1"/>
-          </a:fontRef>
-        </p:style>
-        <p:txBody>
-          <a:bodyPr wrap="none" rtlCol="0" anchor="ctr"/>
-          <a:lstStyle/>
-          <a:p>
-            <a:pPr algn="ctr"/>
-            <a:r>
-              <a:rPr lang="en-US" dirty="0" smtClean="0"/>
-              <a:t>10</a:t>
-            </a:r>
-            <a:endParaRPr lang="en-US" dirty="0"/>
-          </a:p>
-        </p:txBody>
-      </p:sp>
-      <p:sp>
-        <p:nvSpPr>
-          <p:cNvPr id="19" name="Oval 18"/>
-          <p:cNvSpPr/>
-          <p:nvPr/>
-        </p:nvSpPr>
-        <p:spPr>
-          <a:xfrm>
-            <a:off x="5334000" y="3886200"/>
-            <a:ext cx="304800" cy="381000"/>
-          </a:xfrm>
-          <a:prstGeom prst="ellipse">
-            <a:avLst/>
-          </a:prstGeom>
-          <a:solidFill>
-            <a:schemeClr val="accent1">
-              <a:lumMod val="40000"/>
-              <a:lumOff val="60000"/>
-            </a:schemeClr>
-          </a:solidFill>
-        </p:spPr>
-        <p:style>
-          <a:lnRef idx="2">
-            <a:schemeClr val="accent1">
-              <a:shade val="50000"/>
-            </a:schemeClr>
-          </a:lnRef>
-          <a:fillRef idx="1">
-            <a:schemeClr val="accent1"/>
-          </a:fillRef>
-          <a:effectRef idx="0">
-            <a:schemeClr val="accent1"/>
-          </a:effectRef>
-          <a:fontRef idx="minor">
-            <a:schemeClr val="lt1"/>
-          </a:fontRef>
-        </p:style>
-        <p:txBody>
-          <a:bodyPr wrap="none" rtlCol="0" anchor="ctr"/>
-          <a:lstStyle/>
-          <a:p>
-            <a:pPr algn="ctr"/>
-            <a:r>
-              <a:rPr lang="en-US" dirty="0" smtClean="0"/>
-              <a:t>11</a:t>
-            </a:r>
-            <a:endParaRPr lang="en-US" dirty="0"/>
-          </a:p>
-        </p:txBody>
-      </p:sp>
-      <p:sp>
-        <p:nvSpPr>
-          <p:cNvPr id="20" name="Oval 19"/>
-          <p:cNvSpPr/>
-          <p:nvPr/>
-        </p:nvSpPr>
-        <p:spPr>
-          <a:xfrm>
-            <a:off x="5334000" y="3095625"/>
-            <a:ext cx="304800" cy="381000"/>
-          </a:xfrm>
-          <a:prstGeom prst="ellipse">
-            <a:avLst/>
-          </a:prstGeom>
-          <a:solidFill>
-            <a:schemeClr val="accent1">
-              <a:lumMod val="40000"/>
-              <a:lumOff val="60000"/>
-            </a:schemeClr>
-          </a:solidFill>
-        </p:spPr>
-        <p:style>
-          <a:lnRef idx="2">
-            <a:schemeClr val="accent1">
-              <a:shade val="50000"/>
-            </a:schemeClr>
-          </a:lnRef>
-          <a:fillRef idx="1">
-            <a:schemeClr val="accent1"/>
-          </a:fillRef>
-          <a:effectRef idx="0">
-            <a:schemeClr val="accent1"/>
-          </a:effectRef>
-          <a:fontRef idx="minor">
-            <a:schemeClr val="lt1"/>
-          </a:fontRef>
-        </p:style>
-        <p:txBody>
-          <a:bodyPr wrap="none" rtlCol="0" anchor="ctr"/>
-          <a:lstStyle/>
-          <a:p>
-            <a:pPr algn="ctr"/>
-            <a:r>
-              <a:rPr lang="en-US" dirty="0" smtClean="0"/>
-              <a:t>12</a:t>
-            </a:r>
-            <a:endParaRPr lang="en-US" dirty="0"/>
-          </a:p>
-        </p:txBody>
-      </p:sp>
-      <p:cxnSp>
-        <p:nvCxnSpPr>
-          <p:cNvPr id="5" name="Straight Connector 4"/>
-          <p:cNvCxnSpPr>
-            <a:stCxn id="4" idx="3"/>
-            <a:endCxn id="10" idx="7"/>
-          </p:cNvCxnSpPr>
-          <p:nvPr/>
-        </p:nvCxnSpPr>
-        <p:spPr>
-          <a:xfrm flipH="1">
-            <a:off x="3203388" y="1649179"/>
-            <a:ext cx="575049" cy="597367"/>
-          </a:xfrm>
-          <a:prstGeom prst="line">
-            <a:avLst/>
-          </a:prstGeom>
-          <a:ln w="28575"/>
-        </p:spPr>
-        <p:style>
-          <a:lnRef idx="1">
-            <a:schemeClr val="accent1"/>
-          </a:lnRef>
-          <a:fillRef idx="0">
-            <a:schemeClr val="accent1"/>
-          </a:fillRef>
-          <a:effectRef idx="0">
-            <a:schemeClr val="accent1"/>
-          </a:effectRef>
-          <a:fontRef idx="minor">
-            <a:schemeClr val="tx1"/>
-          </a:fontRef>
-        </p:style>
-      </p:cxnSp>
-      <p:cxnSp>
-        <p:nvCxnSpPr>
-          <p:cNvPr id="21" name="Straight Connector 20"/>
-          <p:cNvCxnSpPr>
-            <a:endCxn id="11" idx="7"/>
-          </p:cNvCxnSpPr>
-          <p:nvPr/>
-        </p:nvCxnSpPr>
-        <p:spPr>
-          <a:xfrm flipH="1">
-            <a:off x="2408049" y="2498258"/>
-            <a:ext cx="599367" cy="643638"/>
-          </a:xfrm>
-          <a:prstGeom prst="line">
-            <a:avLst/>
-          </a:prstGeom>
-          <a:ln w="28575"/>
-        </p:spPr>
-        <p:style>
-          <a:lnRef idx="1">
-            <a:schemeClr val="accent1"/>
-          </a:lnRef>
-          <a:fillRef idx="0">
-            <a:schemeClr val="accent1"/>
-          </a:fillRef>
-          <a:effectRef idx="0">
-            <a:schemeClr val="accent1"/>
-          </a:effectRef>
-          <a:fontRef idx="minor">
-            <a:schemeClr val="tx1"/>
-          </a:fontRef>
-        </p:style>
-      </p:cxnSp>
-      <p:cxnSp>
-        <p:nvCxnSpPr>
-          <p:cNvPr id="22" name="Straight Connector 21"/>
-          <p:cNvCxnSpPr/>
-          <p:nvPr/>
-        </p:nvCxnSpPr>
-        <p:spPr>
-          <a:xfrm flipH="1">
-            <a:off x="1616653" y="3352800"/>
-            <a:ext cx="575049" cy="597367"/>
-          </a:xfrm>
-          <a:prstGeom prst="line">
-            <a:avLst/>
-          </a:prstGeom>
-          <a:ln w="28575"/>
-        </p:spPr>
-        <p:style>
-          <a:lnRef idx="1">
-            <a:schemeClr val="accent1"/>
-          </a:lnRef>
-          <a:fillRef idx="0">
-            <a:schemeClr val="accent1"/>
-          </a:fillRef>
-          <a:effectRef idx="0">
-            <a:schemeClr val="accent1"/>
-          </a:effectRef>
-          <a:fontRef idx="minor">
-            <a:schemeClr val="tx1"/>
-          </a:fontRef>
-        </p:style>
-      </p:cxnSp>
-      <p:cxnSp>
-        <p:nvCxnSpPr>
-          <p:cNvPr id="23" name="Straight Connector 22"/>
-          <p:cNvCxnSpPr>
-            <a:endCxn id="13" idx="0"/>
-          </p:cNvCxnSpPr>
-          <p:nvPr/>
-        </p:nvCxnSpPr>
-        <p:spPr>
-          <a:xfrm flipH="1">
-            <a:off x="2328862" y="3476625"/>
-            <a:ext cx="7621" cy="409575"/>
-          </a:xfrm>
-          <a:prstGeom prst="line">
-            <a:avLst/>
-          </a:prstGeom>
-          <a:ln w="28575"/>
-        </p:spPr>
-        <p:style>
-          <a:lnRef idx="1">
-            <a:schemeClr val="accent1"/>
-          </a:lnRef>
-          <a:fillRef idx="0">
-            <a:schemeClr val="accent1"/>
-          </a:fillRef>
-          <a:effectRef idx="0">
-            <a:schemeClr val="accent1"/>
-          </a:effectRef>
-          <a:fontRef idx="minor">
-            <a:schemeClr val="tx1"/>
-          </a:fontRef>
-        </p:style>
-      </p:cxnSp>
-      <p:cxnSp>
-        <p:nvCxnSpPr>
-          <p:cNvPr id="25" name="Straight Connector 24"/>
-          <p:cNvCxnSpPr>
-            <a:endCxn id="14" idx="0"/>
-          </p:cNvCxnSpPr>
-          <p:nvPr/>
-        </p:nvCxnSpPr>
-        <p:spPr>
-          <a:xfrm flipH="1">
-            <a:off x="3086100" y="2571750"/>
-            <a:ext cx="9526" cy="523875"/>
-          </a:xfrm>
-          <a:prstGeom prst="line">
-            <a:avLst/>
-          </a:prstGeom>
-          <a:ln w="28575"/>
-        </p:spPr>
-        <p:style>
-          <a:lnRef idx="1">
-            <a:schemeClr val="accent1"/>
-          </a:lnRef>
-          <a:fillRef idx="0">
-            <a:schemeClr val="accent1"/>
-          </a:fillRef>
-          <a:effectRef idx="0">
-            <a:schemeClr val="accent1"/>
-          </a:effectRef>
-          <a:fontRef idx="minor">
-            <a:schemeClr val="tx1"/>
-          </a:fontRef>
-        </p:style>
-      </p:cxnSp>
-      <p:cxnSp>
-        <p:nvCxnSpPr>
-          <p:cNvPr id="27" name="Straight Connector 26"/>
-          <p:cNvCxnSpPr>
-            <a:endCxn id="15" idx="0"/>
-          </p:cNvCxnSpPr>
-          <p:nvPr/>
-        </p:nvCxnSpPr>
-        <p:spPr>
-          <a:xfrm flipH="1">
-            <a:off x="3886200" y="1711325"/>
-            <a:ext cx="15241" cy="479425"/>
-          </a:xfrm>
-          <a:prstGeom prst="line">
-            <a:avLst/>
-          </a:prstGeom>
-          <a:ln w="28575"/>
-        </p:spPr>
-        <p:style>
-          <a:lnRef idx="1">
-            <a:schemeClr val="accent1"/>
-          </a:lnRef>
-          <a:fillRef idx="0">
-            <a:schemeClr val="accent1"/>
-          </a:fillRef>
-          <a:effectRef idx="0">
-            <a:schemeClr val="accent1"/>
-          </a:effectRef>
-          <a:fontRef idx="minor">
-            <a:schemeClr val="tx1"/>
-          </a:fontRef>
-        </p:style>
-      </p:cxnSp>
-      <p:cxnSp>
-        <p:nvCxnSpPr>
-          <p:cNvPr id="29" name="Straight Connector 28"/>
-          <p:cNvCxnSpPr>
-            <a:stCxn id="16" idx="1"/>
-            <a:endCxn id="4" idx="5"/>
-          </p:cNvCxnSpPr>
-          <p:nvPr/>
-        </p:nvCxnSpPr>
-        <p:spPr>
-          <a:xfrm flipH="1" flipV="1">
-            <a:off x="3993963" y="1649179"/>
-            <a:ext cx="622674" cy="597367"/>
-          </a:xfrm>
-          <a:prstGeom prst="line">
-            <a:avLst/>
-          </a:prstGeom>
-          <a:ln w="28575"/>
-        </p:spPr>
-        <p:style>
-          <a:lnRef idx="1">
-            <a:schemeClr val="accent1"/>
-          </a:lnRef>
-          <a:fillRef idx="0">
-            <a:schemeClr val="accent1"/>
-          </a:fillRef>
-          <a:effectRef idx="0">
-            <a:schemeClr val="accent1"/>
-          </a:effectRef>
-          <a:fontRef idx="minor">
-            <a:schemeClr val="tx1"/>
-          </a:fontRef>
-        </p:style>
-      </p:cxnSp>
+        </p:grpSpPr>
+        <p:sp>
+          <p:nvSpPr>
+            <p:cNvPr id="4" name="Oval 3"/>
+            <p:cNvSpPr/>
+            <p:nvPr/>
+          </p:nvSpPr>
+          <p:spPr>
+            <a:xfrm>
+              <a:off x="3733800" y="1323975"/>
+              <a:ext cx="304800" cy="381000"/>
+            </a:xfrm>
+            <a:prstGeom prst="ellipse">
+              <a:avLst/>
+            </a:prstGeom>
+            <a:solidFill>
+              <a:schemeClr val="accent1">
+                <a:lumMod val="40000"/>
+                <a:lumOff val="60000"/>
+              </a:schemeClr>
+            </a:solidFill>
+          </p:spPr>
+          <p:style>
+            <a:lnRef idx="2">
+              <a:schemeClr val="accent1">
+                <a:shade val="50000"/>
+              </a:schemeClr>
+            </a:lnRef>
+            <a:fillRef idx="1">
+              <a:schemeClr val="accent1"/>
+            </a:fillRef>
+            <a:effectRef idx="0">
+              <a:schemeClr val="accent1"/>
+            </a:effectRef>
+            <a:fontRef idx="minor">
+              <a:schemeClr val="lt1"/>
+            </a:fontRef>
+          </p:style>
+          <p:txBody>
+            <a:bodyPr rtlCol="0" anchor="ctr"/>
+            <a:lstStyle/>
+            <a:p>
+              <a:pPr algn="ctr"/>
+              <a:r>
+                <a:rPr lang="en-US" dirty="0" smtClean="0"/>
+                <a:t>1</a:t>
+              </a:r>
+              <a:endParaRPr lang="en-US" dirty="0"/>
+            </a:p>
+          </p:txBody>
+        </p:sp>
+        <p:sp>
+          <p:nvSpPr>
+            <p:cNvPr id="10" name="Oval 9"/>
+            <p:cNvSpPr/>
+            <p:nvPr/>
+          </p:nvSpPr>
+          <p:spPr>
+            <a:xfrm>
+              <a:off x="2943225" y="2190750"/>
+              <a:ext cx="304800" cy="381000"/>
+            </a:xfrm>
+            <a:prstGeom prst="ellipse">
+              <a:avLst/>
+            </a:prstGeom>
+            <a:solidFill>
+              <a:schemeClr val="accent1">
+                <a:lumMod val="40000"/>
+                <a:lumOff val="60000"/>
+              </a:schemeClr>
+            </a:solidFill>
+          </p:spPr>
+          <p:style>
+            <a:lnRef idx="2">
+              <a:schemeClr val="accent1">
+                <a:shade val="50000"/>
+              </a:schemeClr>
+            </a:lnRef>
+            <a:fillRef idx="1">
+              <a:schemeClr val="accent1"/>
+            </a:fillRef>
+            <a:effectRef idx="0">
+              <a:schemeClr val="accent1"/>
+            </a:effectRef>
+            <a:fontRef idx="minor">
+              <a:schemeClr val="lt1"/>
+            </a:fontRef>
+          </p:style>
+          <p:txBody>
+            <a:bodyPr rtlCol="0" anchor="ctr"/>
+            <a:lstStyle/>
+            <a:p>
+              <a:pPr algn="ctr"/>
+              <a:r>
+                <a:rPr lang="en-US" dirty="0" smtClean="0"/>
+                <a:t>2</a:t>
+              </a:r>
+              <a:endParaRPr lang="en-US" dirty="0"/>
+            </a:p>
+          </p:txBody>
+        </p:sp>
+        <p:sp>
+          <p:nvSpPr>
+            <p:cNvPr id="11" name="Oval 10"/>
+            <p:cNvSpPr/>
+            <p:nvPr/>
+          </p:nvSpPr>
+          <p:spPr>
+            <a:xfrm>
+              <a:off x="2147886" y="3086100"/>
+              <a:ext cx="304800" cy="381000"/>
+            </a:xfrm>
+            <a:prstGeom prst="ellipse">
+              <a:avLst/>
+            </a:prstGeom>
+            <a:solidFill>
+              <a:schemeClr val="accent1">
+                <a:lumMod val="40000"/>
+                <a:lumOff val="60000"/>
+              </a:schemeClr>
+            </a:solidFill>
+          </p:spPr>
+          <p:style>
+            <a:lnRef idx="2">
+              <a:schemeClr val="accent1">
+                <a:shade val="50000"/>
+              </a:schemeClr>
+            </a:lnRef>
+            <a:fillRef idx="1">
+              <a:schemeClr val="accent1"/>
+            </a:fillRef>
+            <a:effectRef idx="0">
+              <a:schemeClr val="accent1"/>
+            </a:effectRef>
+            <a:fontRef idx="minor">
+              <a:schemeClr val="lt1"/>
+            </a:fontRef>
+          </p:style>
+          <p:txBody>
+            <a:bodyPr rtlCol="0" anchor="ctr"/>
+            <a:lstStyle/>
+            <a:p>
+              <a:pPr algn="ctr"/>
+              <a:r>
+                <a:rPr lang="en-US" dirty="0" smtClean="0"/>
+                <a:t>3</a:t>
+              </a:r>
+              <a:endParaRPr lang="en-US" dirty="0"/>
+            </a:p>
+          </p:txBody>
+        </p:sp>
+        <p:sp>
+          <p:nvSpPr>
+            <p:cNvPr id="12" name="Oval 11"/>
+            <p:cNvSpPr/>
+            <p:nvPr/>
+          </p:nvSpPr>
+          <p:spPr>
+            <a:xfrm>
+              <a:off x="1371600" y="3886200"/>
+              <a:ext cx="304800" cy="381000"/>
+            </a:xfrm>
+            <a:prstGeom prst="ellipse">
+              <a:avLst/>
+            </a:prstGeom>
+            <a:solidFill>
+              <a:schemeClr val="accent1">
+                <a:lumMod val="40000"/>
+                <a:lumOff val="60000"/>
+              </a:schemeClr>
+            </a:solidFill>
+          </p:spPr>
+          <p:style>
+            <a:lnRef idx="2">
+              <a:schemeClr val="accent1">
+                <a:shade val="50000"/>
+              </a:schemeClr>
+            </a:lnRef>
+            <a:fillRef idx="1">
+              <a:schemeClr val="accent1"/>
+            </a:fillRef>
+            <a:effectRef idx="0">
+              <a:schemeClr val="accent1"/>
+            </a:effectRef>
+            <a:fontRef idx="minor">
+              <a:schemeClr val="lt1"/>
+            </a:fontRef>
+          </p:style>
+          <p:txBody>
+            <a:bodyPr rtlCol="0" anchor="ctr"/>
+            <a:lstStyle/>
+            <a:p>
+              <a:pPr algn="ctr"/>
+              <a:r>
+                <a:rPr lang="en-US" dirty="0" smtClean="0"/>
+                <a:t>4</a:t>
+              </a:r>
+              <a:endParaRPr lang="en-US" dirty="0"/>
+            </a:p>
+          </p:txBody>
+        </p:sp>
+        <p:sp>
+          <p:nvSpPr>
+            <p:cNvPr id="13" name="Oval 12"/>
+            <p:cNvSpPr/>
+            <p:nvPr/>
+          </p:nvSpPr>
+          <p:spPr>
+            <a:xfrm>
+              <a:off x="2176462" y="3886200"/>
+              <a:ext cx="304800" cy="381000"/>
+            </a:xfrm>
+            <a:prstGeom prst="ellipse">
+              <a:avLst/>
+            </a:prstGeom>
+            <a:solidFill>
+              <a:schemeClr val="accent1">
+                <a:lumMod val="40000"/>
+                <a:lumOff val="60000"/>
+              </a:schemeClr>
+            </a:solidFill>
+          </p:spPr>
+          <p:style>
+            <a:lnRef idx="2">
+              <a:schemeClr val="accent1">
+                <a:shade val="50000"/>
+              </a:schemeClr>
+            </a:lnRef>
+            <a:fillRef idx="1">
+              <a:schemeClr val="accent1"/>
+            </a:fillRef>
+            <a:effectRef idx="0">
+              <a:schemeClr val="accent1"/>
+            </a:effectRef>
+            <a:fontRef idx="minor">
+              <a:schemeClr val="lt1"/>
+            </a:fontRef>
+          </p:style>
+          <p:txBody>
+            <a:bodyPr rtlCol="0" anchor="ctr"/>
+            <a:lstStyle/>
+            <a:p>
+              <a:pPr algn="ctr"/>
+              <a:r>
+                <a:rPr lang="en-US" dirty="0" smtClean="0"/>
+                <a:t>5</a:t>
+              </a:r>
+              <a:endParaRPr lang="en-US" dirty="0"/>
+            </a:p>
+          </p:txBody>
+        </p:sp>
+        <p:sp>
+          <p:nvSpPr>
+            <p:cNvPr id="14" name="Oval 13"/>
+            <p:cNvSpPr/>
+            <p:nvPr/>
+          </p:nvSpPr>
+          <p:spPr>
+            <a:xfrm>
+              <a:off x="2933700" y="3095625"/>
+              <a:ext cx="304800" cy="381000"/>
+            </a:xfrm>
+            <a:prstGeom prst="ellipse">
+              <a:avLst/>
+            </a:prstGeom>
+            <a:solidFill>
+              <a:schemeClr val="accent1">
+                <a:lumMod val="40000"/>
+                <a:lumOff val="60000"/>
+              </a:schemeClr>
+            </a:solidFill>
+          </p:spPr>
+          <p:style>
+            <a:lnRef idx="2">
+              <a:schemeClr val="accent1">
+                <a:shade val="50000"/>
+              </a:schemeClr>
+            </a:lnRef>
+            <a:fillRef idx="1">
+              <a:schemeClr val="accent1"/>
+            </a:fillRef>
+            <a:effectRef idx="0">
+              <a:schemeClr val="accent1"/>
+            </a:effectRef>
+            <a:fontRef idx="minor">
+              <a:schemeClr val="lt1"/>
+            </a:fontRef>
+          </p:style>
+          <p:txBody>
+            <a:bodyPr rtlCol="0" anchor="ctr"/>
+            <a:lstStyle/>
+            <a:p>
+              <a:pPr algn="ctr"/>
+              <a:r>
+                <a:rPr lang="en-US" dirty="0" smtClean="0"/>
+                <a:t>6</a:t>
+              </a:r>
+              <a:endParaRPr lang="en-US" dirty="0"/>
+            </a:p>
+          </p:txBody>
+        </p:sp>
+        <p:sp>
+          <p:nvSpPr>
+            <p:cNvPr id="15" name="Oval 14"/>
+            <p:cNvSpPr/>
+            <p:nvPr/>
+          </p:nvSpPr>
+          <p:spPr>
+            <a:xfrm>
+              <a:off x="3733800" y="2190750"/>
+              <a:ext cx="304800" cy="381000"/>
+            </a:xfrm>
+            <a:prstGeom prst="ellipse">
+              <a:avLst/>
+            </a:prstGeom>
+            <a:solidFill>
+              <a:schemeClr val="accent1">
+                <a:lumMod val="40000"/>
+                <a:lumOff val="60000"/>
+              </a:schemeClr>
+            </a:solidFill>
+          </p:spPr>
+          <p:style>
+            <a:lnRef idx="2">
+              <a:schemeClr val="accent1">
+                <a:shade val="50000"/>
+              </a:schemeClr>
+            </a:lnRef>
+            <a:fillRef idx="1">
+              <a:schemeClr val="accent1"/>
+            </a:fillRef>
+            <a:effectRef idx="0">
+              <a:schemeClr val="accent1"/>
+            </a:effectRef>
+            <a:fontRef idx="minor">
+              <a:schemeClr val="lt1"/>
+            </a:fontRef>
+          </p:style>
+          <p:txBody>
+            <a:bodyPr rtlCol="0" anchor="ctr"/>
+            <a:lstStyle/>
+            <a:p>
+              <a:pPr algn="ctr"/>
+              <a:r>
+                <a:rPr lang="en-US" dirty="0" smtClean="0"/>
+                <a:t>7</a:t>
+              </a:r>
+              <a:endParaRPr lang="en-US" dirty="0"/>
+            </a:p>
+          </p:txBody>
+        </p:sp>
+        <p:sp>
+          <p:nvSpPr>
+            <p:cNvPr id="16" name="Oval 15"/>
+            <p:cNvSpPr/>
+            <p:nvPr/>
+          </p:nvSpPr>
+          <p:spPr>
+            <a:xfrm>
+              <a:off x="4572000" y="2190750"/>
+              <a:ext cx="304800" cy="381000"/>
+            </a:xfrm>
+            <a:prstGeom prst="ellipse">
+              <a:avLst/>
+            </a:prstGeom>
+            <a:solidFill>
+              <a:schemeClr val="accent1">
+                <a:lumMod val="40000"/>
+                <a:lumOff val="60000"/>
+              </a:schemeClr>
+            </a:solidFill>
+          </p:spPr>
+          <p:style>
+            <a:lnRef idx="2">
+              <a:schemeClr val="accent1">
+                <a:shade val="50000"/>
+              </a:schemeClr>
+            </a:lnRef>
+            <a:fillRef idx="1">
+              <a:schemeClr val="accent1"/>
+            </a:fillRef>
+            <a:effectRef idx="0">
+              <a:schemeClr val="accent1"/>
+            </a:effectRef>
+            <a:fontRef idx="minor">
+              <a:schemeClr val="lt1"/>
+            </a:fontRef>
+          </p:style>
+          <p:txBody>
+            <a:bodyPr rtlCol="0" anchor="ctr"/>
+            <a:lstStyle/>
+            <a:p>
+              <a:pPr algn="ctr"/>
+              <a:r>
+                <a:rPr lang="en-US" dirty="0" smtClean="0"/>
+                <a:t>8</a:t>
+              </a:r>
+              <a:endParaRPr lang="en-US" dirty="0"/>
+            </a:p>
+          </p:txBody>
+        </p:sp>
+        <p:sp>
+          <p:nvSpPr>
+            <p:cNvPr id="17" name="Oval 16"/>
+            <p:cNvSpPr/>
+            <p:nvPr/>
+          </p:nvSpPr>
+          <p:spPr>
+            <a:xfrm>
+              <a:off x="4582160" y="3095625"/>
+              <a:ext cx="304800" cy="381000"/>
+            </a:xfrm>
+            <a:prstGeom prst="ellipse">
+              <a:avLst/>
+            </a:prstGeom>
+            <a:solidFill>
+              <a:schemeClr val="accent1">
+                <a:lumMod val="40000"/>
+                <a:lumOff val="60000"/>
+              </a:schemeClr>
+            </a:solidFill>
+          </p:spPr>
+          <p:style>
+            <a:lnRef idx="2">
+              <a:schemeClr val="accent1">
+                <a:shade val="50000"/>
+              </a:schemeClr>
+            </a:lnRef>
+            <a:fillRef idx="1">
+              <a:schemeClr val="accent1"/>
+            </a:fillRef>
+            <a:effectRef idx="0">
+              <a:schemeClr val="accent1"/>
+            </a:effectRef>
+            <a:fontRef idx="minor">
+              <a:schemeClr val="lt1"/>
+            </a:fontRef>
+          </p:style>
+          <p:txBody>
+            <a:bodyPr rtlCol="0" anchor="ctr"/>
+            <a:lstStyle/>
+            <a:p>
+              <a:pPr algn="ctr"/>
+              <a:r>
+                <a:rPr lang="en-US" dirty="0"/>
+                <a:t>9</a:t>
+              </a:r>
+            </a:p>
+          </p:txBody>
+        </p:sp>
+        <p:sp>
+          <p:nvSpPr>
+            <p:cNvPr id="18" name="Oval 17"/>
+            <p:cNvSpPr/>
+            <p:nvPr/>
+          </p:nvSpPr>
+          <p:spPr>
+            <a:xfrm>
+              <a:off x="4582160" y="3886200"/>
+              <a:ext cx="304800" cy="381000"/>
+            </a:xfrm>
+            <a:prstGeom prst="ellipse">
+              <a:avLst/>
+            </a:prstGeom>
+            <a:solidFill>
+              <a:schemeClr val="accent1">
+                <a:lumMod val="40000"/>
+                <a:lumOff val="60000"/>
+              </a:schemeClr>
+            </a:solidFill>
+          </p:spPr>
+          <p:style>
+            <a:lnRef idx="2">
+              <a:schemeClr val="accent1">
+                <a:shade val="50000"/>
+              </a:schemeClr>
+            </a:lnRef>
+            <a:fillRef idx="1">
+              <a:schemeClr val="accent1"/>
+            </a:fillRef>
+            <a:effectRef idx="0">
+              <a:schemeClr val="accent1"/>
+            </a:effectRef>
+            <a:fontRef idx="minor">
+              <a:schemeClr val="lt1"/>
+            </a:fontRef>
+          </p:style>
+          <p:txBody>
+            <a:bodyPr wrap="none" rtlCol="0" anchor="ctr"/>
+            <a:lstStyle/>
+            <a:p>
+              <a:pPr algn="ctr"/>
+              <a:r>
+                <a:rPr lang="en-US" dirty="0" smtClean="0"/>
+                <a:t>10</a:t>
+              </a:r>
+              <a:endParaRPr lang="en-US" dirty="0"/>
+            </a:p>
+          </p:txBody>
+        </p:sp>
+        <p:sp>
+          <p:nvSpPr>
+            <p:cNvPr id="19" name="Oval 18"/>
+            <p:cNvSpPr/>
+            <p:nvPr/>
+          </p:nvSpPr>
+          <p:spPr>
+            <a:xfrm>
+              <a:off x="5334000" y="3886200"/>
+              <a:ext cx="304800" cy="381000"/>
+            </a:xfrm>
+            <a:prstGeom prst="ellipse">
+              <a:avLst/>
+            </a:prstGeom>
+            <a:solidFill>
+              <a:schemeClr val="accent1">
+                <a:lumMod val="40000"/>
+                <a:lumOff val="60000"/>
+              </a:schemeClr>
+            </a:solidFill>
+          </p:spPr>
+          <p:style>
+            <a:lnRef idx="2">
+              <a:schemeClr val="accent1">
+                <a:shade val="50000"/>
+              </a:schemeClr>
+            </a:lnRef>
+            <a:fillRef idx="1">
+              <a:schemeClr val="accent1"/>
+            </a:fillRef>
+            <a:effectRef idx="0">
+              <a:schemeClr val="accent1"/>
+            </a:effectRef>
+            <a:fontRef idx="minor">
+              <a:schemeClr val="lt1"/>
+            </a:fontRef>
+          </p:style>
+          <p:txBody>
+            <a:bodyPr wrap="none" rtlCol="0" anchor="ctr"/>
+            <a:lstStyle/>
+            <a:p>
+              <a:pPr algn="ctr"/>
+              <a:r>
+                <a:rPr lang="en-US" dirty="0" smtClean="0"/>
+                <a:t>11</a:t>
+              </a:r>
+              <a:endParaRPr lang="en-US" dirty="0"/>
+            </a:p>
+          </p:txBody>
+        </p:sp>
+        <p:sp>
+          <p:nvSpPr>
+            <p:cNvPr id="20" name="Oval 19"/>
+            <p:cNvSpPr/>
+            <p:nvPr/>
+          </p:nvSpPr>
+          <p:spPr>
+            <a:xfrm>
+              <a:off x="5334000" y="3095625"/>
+              <a:ext cx="304800" cy="381000"/>
+            </a:xfrm>
+            <a:prstGeom prst="ellipse">
+              <a:avLst/>
+            </a:prstGeom>
+            <a:solidFill>
+              <a:schemeClr val="accent1">
+                <a:lumMod val="40000"/>
+                <a:lumOff val="60000"/>
+              </a:schemeClr>
+            </a:solidFill>
+          </p:spPr>
+          <p:style>
+            <a:lnRef idx="2">
+              <a:schemeClr val="accent1">
+                <a:shade val="50000"/>
+              </a:schemeClr>
+            </a:lnRef>
+            <a:fillRef idx="1">
+              <a:schemeClr val="accent1"/>
+            </a:fillRef>
+            <a:effectRef idx="0">
+              <a:schemeClr val="accent1"/>
+            </a:effectRef>
+            <a:fontRef idx="minor">
+              <a:schemeClr val="lt1"/>
+            </a:fontRef>
+          </p:style>
+          <p:txBody>
+            <a:bodyPr wrap="none" rtlCol="0" anchor="ctr"/>
+            <a:lstStyle/>
+            <a:p>
+              <a:pPr algn="ctr"/>
+              <a:r>
+                <a:rPr lang="en-US" dirty="0" smtClean="0"/>
+                <a:t>12</a:t>
+              </a:r>
+              <a:endParaRPr lang="en-US" dirty="0"/>
+            </a:p>
+          </p:txBody>
+        </p:sp>
+        <p:cxnSp>
+          <p:nvCxnSpPr>
+            <p:cNvPr id="5" name="Straight Connector 4"/>
+            <p:cNvCxnSpPr>
+              <a:stCxn id="4" idx="3"/>
+              <a:endCxn id="10" idx="7"/>
+            </p:cNvCxnSpPr>
+            <p:nvPr/>
+          </p:nvCxnSpPr>
+          <p:spPr>
+            <a:xfrm flipH="1">
+              <a:off x="3203388" y="1649179"/>
+              <a:ext cx="575049" cy="597367"/>
+            </a:xfrm>
+            <a:prstGeom prst="line">
+              <a:avLst/>
+            </a:prstGeom>
+            <a:ln w="28575"/>
+          </p:spPr>
+          <p:style>
+            <a:lnRef idx="1">
+              <a:schemeClr val="accent1"/>
+            </a:lnRef>
+            <a:fillRef idx="0">
+              <a:schemeClr val="accent1"/>
+            </a:fillRef>
+            <a:effectRef idx="0">
+              <a:schemeClr val="accent1"/>
+            </a:effectRef>
+            <a:fontRef idx="minor">
+              <a:schemeClr val="tx1"/>
+            </a:fontRef>
+          </p:style>
+        </p:cxnSp>
+        <p:cxnSp>
+          <p:nvCxnSpPr>
+            <p:cNvPr id="21" name="Straight Connector 20"/>
+            <p:cNvCxnSpPr>
+              <a:endCxn id="11" idx="7"/>
+            </p:cNvCxnSpPr>
+            <p:nvPr/>
+          </p:nvCxnSpPr>
+          <p:spPr>
+            <a:xfrm flipH="1">
+              <a:off x="2408049" y="2498258"/>
+              <a:ext cx="599367" cy="643638"/>
+            </a:xfrm>
+            <a:prstGeom prst="line">
+              <a:avLst/>
+            </a:prstGeom>
+            <a:ln w="28575"/>
+          </p:spPr>
+          <p:style>
+            <a:lnRef idx="1">
+              <a:schemeClr val="accent1"/>
+            </a:lnRef>
+            <a:fillRef idx="0">
+              <a:schemeClr val="accent1"/>
+            </a:fillRef>
+            <a:effectRef idx="0">
+              <a:schemeClr val="accent1"/>
+            </a:effectRef>
+            <a:fontRef idx="minor">
+              <a:schemeClr val="tx1"/>
+            </a:fontRef>
+          </p:style>
+        </p:cxnSp>
+        <p:cxnSp>
+          <p:nvCxnSpPr>
+            <p:cNvPr id="22" name="Straight Connector 21"/>
+            <p:cNvCxnSpPr/>
+            <p:nvPr/>
+          </p:nvCxnSpPr>
+          <p:spPr>
+            <a:xfrm flipH="1">
+              <a:off x="1616653" y="3352800"/>
+              <a:ext cx="575049" cy="597367"/>
+            </a:xfrm>
+            <a:prstGeom prst="line">
+              <a:avLst/>
+            </a:prstGeom>
+            <a:ln w="28575"/>
+          </p:spPr>
+          <p:style>
+            <a:lnRef idx="1">
+              <a:schemeClr val="accent1"/>
+            </a:lnRef>
+            <a:fillRef idx="0">
+              <a:schemeClr val="accent1"/>
+            </a:fillRef>
+            <a:effectRef idx="0">
+              <a:schemeClr val="accent1"/>
+            </a:effectRef>
+            <a:fontRef idx="minor">
+              <a:schemeClr val="tx1"/>
+            </a:fontRef>
+          </p:style>
+        </p:cxnSp>
+        <p:cxnSp>
+          <p:nvCxnSpPr>
+            <p:cNvPr id="23" name="Straight Connector 22"/>
+            <p:cNvCxnSpPr>
+              <a:endCxn id="13" idx="0"/>
+            </p:cNvCxnSpPr>
+            <p:nvPr/>
+          </p:nvCxnSpPr>
+          <p:spPr>
+            <a:xfrm flipH="1">
+              <a:off x="2328862" y="3476625"/>
+              <a:ext cx="7621" cy="409575"/>
+            </a:xfrm>
+            <a:prstGeom prst="line">
+              <a:avLst/>
+            </a:prstGeom>
+            <a:ln w="28575"/>
+          </p:spPr>
+          <p:style>
+            <a:lnRef idx="1">
+              <a:schemeClr val="accent1"/>
+            </a:lnRef>
+            <a:fillRef idx="0">
+              <a:schemeClr val="accent1"/>
+            </a:fillRef>
+            <a:effectRef idx="0">
+              <a:schemeClr val="accent1"/>
+            </a:effectRef>
+            <a:fontRef idx="minor">
+              <a:schemeClr val="tx1"/>
+            </a:fontRef>
+          </p:style>
+        </p:cxnSp>
+        <p:cxnSp>
+          <p:nvCxnSpPr>
+            <p:cNvPr id="25" name="Straight Connector 24"/>
+            <p:cNvCxnSpPr>
+              <a:endCxn id="14" idx="0"/>
+            </p:cNvCxnSpPr>
+            <p:nvPr/>
+          </p:nvCxnSpPr>
+          <p:spPr>
+            <a:xfrm flipH="1">
+              <a:off x="3086100" y="2571750"/>
+              <a:ext cx="9526" cy="523875"/>
+            </a:xfrm>
+            <a:prstGeom prst="line">
+              <a:avLst/>
+            </a:prstGeom>
+            <a:ln w="28575"/>
+          </p:spPr>
+          <p:style>
+            <a:lnRef idx="1">
+              <a:schemeClr val="accent1"/>
+            </a:lnRef>
+            <a:fillRef idx="0">
+              <a:schemeClr val="accent1"/>
+            </a:fillRef>
+            <a:effectRef idx="0">
+              <a:schemeClr val="accent1"/>
+            </a:effectRef>
+            <a:fontRef idx="minor">
+              <a:schemeClr val="tx1"/>
+            </a:fontRef>
+          </p:style>
+        </p:cxnSp>
+        <p:cxnSp>
+          <p:nvCxnSpPr>
+            <p:cNvPr id="27" name="Straight Connector 26"/>
+            <p:cNvCxnSpPr>
+              <a:endCxn id="15" idx="0"/>
+            </p:cNvCxnSpPr>
+            <p:nvPr/>
+          </p:nvCxnSpPr>
+          <p:spPr>
+            <a:xfrm flipH="1">
+              <a:off x="3886200" y="1711325"/>
+              <a:ext cx="15241" cy="479425"/>
+            </a:xfrm>
+            <a:prstGeom prst="line">
+              <a:avLst/>
+            </a:prstGeom>
+            <a:ln w="28575"/>
+          </p:spPr>
+          <p:style>
+            <a:lnRef idx="1">
+              <a:schemeClr val="accent1"/>
+            </a:lnRef>
+            <a:fillRef idx="0">
+              <a:schemeClr val="accent1"/>
+            </a:fillRef>
+            <a:effectRef idx="0">
+              <a:schemeClr val="accent1"/>
+            </a:effectRef>
+            <a:fontRef idx="minor">
+              <a:schemeClr val="tx1"/>
+            </a:fontRef>
+          </p:style>
+        </p:cxnSp>
+        <p:cxnSp>
+          <p:nvCxnSpPr>
+            <p:cNvPr id="29" name="Straight Connector 28"/>
+            <p:cNvCxnSpPr>
+              <a:stCxn id="16" idx="1"/>
+              <a:endCxn id="4" idx="5"/>
+            </p:cNvCxnSpPr>
+            <p:nvPr/>
+          </p:nvCxnSpPr>
+          <p:spPr>
+            <a:xfrm flipH="1" flipV="1">
+              <a:off x="3993963" y="1649179"/>
+              <a:ext cx="622674" cy="597367"/>
+            </a:xfrm>
+            <a:prstGeom prst="line">
+              <a:avLst/>
+            </a:prstGeom>
+            <a:ln w="28575"/>
+          </p:spPr>
+          <p:style>
+            <a:lnRef idx="1">
+              <a:schemeClr val="accent1"/>
+            </a:lnRef>
+            <a:fillRef idx="0">
+              <a:schemeClr val="accent1"/>
+            </a:fillRef>
+            <a:effectRef idx="0">
+              <a:schemeClr val="accent1"/>
+            </a:effectRef>
+            <a:fontRef idx="minor">
+              <a:schemeClr val="tx1"/>
+            </a:fontRef>
+          </p:style>
+        </p:cxnSp>
+        <p:cxnSp>
+          <p:nvCxnSpPr>
+            <p:cNvPr id="24" name="Straight Connector 23"/>
+            <p:cNvCxnSpPr>
+              <a:endCxn id="17" idx="0"/>
+            </p:cNvCxnSpPr>
+            <p:nvPr/>
+          </p:nvCxnSpPr>
+          <p:spPr>
+            <a:xfrm>
+              <a:off x="4724401" y="2571750"/>
+              <a:ext cx="10159" cy="523875"/>
+            </a:xfrm>
+            <a:prstGeom prst="line">
+              <a:avLst/>
+            </a:prstGeom>
+            <a:ln w="28575"/>
+          </p:spPr>
+          <p:style>
+            <a:lnRef idx="1">
+              <a:schemeClr val="accent1"/>
+            </a:lnRef>
+            <a:fillRef idx="0">
+              <a:schemeClr val="accent1"/>
+            </a:fillRef>
+            <a:effectRef idx="0">
+              <a:schemeClr val="accent1"/>
+            </a:effectRef>
+            <a:fontRef idx="minor">
+              <a:schemeClr val="tx1"/>
+            </a:fontRef>
+          </p:style>
+        </p:cxnSp>
+        <p:cxnSp>
+          <p:nvCxnSpPr>
+            <p:cNvPr id="26" name="Straight Connector 25"/>
+            <p:cNvCxnSpPr>
+              <a:stCxn id="16" idx="5"/>
+              <a:endCxn id="20" idx="1"/>
+            </p:cNvCxnSpPr>
+            <p:nvPr/>
+          </p:nvCxnSpPr>
+          <p:spPr>
+            <a:xfrm>
+              <a:off x="4832163" y="2515954"/>
+              <a:ext cx="546474" cy="635467"/>
+            </a:xfrm>
+            <a:prstGeom prst="line">
+              <a:avLst/>
+            </a:prstGeom>
+            <a:ln w="28575"/>
+          </p:spPr>
+          <p:style>
+            <a:lnRef idx="1">
+              <a:schemeClr val="accent1"/>
+            </a:lnRef>
+            <a:fillRef idx="0">
+              <a:schemeClr val="accent1"/>
+            </a:fillRef>
+            <a:effectRef idx="0">
+              <a:schemeClr val="accent1"/>
+            </a:effectRef>
+            <a:fontRef idx="minor">
+              <a:schemeClr val="tx1"/>
+            </a:fontRef>
+          </p:style>
+        </p:cxnSp>
+        <p:cxnSp>
+          <p:nvCxnSpPr>
+            <p:cNvPr id="28" name="Straight Connector 27"/>
+            <p:cNvCxnSpPr/>
+            <p:nvPr/>
+          </p:nvCxnSpPr>
+          <p:spPr>
+            <a:xfrm flipH="1">
+              <a:off x="4729480" y="3441699"/>
+              <a:ext cx="15241" cy="479425"/>
+            </a:xfrm>
+            <a:prstGeom prst="line">
+              <a:avLst/>
+            </a:prstGeom>
+            <a:ln w="28575"/>
+          </p:spPr>
+          <p:style>
+            <a:lnRef idx="1">
+              <a:schemeClr val="accent1"/>
+            </a:lnRef>
+            <a:fillRef idx="0">
+              <a:schemeClr val="accent1"/>
+            </a:fillRef>
+            <a:effectRef idx="0">
+              <a:schemeClr val="accent1"/>
+            </a:effectRef>
+            <a:fontRef idx="minor">
+              <a:schemeClr val="tx1"/>
+            </a:fontRef>
+          </p:style>
+        </p:cxnSp>
+        <p:cxnSp>
+          <p:nvCxnSpPr>
+            <p:cNvPr id="30" name="Straight Connector 29"/>
+            <p:cNvCxnSpPr>
+              <a:stCxn id="17" idx="5"/>
+              <a:endCxn id="19" idx="1"/>
+            </p:cNvCxnSpPr>
+            <p:nvPr/>
+          </p:nvCxnSpPr>
+          <p:spPr>
+            <a:xfrm>
+              <a:off x="4842323" y="3420829"/>
+              <a:ext cx="536314" cy="521167"/>
+            </a:xfrm>
+            <a:prstGeom prst="line">
+              <a:avLst/>
+            </a:prstGeom>
+            <a:ln w="28575"/>
+          </p:spPr>
+          <p:style>
+            <a:lnRef idx="1">
+              <a:schemeClr val="accent1"/>
+            </a:lnRef>
+            <a:fillRef idx="0">
+              <a:schemeClr val="accent1"/>
+            </a:fillRef>
+            <a:effectRef idx="0">
+              <a:schemeClr val="accent1"/>
+            </a:effectRef>
+            <a:fontRef idx="minor">
+              <a:schemeClr val="tx1"/>
+            </a:fontRef>
+          </p:style>
+        </p:cxnSp>
+      </p:grpSp>
     </p:spTree>
     <p:extLst>
       <p:ext uri="{BB962C8B-B14F-4D97-AF65-F5344CB8AC3E}">
@@ -4107,6 +4255,1136 @@
           <a:lstStyle/>
           <a:p>
             <a:r>
+              <a:rPr lang="en-US" sz="2800" dirty="0"/>
+              <a:t>Depth-first and breadth-first search</a:t>
+            </a:r>
+          </a:p>
+        </p:txBody>
+      </p:sp>
+      <p:grpSp>
+        <p:nvGrpSpPr>
+          <p:cNvPr id="28" name="Group 27"/>
+          <p:cNvGrpSpPr/>
+          <p:nvPr/>
+        </p:nvGrpSpPr>
+        <p:grpSpPr>
+          <a:xfrm>
+            <a:off x="1911797" y="2005012"/>
+            <a:ext cx="4267200" cy="2943225"/>
+            <a:chOff x="1911797" y="2005012"/>
+            <a:chExt cx="4267200" cy="2943225"/>
+          </a:xfrm>
+        </p:grpSpPr>
+        <p:sp>
+          <p:nvSpPr>
+            <p:cNvPr id="5" name="Oval 4"/>
+            <p:cNvSpPr/>
+            <p:nvPr/>
+          </p:nvSpPr>
+          <p:spPr>
+            <a:xfrm>
+              <a:off x="4273997" y="2005012"/>
+              <a:ext cx="304800" cy="381000"/>
+            </a:xfrm>
+            <a:prstGeom prst="ellipse">
+              <a:avLst/>
+            </a:prstGeom>
+            <a:solidFill>
+              <a:schemeClr val="accent1">
+                <a:lumMod val="40000"/>
+                <a:lumOff val="60000"/>
+              </a:schemeClr>
+            </a:solidFill>
+          </p:spPr>
+          <p:style>
+            <a:lnRef idx="2">
+              <a:schemeClr val="accent1">
+                <a:shade val="50000"/>
+              </a:schemeClr>
+            </a:lnRef>
+            <a:fillRef idx="1">
+              <a:schemeClr val="accent1"/>
+            </a:fillRef>
+            <a:effectRef idx="0">
+              <a:schemeClr val="accent1"/>
+            </a:effectRef>
+            <a:fontRef idx="minor">
+              <a:schemeClr val="lt1"/>
+            </a:fontRef>
+          </p:style>
+          <p:txBody>
+            <a:bodyPr rtlCol="0" anchor="ctr"/>
+            <a:lstStyle/>
+            <a:p>
+              <a:pPr algn="ctr"/>
+              <a:r>
+                <a:rPr lang="en-US" dirty="0" smtClean="0"/>
+                <a:t>1</a:t>
+              </a:r>
+              <a:endParaRPr lang="en-US" dirty="0"/>
+            </a:p>
+          </p:txBody>
+        </p:sp>
+        <p:sp>
+          <p:nvSpPr>
+            <p:cNvPr id="6" name="Oval 5"/>
+            <p:cNvSpPr/>
+            <p:nvPr/>
+          </p:nvSpPr>
+          <p:spPr>
+            <a:xfrm>
+              <a:off x="3483422" y="2871787"/>
+              <a:ext cx="304800" cy="381000"/>
+            </a:xfrm>
+            <a:prstGeom prst="ellipse">
+              <a:avLst/>
+            </a:prstGeom>
+            <a:solidFill>
+              <a:schemeClr val="accent1">
+                <a:lumMod val="40000"/>
+                <a:lumOff val="60000"/>
+              </a:schemeClr>
+            </a:solidFill>
+          </p:spPr>
+          <p:style>
+            <a:lnRef idx="2">
+              <a:schemeClr val="accent1">
+                <a:shade val="50000"/>
+              </a:schemeClr>
+            </a:lnRef>
+            <a:fillRef idx="1">
+              <a:schemeClr val="accent1"/>
+            </a:fillRef>
+            <a:effectRef idx="0">
+              <a:schemeClr val="accent1"/>
+            </a:effectRef>
+            <a:fontRef idx="minor">
+              <a:schemeClr val="lt1"/>
+            </a:fontRef>
+          </p:style>
+          <p:txBody>
+            <a:bodyPr rtlCol="0" anchor="ctr"/>
+            <a:lstStyle/>
+            <a:p>
+              <a:pPr algn="ctr"/>
+              <a:r>
+                <a:rPr lang="en-US" dirty="0" smtClean="0"/>
+                <a:t>2</a:t>
+              </a:r>
+              <a:endParaRPr lang="en-US" dirty="0"/>
+            </a:p>
+          </p:txBody>
+        </p:sp>
+        <p:sp>
+          <p:nvSpPr>
+            <p:cNvPr id="7" name="Oval 6"/>
+            <p:cNvSpPr/>
+            <p:nvPr/>
+          </p:nvSpPr>
+          <p:spPr>
+            <a:xfrm>
+              <a:off x="2688083" y="3767137"/>
+              <a:ext cx="304800" cy="381000"/>
+            </a:xfrm>
+            <a:prstGeom prst="ellipse">
+              <a:avLst/>
+            </a:prstGeom>
+            <a:solidFill>
+              <a:schemeClr val="accent1">
+                <a:lumMod val="40000"/>
+                <a:lumOff val="60000"/>
+              </a:schemeClr>
+            </a:solidFill>
+          </p:spPr>
+          <p:style>
+            <a:lnRef idx="2">
+              <a:schemeClr val="accent1">
+                <a:shade val="50000"/>
+              </a:schemeClr>
+            </a:lnRef>
+            <a:fillRef idx="1">
+              <a:schemeClr val="accent1"/>
+            </a:fillRef>
+            <a:effectRef idx="0">
+              <a:schemeClr val="accent1"/>
+            </a:effectRef>
+            <a:fontRef idx="minor">
+              <a:schemeClr val="lt1"/>
+            </a:fontRef>
+          </p:style>
+          <p:txBody>
+            <a:bodyPr rtlCol="0" anchor="ctr"/>
+            <a:lstStyle/>
+            <a:p>
+              <a:pPr algn="ctr"/>
+              <a:r>
+                <a:rPr lang="en-US" dirty="0"/>
+                <a:t>5</a:t>
+              </a:r>
+              <a:endParaRPr lang="en-US" dirty="0"/>
+            </a:p>
+          </p:txBody>
+        </p:sp>
+        <p:sp>
+          <p:nvSpPr>
+            <p:cNvPr id="8" name="Oval 7"/>
+            <p:cNvSpPr/>
+            <p:nvPr/>
+          </p:nvSpPr>
+          <p:spPr>
+            <a:xfrm>
+              <a:off x="1911797" y="4567237"/>
+              <a:ext cx="304800" cy="381000"/>
+            </a:xfrm>
+            <a:prstGeom prst="ellipse">
+              <a:avLst/>
+            </a:prstGeom>
+            <a:solidFill>
+              <a:schemeClr val="accent1">
+                <a:lumMod val="40000"/>
+                <a:lumOff val="60000"/>
+              </a:schemeClr>
+            </a:solidFill>
+          </p:spPr>
+          <p:style>
+            <a:lnRef idx="2">
+              <a:schemeClr val="accent1">
+                <a:shade val="50000"/>
+              </a:schemeClr>
+            </a:lnRef>
+            <a:fillRef idx="1">
+              <a:schemeClr val="accent1"/>
+            </a:fillRef>
+            <a:effectRef idx="0">
+              <a:schemeClr val="accent1"/>
+            </a:effectRef>
+            <a:fontRef idx="minor">
+              <a:schemeClr val="lt1"/>
+            </a:fontRef>
+          </p:style>
+          <p:txBody>
+            <a:bodyPr rtlCol="0" anchor="ctr"/>
+            <a:lstStyle/>
+            <a:p>
+              <a:pPr algn="ctr"/>
+              <a:r>
+                <a:rPr lang="en-US" dirty="0"/>
+                <a:t>9</a:t>
+              </a:r>
+              <a:endParaRPr lang="en-US" dirty="0"/>
+            </a:p>
+          </p:txBody>
+        </p:sp>
+        <p:sp>
+          <p:nvSpPr>
+            <p:cNvPr id="9" name="Oval 8"/>
+            <p:cNvSpPr/>
+            <p:nvPr/>
+          </p:nvSpPr>
+          <p:spPr>
+            <a:xfrm>
+              <a:off x="2716659" y="4567237"/>
+              <a:ext cx="304800" cy="381000"/>
+            </a:xfrm>
+            <a:prstGeom prst="ellipse">
+              <a:avLst/>
+            </a:prstGeom>
+            <a:solidFill>
+              <a:schemeClr val="accent1">
+                <a:lumMod val="40000"/>
+                <a:lumOff val="60000"/>
+              </a:schemeClr>
+            </a:solidFill>
+          </p:spPr>
+          <p:style>
+            <a:lnRef idx="2">
+              <a:schemeClr val="accent1">
+                <a:shade val="50000"/>
+              </a:schemeClr>
+            </a:lnRef>
+            <a:fillRef idx="1">
+              <a:schemeClr val="accent1"/>
+            </a:fillRef>
+            <a:effectRef idx="0">
+              <a:schemeClr val="accent1"/>
+            </a:effectRef>
+            <a:fontRef idx="minor">
+              <a:schemeClr val="lt1"/>
+            </a:fontRef>
+          </p:style>
+          <p:txBody>
+            <a:bodyPr wrap="none" rtlCol="0" anchor="ctr"/>
+            <a:lstStyle/>
+            <a:p>
+              <a:pPr algn="ctr"/>
+              <a:r>
+                <a:rPr lang="en-US" dirty="0" smtClean="0"/>
+                <a:t>10</a:t>
+              </a:r>
+              <a:endParaRPr lang="en-US" dirty="0"/>
+            </a:p>
+          </p:txBody>
+        </p:sp>
+        <p:sp>
+          <p:nvSpPr>
+            <p:cNvPr id="10" name="Oval 9"/>
+            <p:cNvSpPr/>
+            <p:nvPr/>
+          </p:nvSpPr>
+          <p:spPr>
+            <a:xfrm>
+              <a:off x="3473897" y="3776662"/>
+              <a:ext cx="304800" cy="381000"/>
+            </a:xfrm>
+            <a:prstGeom prst="ellipse">
+              <a:avLst/>
+            </a:prstGeom>
+            <a:solidFill>
+              <a:schemeClr val="accent1">
+                <a:lumMod val="40000"/>
+                <a:lumOff val="60000"/>
+              </a:schemeClr>
+            </a:solidFill>
+          </p:spPr>
+          <p:style>
+            <a:lnRef idx="2">
+              <a:schemeClr val="accent1">
+                <a:shade val="50000"/>
+              </a:schemeClr>
+            </a:lnRef>
+            <a:fillRef idx="1">
+              <a:schemeClr val="accent1"/>
+            </a:fillRef>
+            <a:effectRef idx="0">
+              <a:schemeClr val="accent1"/>
+            </a:effectRef>
+            <a:fontRef idx="minor">
+              <a:schemeClr val="lt1"/>
+            </a:fontRef>
+          </p:style>
+          <p:txBody>
+            <a:bodyPr rtlCol="0" anchor="ctr"/>
+            <a:lstStyle/>
+            <a:p>
+              <a:pPr algn="ctr"/>
+              <a:r>
+                <a:rPr lang="en-US" dirty="0" smtClean="0"/>
+                <a:t>6</a:t>
+              </a:r>
+              <a:endParaRPr lang="en-US" dirty="0"/>
+            </a:p>
+          </p:txBody>
+        </p:sp>
+        <p:sp>
+          <p:nvSpPr>
+            <p:cNvPr id="11" name="Oval 10"/>
+            <p:cNvSpPr/>
+            <p:nvPr/>
+          </p:nvSpPr>
+          <p:spPr>
+            <a:xfrm>
+              <a:off x="4273997" y="2871787"/>
+              <a:ext cx="304800" cy="381000"/>
+            </a:xfrm>
+            <a:prstGeom prst="ellipse">
+              <a:avLst/>
+            </a:prstGeom>
+            <a:solidFill>
+              <a:schemeClr val="accent1">
+                <a:lumMod val="40000"/>
+                <a:lumOff val="60000"/>
+              </a:schemeClr>
+            </a:solidFill>
+          </p:spPr>
+          <p:style>
+            <a:lnRef idx="2">
+              <a:schemeClr val="accent1">
+                <a:shade val="50000"/>
+              </a:schemeClr>
+            </a:lnRef>
+            <a:fillRef idx="1">
+              <a:schemeClr val="accent1"/>
+            </a:fillRef>
+            <a:effectRef idx="0">
+              <a:schemeClr val="accent1"/>
+            </a:effectRef>
+            <a:fontRef idx="minor">
+              <a:schemeClr val="lt1"/>
+            </a:fontRef>
+          </p:style>
+          <p:txBody>
+            <a:bodyPr rtlCol="0" anchor="ctr"/>
+            <a:lstStyle/>
+            <a:p>
+              <a:pPr algn="ctr"/>
+              <a:r>
+                <a:rPr lang="en-US" dirty="0"/>
+                <a:t>3</a:t>
+              </a:r>
+              <a:endParaRPr lang="en-US" dirty="0"/>
+            </a:p>
+          </p:txBody>
+        </p:sp>
+        <p:sp>
+          <p:nvSpPr>
+            <p:cNvPr id="12" name="Oval 11"/>
+            <p:cNvSpPr/>
+            <p:nvPr/>
+          </p:nvSpPr>
+          <p:spPr>
+            <a:xfrm>
+              <a:off x="5112197" y="2871787"/>
+              <a:ext cx="304800" cy="381000"/>
+            </a:xfrm>
+            <a:prstGeom prst="ellipse">
+              <a:avLst/>
+            </a:prstGeom>
+            <a:solidFill>
+              <a:schemeClr val="accent1">
+                <a:lumMod val="40000"/>
+                <a:lumOff val="60000"/>
+              </a:schemeClr>
+            </a:solidFill>
+          </p:spPr>
+          <p:style>
+            <a:lnRef idx="2">
+              <a:schemeClr val="accent1">
+                <a:shade val="50000"/>
+              </a:schemeClr>
+            </a:lnRef>
+            <a:fillRef idx="1">
+              <a:schemeClr val="accent1"/>
+            </a:fillRef>
+            <a:effectRef idx="0">
+              <a:schemeClr val="accent1"/>
+            </a:effectRef>
+            <a:fontRef idx="minor">
+              <a:schemeClr val="lt1"/>
+            </a:fontRef>
+          </p:style>
+          <p:txBody>
+            <a:bodyPr rtlCol="0" anchor="ctr"/>
+            <a:lstStyle/>
+            <a:p>
+              <a:pPr algn="ctr"/>
+              <a:r>
+                <a:rPr lang="en-US" dirty="0"/>
+                <a:t>4</a:t>
+              </a:r>
+              <a:endParaRPr lang="en-US" dirty="0"/>
+            </a:p>
+          </p:txBody>
+        </p:sp>
+        <p:sp>
+          <p:nvSpPr>
+            <p:cNvPr id="13" name="Oval 12"/>
+            <p:cNvSpPr/>
+            <p:nvPr/>
+          </p:nvSpPr>
+          <p:spPr>
+            <a:xfrm>
+              <a:off x="5122357" y="3776662"/>
+              <a:ext cx="304800" cy="381000"/>
+            </a:xfrm>
+            <a:prstGeom prst="ellipse">
+              <a:avLst/>
+            </a:prstGeom>
+            <a:solidFill>
+              <a:schemeClr val="accent1">
+                <a:lumMod val="40000"/>
+                <a:lumOff val="60000"/>
+              </a:schemeClr>
+            </a:solidFill>
+          </p:spPr>
+          <p:style>
+            <a:lnRef idx="2">
+              <a:schemeClr val="accent1">
+                <a:shade val="50000"/>
+              </a:schemeClr>
+            </a:lnRef>
+            <a:fillRef idx="1">
+              <a:schemeClr val="accent1"/>
+            </a:fillRef>
+            <a:effectRef idx="0">
+              <a:schemeClr val="accent1"/>
+            </a:effectRef>
+            <a:fontRef idx="minor">
+              <a:schemeClr val="lt1"/>
+            </a:fontRef>
+          </p:style>
+          <p:txBody>
+            <a:bodyPr rtlCol="0" anchor="ctr"/>
+            <a:lstStyle/>
+            <a:p>
+              <a:pPr algn="ctr"/>
+              <a:r>
+                <a:rPr lang="en-US" dirty="0"/>
+                <a:t>7</a:t>
+              </a:r>
+              <a:endParaRPr lang="en-US" dirty="0"/>
+            </a:p>
+          </p:txBody>
+        </p:sp>
+        <p:sp>
+          <p:nvSpPr>
+            <p:cNvPr id="14" name="Oval 13"/>
+            <p:cNvSpPr/>
+            <p:nvPr/>
+          </p:nvSpPr>
+          <p:spPr>
+            <a:xfrm>
+              <a:off x="5122357" y="4567237"/>
+              <a:ext cx="304800" cy="381000"/>
+            </a:xfrm>
+            <a:prstGeom prst="ellipse">
+              <a:avLst/>
+            </a:prstGeom>
+            <a:solidFill>
+              <a:schemeClr val="accent1">
+                <a:lumMod val="40000"/>
+                <a:lumOff val="60000"/>
+              </a:schemeClr>
+            </a:solidFill>
+          </p:spPr>
+          <p:style>
+            <a:lnRef idx="2">
+              <a:schemeClr val="accent1">
+                <a:shade val="50000"/>
+              </a:schemeClr>
+            </a:lnRef>
+            <a:fillRef idx="1">
+              <a:schemeClr val="accent1"/>
+            </a:fillRef>
+            <a:effectRef idx="0">
+              <a:schemeClr val="accent1"/>
+            </a:effectRef>
+            <a:fontRef idx="minor">
+              <a:schemeClr val="lt1"/>
+            </a:fontRef>
+          </p:style>
+          <p:txBody>
+            <a:bodyPr wrap="none" rtlCol="0" anchor="ctr"/>
+            <a:lstStyle/>
+            <a:p>
+              <a:pPr algn="ctr"/>
+              <a:r>
+                <a:rPr lang="en-US" dirty="0" smtClean="0"/>
+                <a:t>11</a:t>
+              </a:r>
+              <a:endParaRPr lang="en-US" dirty="0"/>
+            </a:p>
+          </p:txBody>
+        </p:sp>
+        <p:sp>
+          <p:nvSpPr>
+            <p:cNvPr id="15" name="Oval 14"/>
+            <p:cNvSpPr/>
+            <p:nvPr/>
+          </p:nvSpPr>
+          <p:spPr>
+            <a:xfrm>
+              <a:off x="5874197" y="4567237"/>
+              <a:ext cx="304800" cy="381000"/>
+            </a:xfrm>
+            <a:prstGeom prst="ellipse">
+              <a:avLst/>
+            </a:prstGeom>
+            <a:solidFill>
+              <a:schemeClr val="accent1">
+                <a:lumMod val="40000"/>
+                <a:lumOff val="60000"/>
+              </a:schemeClr>
+            </a:solidFill>
+          </p:spPr>
+          <p:style>
+            <a:lnRef idx="2">
+              <a:schemeClr val="accent1">
+                <a:shade val="50000"/>
+              </a:schemeClr>
+            </a:lnRef>
+            <a:fillRef idx="1">
+              <a:schemeClr val="accent1"/>
+            </a:fillRef>
+            <a:effectRef idx="0">
+              <a:schemeClr val="accent1"/>
+            </a:effectRef>
+            <a:fontRef idx="minor">
+              <a:schemeClr val="lt1"/>
+            </a:fontRef>
+          </p:style>
+          <p:txBody>
+            <a:bodyPr wrap="none" rtlCol="0" anchor="ctr"/>
+            <a:lstStyle/>
+            <a:p>
+              <a:pPr algn="ctr"/>
+              <a:r>
+                <a:rPr lang="en-US" dirty="0" smtClean="0"/>
+                <a:t>12</a:t>
+              </a:r>
+              <a:endParaRPr lang="en-US" dirty="0"/>
+            </a:p>
+          </p:txBody>
+        </p:sp>
+        <p:sp>
+          <p:nvSpPr>
+            <p:cNvPr id="16" name="Oval 15"/>
+            <p:cNvSpPr/>
+            <p:nvPr/>
+          </p:nvSpPr>
+          <p:spPr>
+            <a:xfrm>
+              <a:off x="5874197" y="3776662"/>
+              <a:ext cx="304800" cy="381000"/>
+            </a:xfrm>
+            <a:prstGeom prst="ellipse">
+              <a:avLst/>
+            </a:prstGeom>
+            <a:solidFill>
+              <a:schemeClr val="accent1">
+                <a:lumMod val="40000"/>
+                <a:lumOff val="60000"/>
+              </a:schemeClr>
+            </a:solidFill>
+          </p:spPr>
+          <p:style>
+            <a:lnRef idx="2">
+              <a:schemeClr val="accent1">
+                <a:shade val="50000"/>
+              </a:schemeClr>
+            </a:lnRef>
+            <a:fillRef idx="1">
+              <a:schemeClr val="accent1"/>
+            </a:fillRef>
+            <a:effectRef idx="0">
+              <a:schemeClr val="accent1"/>
+            </a:effectRef>
+            <a:fontRef idx="minor">
+              <a:schemeClr val="lt1"/>
+            </a:fontRef>
+          </p:style>
+          <p:txBody>
+            <a:bodyPr wrap="none" rtlCol="0" anchor="ctr"/>
+            <a:lstStyle/>
+            <a:p>
+              <a:pPr algn="ctr"/>
+              <a:r>
+                <a:rPr lang="en-US" dirty="0"/>
+                <a:t>8</a:t>
+              </a:r>
+              <a:endParaRPr lang="en-US" dirty="0"/>
+            </a:p>
+          </p:txBody>
+        </p:sp>
+        <p:cxnSp>
+          <p:nvCxnSpPr>
+            <p:cNvPr id="17" name="Straight Connector 16"/>
+            <p:cNvCxnSpPr>
+              <a:stCxn id="5" idx="3"/>
+              <a:endCxn id="6" idx="7"/>
+            </p:cNvCxnSpPr>
+            <p:nvPr/>
+          </p:nvCxnSpPr>
+          <p:spPr>
+            <a:xfrm flipH="1">
+              <a:off x="3743585" y="2330216"/>
+              <a:ext cx="575049" cy="597367"/>
+            </a:xfrm>
+            <a:prstGeom prst="line">
+              <a:avLst/>
+            </a:prstGeom>
+            <a:ln w="28575"/>
+          </p:spPr>
+          <p:style>
+            <a:lnRef idx="1">
+              <a:schemeClr val="accent1"/>
+            </a:lnRef>
+            <a:fillRef idx="0">
+              <a:schemeClr val="accent1"/>
+            </a:fillRef>
+            <a:effectRef idx="0">
+              <a:schemeClr val="accent1"/>
+            </a:effectRef>
+            <a:fontRef idx="minor">
+              <a:schemeClr val="tx1"/>
+            </a:fontRef>
+          </p:style>
+        </p:cxnSp>
+        <p:cxnSp>
+          <p:nvCxnSpPr>
+            <p:cNvPr id="18" name="Straight Connector 17"/>
+            <p:cNvCxnSpPr>
+              <a:endCxn id="7" idx="7"/>
+            </p:cNvCxnSpPr>
+            <p:nvPr/>
+          </p:nvCxnSpPr>
+          <p:spPr>
+            <a:xfrm flipH="1">
+              <a:off x="2948246" y="3179295"/>
+              <a:ext cx="599367" cy="643638"/>
+            </a:xfrm>
+            <a:prstGeom prst="line">
+              <a:avLst/>
+            </a:prstGeom>
+            <a:ln w="28575"/>
+          </p:spPr>
+          <p:style>
+            <a:lnRef idx="1">
+              <a:schemeClr val="accent1"/>
+            </a:lnRef>
+            <a:fillRef idx="0">
+              <a:schemeClr val="accent1"/>
+            </a:fillRef>
+            <a:effectRef idx="0">
+              <a:schemeClr val="accent1"/>
+            </a:effectRef>
+            <a:fontRef idx="minor">
+              <a:schemeClr val="tx1"/>
+            </a:fontRef>
+          </p:style>
+        </p:cxnSp>
+        <p:cxnSp>
+          <p:nvCxnSpPr>
+            <p:cNvPr id="19" name="Straight Connector 18"/>
+            <p:cNvCxnSpPr/>
+            <p:nvPr/>
+          </p:nvCxnSpPr>
+          <p:spPr>
+            <a:xfrm flipH="1">
+              <a:off x="2156850" y="4033837"/>
+              <a:ext cx="575049" cy="597367"/>
+            </a:xfrm>
+            <a:prstGeom prst="line">
+              <a:avLst/>
+            </a:prstGeom>
+            <a:ln w="28575"/>
+          </p:spPr>
+          <p:style>
+            <a:lnRef idx="1">
+              <a:schemeClr val="accent1"/>
+            </a:lnRef>
+            <a:fillRef idx="0">
+              <a:schemeClr val="accent1"/>
+            </a:fillRef>
+            <a:effectRef idx="0">
+              <a:schemeClr val="accent1"/>
+            </a:effectRef>
+            <a:fontRef idx="minor">
+              <a:schemeClr val="tx1"/>
+            </a:fontRef>
+          </p:style>
+        </p:cxnSp>
+        <p:cxnSp>
+          <p:nvCxnSpPr>
+            <p:cNvPr id="20" name="Straight Connector 19"/>
+            <p:cNvCxnSpPr>
+              <a:endCxn id="9" idx="0"/>
+            </p:cNvCxnSpPr>
+            <p:nvPr/>
+          </p:nvCxnSpPr>
+          <p:spPr>
+            <a:xfrm flipH="1">
+              <a:off x="2869059" y="4157662"/>
+              <a:ext cx="7621" cy="409575"/>
+            </a:xfrm>
+            <a:prstGeom prst="line">
+              <a:avLst/>
+            </a:prstGeom>
+            <a:ln w="28575"/>
+          </p:spPr>
+          <p:style>
+            <a:lnRef idx="1">
+              <a:schemeClr val="accent1"/>
+            </a:lnRef>
+            <a:fillRef idx="0">
+              <a:schemeClr val="accent1"/>
+            </a:fillRef>
+            <a:effectRef idx="0">
+              <a:schemeClr val="accent1"/>
+            </a:effectRef>
+            <a:fontRef idx="minor">
+              <a:schemeClr val="tx1"/>
+            </a:fontRef>
+          </p:style>
+        </p:cxnSp>
+        <p:cxnSp>
+          <p:nvCxnSpPr>
+            <p:cNvPr id="21" name="Straight Connector 20"/>
+            <p:cNvCxnSpPr>
+              <a:endCxn id="10" idx="0"/>
+            </p:cNvCxnSpPr>
+            <p:nvPr/>
+          </p:nvCxnSpPr>
+          <p:spPr>
+            <a:xfrm flipH="1">
+              <a:off x="3626297" y="3252787"/>
+              <a:ext cx="9526" cy="523875"/>
+            </a:xfrm>
+            <a:prstGeom prst="line">
+              <a:avLst/>
+            </a:prstGeom>
+            <a:ln w="28575"/>
+          </p:spPr>
+          <p:style>
+            <a:lnRef idx="1">
+              <a:schemeClr val="accent1"/>
+            </a:lnRef>
+            <a:fillRef idx="0">
+              <a:schemeClr val="accent1"/>
+            </a:fillRef>
+            <a:effectRef idx="0">
+              <a:schemeClr val="accent1"/>
+            </a:effectRef>
+            <a:fontRef idx="minor">
+              <a:schemeClr val="tx1"/>
+            </a:fontRef>
+          </p:style>
+        </p:cxnSp>
+        <p:cxnSp>
+          <p:nvCxnSpPr>
+            <p:cNvPr id="22" name="Straight Connector 21"/>
+            <p:cNvCxnSpPr>
+              <a:endCxn id="11" idx="0"/>
+            </p:cNvCxnSpPr>
+            <p:nvPr/>
+          </p:nvCxnSpPr>
+          <p:spPr>
+            <a:xfrm flipH="1">
+              <a:off x="4426397" y="2392362"/>
+              <a:ext cx="15241" cy="479425"/>
+            </a:xfrm>
+            <a:prstGeom prst="line">
+              <a:avLst/>
+            </a:prstGeom>
+            <a:ln w="28575"/>
+          </p:spPr>
+          <p:style>
+            <a:lnRef idx="1">
+              <a:schemeClr val="accent1"/>
+            </a:lnRef>
+            <a:fillRef idx="0">
+              <a:schemeClr val="accent1"/>
+            </a:fillRef>
+            <a:effectRef idx="0">
+              <a:schemeClr val="accent1"/>
+            </a:effectRef>
+            <a:fontRef idx="minor">
+              <a:schemeClr val="tx1"/>
+            </a:fontRef>
+          </p:style>
+        </p:cxnSp>
+        <p:cxnSp>
+          <p:nvCxnSpPr>
+            <p:cNvPr id="23" name="Straight Connector 22"/>
+            <p:cNvCxnSpPr>
+              <a:stCxn id="12" idx="1"/>
+              <a:endCxn id="5" idx="5"/>
+            </p:cNvCxnSpPr>
+            <p:nvPr/>
+          </p:nvCxnSpPr>
+          <p:spPr>
+            <a:xfrm flipH="1" flipV="1">
+              <a:off x="4534160" y="2330216"/>
+              <a:ext cx="622674" cy="597367"/>
+            </a:xfrm>
+            <a:prstGeom prst="line">
+              <a:avLst/>
+            </a:prstGeom>
+            <a:ln w="28575"/>
+          </p:spPr>
+          <p:style>
+            <a:lnRef idx="1">
+              <a:schemeClr val="accent1"/>
+            </a:lnRef>
+            <a:fillRef idx="0">
+              <a:schemeClr val="accent1"/>
+            </a:fillRef>
+            <a:effectRef idx="0">
+              <a:schemeClr val="accent1"/>
+            </a:effectRef>
+            <a:fontRef idx="minor">
+              <a:schemeClr val="tx1"/>
+            </a:fontRef>
+          </p:style>
+        </p:cxnSp>
+        <p:cxnSp>
+          <p:nvCxnSpPr>
+            <p:cNvPr id="24" name="Straight Connector 23"/>
+            <p:cNvCxnSpPr>
+              <a:endCxn id="13" idx="0"/>
+            </p:cNvCxnSpPr>
+            <p:nvPr/>
+          </p:nvCxnSpPr>
+          <p:spPr>
+            <a:xfrm>
+              <a:off x="5264598" y="3252787"/>
+              <a:ext cx="10159" cy="523875"/>
+            </a:xfrm>
+            <a:prstGeom prst="line">
+              <a:avLst/>
+            </a:prstGeom>
+            <a:ln w="28575"/>
+          </p:spPr>
+          <p:style>
+            <a:lnRef idx="1">
+              <a:schemeClr val="accent1"/>
+            </a:lnRef>
+            <a:fillRef idx="0">
+              <a:schemeClr val="accent1"/>
+            </a:fillRef>
+            <a:effectRef idx="0">
+              <a:schemeClr val="accent1"/>
+            </a:effectRef>
+            <a:fontRef idx="minor">
+              <a:schemeClr val="tx1"/>
+            </a:fontRef>
+          </p:style>
+        </p:cxnSp>
+        <p:cxnSp>
+          <p:nvCxnSpPr>
+            <p:cNvPr id="25" name="Straight Connector 24"/>
+            <p:cNvCxnSpPr>
+              <a:stCxn id="12" idx="5"/>
+              <a:endCxn id="16" idx="1"/>
+            </p:cNvCxnSpPr>
+            <p:nvPr/>
+          </p:nvCxnSpPr>
+          <p:spPr>
+            <a:xfrm>
+              <a:off x="5372360" y="3196991"/>
+              <a:ext cx="546474" cy="635467"/>
+            </a:xfrm>
+            <a:prstGeom prst="line">
+              <a:avLst/>
+            </a:prstGeom>
+            <a:ln w="28575"/>
+          </p:spPr>
+          <p:style>
+            <a:lnRef idx="1">
+              <a:schemeClr val="accent1"/>
+            </a:lnRef>
+            <a:fillRef idx="0">
+              <a:schemeClr val="accent1"/>
+            </a:fillRef>
+            <a:effectRef idx="0">
+              <a:schemeClr val="accent1"/>
+            </a:effectRef>
+            <a:fontRef idx="minor">
+              <a:schemeClr val="tx1"/>
+            </a:fontRef>
+          </p:style>
+        </p:cxnSp>
+        <p:cxnSp>
+          <p:nvCxnSpPr>
+            <p:cNvPr id="26" name="Straight Connector 25"/>
+            <p:cNvCxnSpPr/>
+            <p:nvPr/>
+          </p:nvCxnSpPr>
+          <p:spPr>
+            <a:xfrm flipH="1">
+              <a:off x="5269677" y="4122736"/>
+              <a:ext cx="15241" cy="479425"/>
+            </a:xfrm>
+            <a:prstGeom prst="line">
+              <a:avLst/>
+            </a:prstGeom>
+            <a:ln w="28575"/>
+          </p:spPr>
+          <p:style>
+            <a:lnRef idx="1">
+              <a:schemeClr val="accent1"/>
+            </a:lnRef>
+            <a:fillRef idx="0">
+              <a:schemeClr val="accent1"/>
+            </a:fillRef>
+            <a:effectRef idx="0">
+              <a:schemeClr val="accent1"/>
+            </a:effectRef>
+            <a:fontRef idx="minor">
+              <a:schemeClr val="tx1"/>
+            </a:fontRef>
+          </p:style>
+        </p:cxnSp>
+        <p:cxnSp>
+          <p:nvCxnSpPr>
+            <p:cNvPr id="27" name="Straight Connector 26"/>
+            <p:cNvCxnSpPr>
+              <a:stCxn id="13" idx="5"/>
+              <a:endCxn id="15" idx="1"/>
+            </p:cNvCxnSpPr>
+            <p:nvPr/>
+          </p:nvCxnSpPr>
+          <p:spPr>
+            <a:xfrm>
+              <a:off x="5382520" y="4101866"/>
+              <a:ext cx="536314" cy="521167"/>
+            </a:xfrm>
+            <a:prstGeom prst="line">
+              <a:avLst/>
+            </a:prstGeom>
+            <a:ln w="28575"/>
+          </p:spPr>
+          <p:style>
+            <a:lnRef idx="1">
+              <a:schemeClr val="accent1"/>
+            </a:lnRef>
+            <a:fillRef idx="0">
+              <a:schemeClr val="accent1"/>
+            </a:fillRef>
+            <a:effectRef idx="0">
+              <a:schemeClr val="accent1"/>
+            </a:effectRef>
+            <a:fontRef idx="minor">
+              <a:schemeClr val="tx1"/>
+            </a:fontRef>
+          </p:style>
+        </p:cxnSp>
+      </p:grpSp>
+    </p:spTree>
+    <p:extLst>
+      <p:ext uri="{BB962C8B-B14F-4D97-AF65-F5344CB8AC3E}">
+        <p14:creationId xmlns:p14="http://schemas.microsoft.com/office/powerpoint/2010/main" val="1578745613"/>
+      </p:ext>
+    </p:extLst>
+  </p:cSld>
+  <p:clrMapOvr>
+    <a:masterClrMapping/>
+  </p:clrMapOvr>
+  <p:timing>
+    <p:tnLst>
+      <p:par>
+        <p:cTn id="1" dur="indefinite" restart="never" nodeType="tmRoot"/>
+      </p:par>
+    </p:tnLst>
+  </p:timing>
+</p:sld>
+</file>
+
+<file path=ppt/slides/slide4.xml><?xml version="1.0" encoding="utf-8"?>
+<p:sld xmlns:a="http://schemas.openxmlformats.org/drawingml/2006/main" xmlns:r="http://schemas.openxmlformats.org/officeDocument/2006/relationships" xmlns:p="http://schemas.openxmlformats.org/presentationml/2006/main">
+  <p:cSld>
+    <p:spTree>
+      <p:nvGrpSpPr>
+        <p:cNvPr id="1" name=""/>
+        <p:cNvGrpSpPr/>
+        <p:nvPr/>
+      </p:nvGrpSpPr>
+      <p:grpSpPr>
+        <a:xfrm>
+          <a:off x="0" y="0"/>
+          <a:ext cx="0" cy="0"/>
+          <a:chOff x="0" y="0"/>
+          <a:chExt cx="0" cy="0"/>
+        </a:xfrm>
+      </p:grpSpPr>
+      <p:sp>
+        <p:nvSpPr>
+          <p:cNvPr id="2" name="Title 1"/>
+          <p:cNvSpPr>
+            <a:spLocks noGrp="1"/>
+          </p:cNvSpPr>
+          <p:nvPr>
+            <p:ph type="title"/>
+          </p:nvPr>
+        </p:nvSpPr>
+        <p:spPr/>
+        <p:txBody>
+          <a:bodyPr>
+            <a:normAutofit/>
+          </a:bodyPr>
+          <a:lstStyle/>
+          <a:p>
+            <a:r>
+              <a:rPr lang="en-US" sz="2800" dirty="0" smtClean="0"/>
+              <a:t>Applying depth-first search for Sudoku solver </a:t>
+            </a:r>
+            <a:endParaRPr lang="en-US" sz="2800" dirty="0"/>
+          </a:p>
+        </p:txBody>
+      </p:sp>
+      <p:sp>
+        <p:nvSpPr>
+          <p:cNvPr id="3" name="Content Placeholder 2"/>
+          <p:cNvSpPr>
+            <a:spLocks noGrp="1"/>
+          </p:cNvSpPr>
+          <p:nvPr>
+            <p:ph idx="1"/>
+          </p:nvPr>
+        </p:nvSpPr>
+        <p:spPr/>
+        <p:txBody>
+          <a:bodyPr>
+            <a:normAutofit/>
+          </a:bodyPr>
+          <a:lstStyle/>
+          <a:p>
+            <a:r>
+              <a:rPr lang="en-US" sz="2400" dirty="0" smtClean="0"/>
+              <a:t>Obtaining the distribution with </a:t>
+            </a:r>
+            <a:r>
+              <a:rPr lang="en-US" sz="2400" smtClean="0"/>
+              <a:t>possible assignments</a:t>
+            </a:r>
+            <a:endParaRPr lang="en-US" sz="2400" dirty="0"/>
+          </a:p>
+        </p:txBody>
+      </p:sp>
+    </p:spTree>
+    <p:extLst>
+      <p:ext uri="{BB962C8B-B14F-4D97-AF65-F5344CB8AC3E}">
+        <p14:creationId xmlns:p14="http://schemas.microsoft.com/office/powerpoint/2010/main" val="2947794346"/>
+      </p:ext>
+    </p:extLst>
+  </p:cSld>
+  <p:clrMapOvr>
+    <a:masterClrMapping/>
+  </p:clrMapOvr>
+  <p:timing>
+    <p:tnLst>
+      <p:par>
+        <p:cTn id="1" dur="indefinite" restart="never" nodeType="tmRoot"/>
+      </p:par>
+    </p:tnLst>
+  </p:timing>
+</p:sld>
+</file>
+
+<file path=ppt/slides/slide5.xml><?xml version="1.0" encoding="utf-8"?>
+<p:sld xmlns:a="http://schemas.openxmlformats.org/drawingml/2006/main" xmlns:r="http://schemas.openxmlformats.org/officeDocument/2006/relationships" xmlns:p="http://schemas.openxmlformats.org/presentationml/2006/main">
+  <p:cSld>
+    <p:spTree>
+      <p:nvGrpSpPr>
+        <p:cNvPr id="1" name=""/>
+        <p:cNvGrpSpPr/>
+        <p:nvPr/>
+      </p:nvGrpSpPr>
+      <p:grpSpPr>
+        <a:xfrm>
+          <a:off x="0" y="0"/>
+          <a:ext cx="0" cy="0"/>
+          <a:chOff x="0" y="0"/>
+          <a:chExt cx="0" cy="0"/>
+        </a:xfrm>
+      </p:grpSpPr>
+      <p:sp>
+        <p:nvSpPr>
+          <p:cNvPr id="2" name="Title 1"/>
+          <p:cNvSpPr>
+            <a:spLocks noGrp="1"/>
+          </p:cNvSpPr>
+          <p:nvPr>
+            <p:ph type="title"/>
+          </p:nvPr>
+        </p:nvSpPr>
+        <p:spPr/>
+        <p:txBody>
+          <a:bodyPr>
+            <a:normAutofit/>
+          </a:bodyPr>
+          <a:lstStyle/>
+          <a:p>
+            <a:r>
               <a:rPr lang="en-US" sz="2800" dirty="0" smtClean="0"/>
               <a:t>Different approach – Sudoku as finite group</a:t>
             </a:r>
@@ -4167,7 +5445,7 @@
 </p:sld>
 </file>
 
-<file path=ppt/slides/slide4.xml><?xml version="1.0" encoding="utf-8"?>
+<file path=ppt/slides/slide6.xml><?xml version="1.0" encoding="utf-8"?>
 <p:sld xmlns:a="http://schemas.openxmlformats.org/drawingml/2006/main" xmlns:r="http://schemas.openxmlformats.org/officeDocument/2006/relationships" xmlns:p="http://schemas.openxmlformats.org/presentationml/2006/main">
   <p:cSld>
     <p:spTree>

--- a/Sudoku/Sudoku  solving the puzzle validating uniqnuess.pptx
+++ b/Sudoku/Sudoku  solving the puzzle validating uniqnuess.pptx
@@ -9,8 +9,15 @@
     <p:sldId id="257" r:id="rId3"/>
     <p:sldId id="260" r:id="rId4"/>
     <p:sldId id="261" r:id="rId5"/>
-    <p:sldId id="258" r:id="rId6"/>
-    <p:sldId id="259" r:id="rId7"/>
+    <p:sldId id="262" r:id="rId6"/>
+    <p:sldId id="263" r:id="rId7"/>
+    <p:sldId id="264" r:id="rId8"/>
+    <p:sldId id="265" r:id="rId9"/>
+    <p:sldId id="266" r:id="rId10"/>
+    <p:sldId id="267" r:id="rId11"/>
+    <p:sldId id="258" r:id="rId12"/>
+    <p:sldId id="268" r:id="rId13"/>
+    <p:sldId id="259" r:id="rId14"/>
   </p:sldIdLst>
   <p:sldSz cx="9144000" cy="6858000" type="screen4x3"/>
   <p:notesSz cx="6858000" cy="9144000"/>
@@ -110,6 +117,726 @@
     </a:lvl9pPr>
   </p:defaultTextStyle>
 </p:presentation>
+</file>
+
+<file path=ppt/charts/chart1.xml><?xml version="1.0" encoding="utf-8"?>
+<c:chartSpace xmlns:c="http://schemas.openxmlformats.org/drawingml/2006/chart" xmlns:a="http://schemas.openxmlformats.org/drawingml/2006/main" xmlns:r="http://schemas.openxmlformats.org/officeDocument/2006/relationships">
+  <c:date1904 val="0"/>
+  <c:lang val="en-US"/>
+  <c:roundedCorners val="0"/>
+  <mc:AlternateContent xmlns:mc="http://schemas.openxmlformats.org/markup-compatibility/2006">
+    <mc:Choice xmlns:c14="http://schemas.microsoft.com/office/drawing/2007/8/2/chart" Requires="c14">
+      <c14:style val="102"/>
+    </mc:Choice>
+    <mc:Fallback>
+      <c:style val="2"/>
+    </mc:Fallback>
+  </mc:AlternateContent>
+  <c:chart>
+    <c:autoTitleDeleted val="1"/>
+    <c:plotArea>
+      <c:layout/>
+      <c:barChart>
+        <c:barDir val="col"/>
+        <c:grouping val="clustered"/>
+        <c:varyColors val="0"/>
+        <c:ser>
+          <c:idx val="0"/>
+          <c:order val="0"/>
+          <c:tx>
+            <c:strRef>
+              <c:f>Sheet1!$B$1</c:f>
+              <c:strCache>
+                <c:ptCount val="1"/>
+                <c:pt idx="0">
+                  <c:v>Series 1</c:v>
+                </c:pt>
+              </c:strCache>
+            </c:strRef>
+          </c:tx>
+          <c:invertIfNegative val="0"/>
+          <c:cat>
+            <c:numRef>
+              <c:f>Sheet1!$A$2:$A$9</c:f>
+              <c:numCache>
+                <c:formatCode>General</c:formatCode>
+                <c:ptCount val="8"/>
+                <c:pt idx="0">
+                  <c:v>1</c:v>
+                </c:pt>
+                <c:pt idx="1">
+                  <c:v>2</c:v>
+                </c:pt>
+                <c:pt idx="2">
+                  <c:v>3</c:v>
+                </c:pt>
+                <c:pt idx="3">
+                  <c:v>4</c:v>
+                </c:pt>
+                <c:pt idx="4">
+                  <c:v>5</c:v>
+                </c:pt>
+                <c:pt idx="5">
+                  <c:v>6</c:v>
+                </c:pt>
+                <c:pt idx="6">
+                  <c:v>7</c:v>
+                </c:pt>
+                <c:pt idx="7">
+                  <c:v>8</c:v>
+                </c:pt>
+              </c:numCache>
+            </c:numRef>
+          </c:cat>
+          <c:val>
+            <c:numRef>
+              <c:f>Sheet1!$B$2:$B$9</c:f>
+              <c:numCache>
+                <c:formatCode>General</c:formatCode>
+                <c:ptCount val="8"/>
+                <c:pt idx="0">
+                  <c:v>1</c:v>
+                </c:pt>
+                <c:pt idx="1">
+                  <c:v>8</c:v>
+                </c:pt>
+                <c:pt idx="2">
+                  <c:v>9</c:v>
+                </c:pt>
+                <c:pt idx="3">
+                  <c:v>17</c:v>
+                </c:pt>
+                <c:pt idx="4">
+                  <c:v>16</c:v>
+                </c:pt>
+                <c:pt idx="5">
+                  <c:v>6</c:v>
+                </c:pt>
+                <c:pt idx="6">
+                  <c:v>1</c:v>
+                </c:pt>
+                <c:pt idx="7">
+                  <c:v>0</c:v>
+                </c:pt>
+              </c:numCache>
+            </c:numRef>
+          </c:val>
+        </c:ser>
+        <c:dLbls>
+          <c:showLegendKey val="0"/>
+          <c:showVal val="0"/>
+          <c:showCatName val="0"/>
+          <c:showSerName val="0"/>
+          <c:showPercent val="0"/>
+          <c:showBubbleSize val="0"/>
+        </c:dLbls>
+        <c:gapWidth val="150"/>
+        <c:axId val="45172224"/>
+        <c:axId val="45173760"/>
+      </c:barChart>
+      <c:catAx>
+        <c:axId val="45172224"/>
+        <c:scaling>
+          <c:orientation val="minMax"/>
+        </c:scaling>
+        <c:delete val="0"/>
+        <c:axPos val="b"/>
+        <c:numFmt formatCode="General" sourceLinked="1"/>
+        <c:majorTickMark val="out"/>
+        <c:minorTickMark val="none"/>
+        <c:tickLblPos val="nextTo"/>
+        <c:crossAx val="45173760"/>
+        <c:crosses val="autoZero"/>
+        <c:auto val="1"/>
+        <c:lblAlgn val="ctr"/>
+        <c:lblOffset val="100"/>
+        <c:noMultiLvlLbl val="0"/>
+      </c:catAx>
+      <c:valAx>
+        <c:axId val="45173760"/>
+        <c:scaling>
+          <c:orientation val="minMax"/>
+        </c:scaling>
+        <c:delete val="0"/>
+        <c:axPos val="l"/>
+        <c:majorGridlines/>
+        <c:numFmt formatCode="General" sourceLinked="1"/>
+        <c:majorTickMark val="out"/>
+        <c:minorTickMark val="none"/>
+        <c:tickLblPos val="nextTo"/>
+        <c:crossAx val="45172224"/>
+        <c:crosses val="autoZero"/>
+        <c:crossBetween val="between"/>
+      </c:valAx>
+    </c:plotArea>
+    <c:plotVisOnly val="1"/>
+    <c:dispBlanksAs val="gap"/>
+    <c:showDLblsOverMax val="0"/>
+  </c:chart>
+  <c:txPr>
+    <a:bodyPr/>
+    <a:lstStyle/>
+    <a:p>
+      <a:pPr>
+        <a:defRPr sz="1800"/>
+      </a:pPr>
+      <a:endParaRPr lang="en-US"/>
+    </a:p>
+  </c:txPr>
+  <c:externalData r:id="rId1">
+    <c:autoUpdate val="0"/>
+  </c:externalData>
+</c:chartSpace>
+</file>
+
+<file path=ppt/charts/chart2.xml><?xml version="1.0" encoding="utf-8"?>
+<c:chartSpace xmlns:c="http://schemas.openxmlformats.org/drawingml/2006/chart" xmlns:a="http://schemas.openxmlformats.org/drawingml/2006/main" xmlns:r="http://schemas.openxmlformats.org/officeDocument/2006/relationships">
+  <c:date1904 val="0"/>
+  <c:lang val="en-US"/>
+  <c:roundedCorners val="0"/>
+  <mc:AlternateContent xmlns:mc="http://schemas.openxmlformats.org/markup-compatibility/2006">
+    <mc:Choice xmlns:c14="http://schemas.microsoft.com/office/drawing/2007/8/2/chart" Requires="c14">
+      <c14:style val="102"/>
+    </mc:Choice>
+    <mc:Fallback>
+      <c:style val="2"/>
+    </mc:Fallback>
+  </mc:AlternateContent>
+  <c:chart>
+    <c:autoTitleDeleted val="1"/>
+    <c:plotArea>
+      <c:layout/>
+      <c:barChart>
+        <c:barDir val="col"/>
+        <c:grouping val="clustered"/>
+        <c:varyColors val="0"/>
+        <c:ser>
+          <c:idx val="0"/>
+          <c:order val="0"/>
+          <c:tx>
+            <c:strRef>
+              <c:f>Sheet1!$B$1</c:f>
+              <c:strCache>
+                <c:ptCount val="1"/>
+                <c:pt idx="0">
+                  <c:v>Series 1</c:v>
+                </c:pt>
+              </c:strCache>
+            </c:strRef>
+          </c:tx>
+          <c:invertIfNegative val="0"/>
+          <c:cat>
+            <c:numRef>
+              <c:f>Sheet1!$A$2:$A$9</c:f>
+              <c:numCache>
+                <c:formatCode>General</c:formatCode>
+                <c:ptCount val="8"/>
+                <c:pt idx="0">
+                  <c:v>1</c:v>
+                </c:pt>
+                <c:pt idx="1">
+                  <c:v>2</c:v>
+                </c:pt>
+                <c:pt idx="2">
+                  <c:v>3</c:v>
+                </c:pt>
+                <c:pt idx="3">
+                  <c:v>4</c:v>
+                </c:pt>
+                <c:pt idx="4">
+                  <c:v>5</c:v>
+                </c:pt>
+                <c:pt idx="5">
+                  <c:v>6</c:v>
+                </c:pt>
+                <c:pt idx="6">
+                  <c:v>7</c:v>
+                </c:pt>
+                <c:pt idx="7">
+                  <c:v>8</c:v>
+                </c:pt>
+              </c:numCache>
+            </c:numRef>
+          </c:cat>
+          <c:val>
+            <c:numRef>
+              <c:f>Sheet1!$B$2:$B$9</c:f>
+              <c:numCache>
+                <c:formatCode>General</c:formatCode>
+                <c:ptCount val="8"/>
+                <c:pt idx="0">
+                  <c:v>8</c:v>
+                </c:pt>
+                <c:pt idx="1">
+                  <c:v>7</c:v>
+                </c:pt>
+                <c:pt idx="2">
+                  <c:v>14</c:v>
+                </c:pt>
+                <c:pt idx="3">
+                  <c:v>13</c:v>
+                </c:pt>
+                <c:pt idx="4">
+                  <c:v>6</c:v>
+                </c:pt>
+                <c:pt idx="5">
+                  <c:v>1</c:v>
+                </c:pt>
+                <c:pt idx="6">
+                  <c:v>0</c:v>
+                </c:pt>
+                <c:pt idx="7">
+                  <c:v>0</c:v>
+                </c:pt>
+              </c:numCache>
+            </c:numRef>
+          </c:val>
+        </c:ser>
+        <c:dLbls>
+          <c:showLegendKey val="0"/>
+          <c:showVal val="0"/>
+          <c:showCatName val="0"/>
+          <c:showSerName val="0"/>
+          <c:showPercent val="0"/>
+          <c:showBubbleSize val="0"/>
+        </c:dLbls>
+        <c:gapWidth val="150"/>
+        <c:axId val="85372288"/>
+        <c:axId val="85386368"/>
+      </c:barChart>
+      <c:catAx>
+        <c:axId val="85372288"/>
+        <c:scaling>
+          <c:orientation val="minMax"/>
+        </c:scaling>
+        <c:delete val="0"/>
+        <c:axPos val="b"/>
+        <c:numFmt formatCode="General" sourceLinked="1"/>
+        <c:majorTickMark val="out"/>
+        <c:minorTickMark val="none"/>
+        <c:tickLblPos val="nextTo"/>
+        <c:crossAx val="85386368"/>
+        <c:crosses val="autoZero"/>
+        <c:auto val="1"/>
+        <c:lblAlgn val="ctr"/>
+        <c:lblOffset val="100"/>
+        <c:noMultiLvlLbl val="0"/>
+      </c:catAx>
+      <c:valAx>
+        <c:axId val="85386368"/>
+        <c:scaling>
+          <c:orientation val="minMax"/>
+        </c:scaling>
+        <c:delete val="0"/>
+        <c:axPos val="l"/>
+        <c:majorGridlines/>
+        <c:numFmt formatCode="General" sourceLinked="1"/>
+        <c:majorTickMark val="out"/>
+        <c:minorTickMark val="none"/>
+        <c:tickLblPos val="nextTo"/>
+        <c:crossAx val="85372288"/>
+        <c:crosses val="autoZero"/>
+        <c:crossBetween val="between"/>
+      </c:valAx>
+    </c:plotArea>
+    <c:plotVisOnly val="1"/>
+    <c:dispBlanksAs val="gap"/>
+    <c:showDLblsOverMax val="0"/>
+  </c:chart>
+  <c:txPr>
+    <a:bodyPr/>
+    <a:lstStyle/>
+    <a:p>
+      <a:pPr>
+        <a:defRPr sz="1400" baseline="0"/>
+      </a:pPr>
+      <a:endParaRPr lang="en-US"/>
+    </a:p>
+  </c:txPr>
+  <c:externalData r:id="rId1">
+    <c:autoUpdate val="0"/>
+  </c:externalData>
+</c:chartSpace>
+</file>
+
+<file path=ppt/charts/chart3.xml><?xml version="1.0" encoding="utf-8"?>
+<c:chartSpace xmlns:c="http://schemas.openxmlformats.org/drawingml/2006/chart" xmlns:a="http://schemas.openxmlformats.org/drawingml/2006/main" xmlns:r="http://schemas.openxmlformats.org/officeDocument/2006/relationships">
+  <c:date1904 val="0"/>
+  <c:lang val="en-US"/>
+  <c:roundedCorners val="0"/>
+  <mc:AlternateContent xmlns:mc="http://schemas.openxmlformats.org/markup-compatibility/2006">
+    <mc:Choice xmlns:c14="http://schemas.microsoft.com/office/drawing/2007/8/2/chart" Requires="c14">
+      <c14:style val="102"/>
+    </mc:Choice>
+    <mc:Fallback>
+      <c:style val="2"/>
+    </mc:Fallback>
+  </mc:AlternateContent>
+  <c:chart>
+    <c:autoTitleDeleted val="1"/>
+    <c:plotArea>
+      <c:layout/>
+      <c:barChart>
+        <c:barDir val="col"/>
+        <c:grouping val="clustered"/>
+        <c:varyColors val="0"/>
+        <c:ser>
+          <c:idx val="0"/>
+          <c:order val="0"/>
+          <c:tx>
+            <c:strRef>
+              <c:f>Sheet1!$B$1</c:f>
+              <c:strCache>
+                <c:ptCount val="1"/>
+                <c:pt idx="0">
+                  <c:v>Series 1</c:v>
+                </c:pt>
+              </c:strCache>
+            </c:strRef>
+          </c:tx>
+          <c:invertIfNegative val="0"/>
+          <c:cat>
+            <c:numRef>
+              <c:f>Sheet1!$A$2:$A$9</c:f>
+              <c:numCache>
+                <c:formatCode>General</c:formatCode>
+                <c:ptCount val="8"/>
+                <c:pt idx="0">
+                  <c:v>1</c:v>
+                </c:pt>
+                <c:pt idx="1">
+                  <c:v>2</c:v>
+                </c:pt>
+                <c:pt idx="2">
+                  <c:v>3</c:v>
+                </c:pt>
+                <c:pt idx="3">
+                  <c:v>4</c:v>
+                </c:pt>
+                <c:pt idx="4">
+                  <c:v>5</c:v>
+                </c:pt>
+                <c:pt idx="5">
+                  <c:v>6</c:v>
+                </c:pt>
+                <c:pt idx="6">
+                  <c:v>7</c:v>
+                </c:pt>
+                <c:pt idx="7">
+                  <c:v>8</c:v>
+                </c:pt>
+              </c:numCache>
+            </c:numRef>
+          </c:cat>
+          <c:val>
+            <c:numRef>
+              <c:f>Sheet1!$B$2:$B$9</c:f>
+              <c:numCache>
+                <c:formatCode>General</c:formatCode>
+                <c:ptCount val="8"/>
+                <c:pt idx="0">
+                  <c:v>1</c:v>
+                </c:pt>
+                <c:pt idx="1">
+                  <c:v>14</c:v>
+                </c:pt>
+                <c:pt idx="2">
+                  <c:v>14</c:v>
+                </c:pt>
+                <c:pt idx="3">
+                  <c:v>19</c:v>
+                </c:pt>
+                <c:pt idx="4">
+                  <c:v>3</c:v>
+                </c:pt>
+                <c:pt idx="5">
+                  <c:v>2</c:v>
+                </c:pt>
+                <c:pt idx="6">
+                  <c:v>0</c:v>
+                </c:pt>
+                <c:pt idx="7">
+                  <c:v>0</c:v>
+                </c:pt>
+              </c:numCache>
+            </c:numRef>
+          </c:val>
+        </c:ser>
+        <c:dLbls>
+          <c:showLegendKey val="0"/>
+          <c:showVal val="0"/>
+          <c:showCatName val="0"/>
+          <c:showSerName val="0"/>
+          <c:showPercent val="0"/>
+          <c:showBubbleSize val="0"/>
+        </c:dLbls>
+        <c:gapWidth val="150"/>
+        <c:axId val="141760384"/>
+        <c:axId val="141761920"/>
+      </c:barChart>
+      <c:catAx>
+        <c:axId val="141760384"/>
+        <c:scaling>
+          <c:orientation val="minMax"/>
+        </c:scaling>
+        <c:delete val="0"/>
+        <c:axPos val="b"/>
+        <c:numFmt formatCode="General" sourceLinked="1"/>
+        <c:majorTickMark val="out"/>
+        <c:minorTickMark val="none"/>
+        <c:tickLblPos val="nextTo"/>
+        <c:txPr>
+          <a:bodyPr/>
+          <a:lstStyle/>
+          <a:p>
+            <a:pPr>
+              <a:defRPr sz="1400" baseline="0"/>
+            </a:pPr>
+            <a:endParaRPr lang="en-US"/>
+          </a:p>
+        </c:txPr>
+        <c:crossAx val="141761920"/>
+        <c:crosses val="autoZero"/>
+        <c:auto val="1"/>
+        <c:lblAlgn val="ctr"/>
+        <c:lblOffset val="100"/>
+        <c:noMultiLvlLbl val="0"/>
+      </c:catAx>
+      <c:valAx>
+        <c:axId val="141761920"/>
+        <c:scaling>
+          <c:orientation val="minMax"/>
+        </c:scaling>
+        <c:delete val="0"/>
+        <c:axPos val="l"/>
+        <c:majorGridlines/>
+        <c:numFmt formatCode="General" sourceLinked="1"/>
+        <c:majorTickMark val="out"/>
+        <c:minorTickMark val="none"/>
+        <c:tickLblPos val="nextTo"/>
+        <c:txPr>
+          <a:bodyPr/>
+          <a:lstStyle/>
+          <a:p>
+            <a:pPr>
+              <a:defRPr sz="1400" baseline="0"/>
+            </a:pPr>
+            <a:endParaRPr lang="en-US"/>
+          </a:p>
+        </c:txPr>
+        <c:crossAx val="141760384"/>
+        <c:crosses val="autoZero"/>
+        <c:crossBetween val="between"/>
+      </c:valAx>
+    </c:plotArea>
+    <c:plotVisOnly val="1"/>
+    <c:dispBlanksAs val="gap"/>
+    <c:showDLblsOverMax val="0"/>
+  </c:chart>
+  <c:txPr>
+    <a:bodyPr/>
+    <a:lstStyle/>
+    <a:p>
+      <a:pPr>
+        <a:defRPr sz="1800"/>
+      </a:pPr>
+      <a:endParaRPr lang="en-US"/>
+    </a:p>
+  </c:txPr>
+  <c:externalData r:id="rId1">
+    <c:autoUpdate val="0"/>
+  </c:externalData>
+</c:chartSpace>
+</file>
+
+<file path=ppt/charts/chart4.xml><?xml version="1.0" encoding="utf-8"?>
+<c:chartSpace xmlns:c="http://schemas.openxmlformats.org/drawingml/2006/chart" xmlns:a="http://schemas.openxmlformats.org/drawingml/2006/main" xmlns:r="http://schemas.openxmlformats.org/officeDocument/2006/relationships">
+  <c:date1904 val="0"/>
+  <c:lang val="en-US"/>
+  <c:roundedCorners val="0"/>
+  <mc:AlternateContent xmlns:mc="http://schemas.openxmlformats.org/markup-compatibility/2006">
+    <mc:Choice xmlns:c14="http://schemas.microsoft.com/office/drawing/2007/8/2/chart" Requires="c14">
+      <c14:style val="102"/>
+    </mc:Choice>
+    <mc:Fallback>
+      <c:style val="2"/>
+    </mc:Fallback>
+  </mc:AlternateContent>
+  <c:chart>
+    <c:autoTitleDeleted val="1"/>
+    <c:plotArea>
+      <c:layout/>
+      <c:barChart>
+        <c:barDir val="col"/>
+        <c:grouping val="clustered"/>
+        <c:varyColors val="0"/>
+        <c:ser>
+          <c:idx val="0"/>
+          <c:order val="0"/>
+          <c:tx>
+            <c:strRef>
+              <c:f>Sheet1!$B$1</c:f>
+              <c:strCache>
+                <c:ptCount val="1"/>
+                <c:pt idx="0">
+                  <c:v>Series 1</c:v>
+                </c:pt>
+              </c:strCache>
+            </c:strRef>
+          </c:tx>
+          <c:invertIfNegative val="0"/>
+          <c:cat>
+            <c:numRef>
+              <c:f>Sheet1!$A$2:$A$9</c:f>
+              <c:numCache>
+                <c:formatCode>General</c:formatCode>
+                <c:ptCount val="8"/>
+                <c:pt idx="0">
+                  <c:v>1</c:v>
+                </c:pt>
+                <c:pt idx="1">
+                  <c:v>2</c:v>
+                </c:pt>
+                <c:pt idx="2">
+                  <c:v>3</c:v>
+                </c:pt>
+                <c:pt idx="3">
+                  <c:v>4</c:v>
+                </c:pt>
+                <c:pt idx="4">
+                  <c:v>5</c:v>
+                </c:pt>
+                <c:pt idx="5">
+                  <c:v>6</c:v>
+                </c:pt>
+                <c:pt idx="6">
+                  <c:v>7</c:v>
+                </c:pt>
+                <c:pt idx="7">
+                  <c:v>8</c:v>
+                </c:pt>
+              </c:numCache>
+            </c:numRef>
+          </c:cat>
+          <c:val>
+            <c:numRef>
+              <c:f>Sheet1!$B$2:$B$9</c:f>
+              <c:numCache>
+                <c:formatCode>General</c:formatCode>
+                <c:ptCount val="8"/>
+                <c:pt idx="0">
+                  <c:v>4</c:v>
+                </c:pt>
+                <c:pt idx="1">
+                  <c:v>11</c:v>
+                </c:pt>
+                <c:pt idx="2">
+                  <c:v>14</c:v>
+                </c:pt>
+                <c:pt idx="3">
+                  <c:v>16</c:v>
+                </c:pt>
+                <c:pt idx="4">
+                  <c:v>4</c:v>
+                </c:pt>
+                <c:pt idx="5">
+                  <c:v>1</c:v>
+                </c:pt>
+                <c:pt idx="6">
+                  <c:v>0</c:v>
+                </c:pt>
+                <c:pt idx="7">
+                  <c:v>0</c:v>
+                </c:pt>
+              </c:numCache>
+            </c:numRef>
+          </c:val>
+        </c:ser>
+        <c:dLbls>
+          <c:showLegendKey val="0"/>
+          <c:showVal val="0"/>
+          <c:showCatName val="0"/>
+          <c:showSerName val="0"/>
+          <c:showPercent val="0"/>
+          <c:showBubbleSize val="0"/>
+        </c:dLbls>
+        <c:gapWidth val="150"/>
+        <c:axId val="121144832"/>
+        <c:axId val="121146752"/>
+      </c:barChart>
+      <c:catAx>
+        <c:axId val="121144832"/>
+        <c:scaling>
+          <c:orientation val="minMax"/>
+        </c:scaling>
+        <c:delete val="0"/>
+        <c:axPos val="b"/>
+        <c:numFmt formatCode="General" sourceLinked="1"/>
+        <c:majorTickMark val="out"/>
+        <c:minorTickMark val="none"/>
+        <c:tickLblPos val="nextTo"/>
+        <c:txPr>
+          <a:bodyPr/>
+          <a:lstStyle/>
+          <a:p>
+            <a:pPr>
+              <a:defRPr sz="1400" baseline="0"/>
+            </a:pPr>
+            <a:endParaRPr lang="en-US"/>
+          </a:p>
+        </c:txPr>
+        <c:crossAx val="121146752"/>
+        <c:crosses val="autoZero"/>
+        <c:auto val="1"/>
+        <c:lblAlgn val="ctr"/>
+        <c:lblOffset val="100"/>
+        <c:noMultiLvlLbl val="0"/>
+      </c:catAx>
+      <c:valAx>
+        <c:axId val="121146752"/>
+        <c:scaling>
+          <c:orientation val="minMax"/>
+        </c:scaling>
+        <c:delete val="0"/>
+        <c:axPos val="l"/>
+        <c:majorGridlines/>
+        <c:numFmt formatCode="General" sourceLinked="1"/>
+        <c:majorTickMark val="out"/>
+        <c:minorTickMark val="none"/>
+        <c:tickLblPos val="nextTo"/>
+        <c:txPr>
+          <a:bodyPr/>
+          <a:lstStyle/>
+          <a:p>
+            <a:pPr>
+              <a:defRPr sz="1400" baseline="0"/>
+            </a:pPr>
+            <a:endParaRPr lang="en-US"/>
+          </a:p>
+        </c:txPr>
+        <c:crossAx val="121144832"/>
+        <c:crosses val="autoZero"/>
+        <c:crossBetween val="between"/>
+      </c:valAx>
+    </c:plotArea>
+    <c:plotVisOnly val="1"/>
+    <c:dispBlanksAs val="gap"/>
+    <c:showDLblsOverMax val="0"/>
+  </c:chart>
+  <c:txPr>
+    <a:bodyPr/>
+    <a:lstStyle/>
+    <a:p>
+      <a:pPr>
+        <a:defRPr sz="1800"/>
+      </a:pPr>
+      <a:endParaRPr lang="en-US"/>
+    </a:p>
+  </c:txPr>
+  <c:externalData r:id="rId1">
+    <c:autoUpdate val="0"/>
+  </c:externalData>
+</c:chartSpace>
 </file>
 
 <file path=ppt/slideLayouts/slideLayout1.xml><?xml version="1.0" encoding="utf-8"?>
@@ -293,7 +1020,7 @@
           <a:p>
             <a:fld id="{A1E2C6C5-A207-4B71-89A7-4AB74899EBC0}" type="datetimeFigureOut">
               <a:rPr lang="en-US" smtClean="0"/>
-              <a:t>9/22/2015</a:t>
+              <a:t>9/23/2015</a:t>
             </a:fld>
             <a:endParaRPr lang="en-US"/>
           </a:p>
@@ -463,7 +1190,7 @@
           <a:p>
             <a:fld id="{A1E2C6C5-A207-4B71-89A7-4AB74899EBC0}" type="datetimeFigureOut">
               <a:rPr lang="en-US" smtClean="0"/>
-              <a:t>9/22/2015</a:t>
+              <a:t>9/23/2015</a:t>
             </a:fld>
             <a:endParaRPr lang="en-US"/>
           </a:p>
@@ -643,7 +1370,7 @@
           <a:p>
             <a:fld id="{A1E2C6C5-A207-4B71-89A7-4AB74899EBC0}" type="datetimeFigureOut">
               <a:rPr lang="en-US" smtClean="0"/>
-              <a:t>9/22/2015</a:t>
+              <a:t>9/23/2015</a:t>
             </a:fld>
             <a:endParaRPr lang="en-US"/>
           </a:p>
@@ -813,7 +1540,7 @@
           <a:p>
             <a:fld id="{A1E2C6C5-A207-4B71-89A7-4AB74899EBC0}" type="datetimeFigureOut">
               <a:rPr lang="en-US" smtClean="0"/>
-              <a:t>9/22/2015</a:t>
+              <a:t>9/23/2015</a:t>
             </a:fld>
             <a:endParaRPr lang="en-US"/>
           </a:p>
@@ -1059,7 +1786,7 @@
           <a:p>
             <a:fld id="{A1E2C6C5-A207-4B71-89A7-4AB74899EBC0}" type="datetimeFigureOut">
               <a:rPr lang="en-US" smtClean="0"/>
-              <a:t>9/22/2015</a:t>
+              <a:t>9/23/2015</a:t>
             </a:fld>
             <a:endParaRPr lang="en-US"/>
           </a:p>
@@ -1347,7 +2074,7 @@
           <a:p>
             <a:fld id="{A1E2C6C5-A207-4B71-89A7-4AB74899EBC0}" type="datetimeFigureOut">
               <a:rPr lang="en-US" smtClean="0"/>
-              <a:t>9/22/2015</a:t>
+              <a:t>9/23/2015</a:t>
             </a:fld>
             <a:endParaRPr lang="en-US"/>
           </a:p>
@@ -1769,7 +2496,7 @@
           <a:p>
             <a:fld id="{A1E2C6C5-A207-4B71-89A7-4AB74899EBC0}" type="datetimeFigureOut">
               <a:rPr lang="en-US" smtClean="0"/>
-              <a:t>9/22/2015</a:t>
+              <a:t>9/23/2015</a:t>
             </a:fld>
             <a:endParaRPr lang="en-US"/>
           </a:p>
@@ -1887,7 +2614,7 @@
           <a:p>
             <a:fld id="{A1E2C6C5-A207-4B71-89A7-4AB74899EBC0}" type="datetimeFigureOut">
               <a:rPr lang="en-US" smtClean="0"/>
-              <a:t>9/22/2015</a:t>
+              <a:t>9/23/2015</a:t>
             </a:fld>
             <a:endParaRPr lang="en-US"/>
           </a:p>
@@ -1982,7 +2709,7 @@
           <a:p>
             <a:fld id="{A1E2C6C5-A207-4B71-89A7-4AB74899EBC0}" type="datetimeFigureOut">
               <a:rPr lang="en-US" smtClean="0"/>
-              <a:t>9/22/2015</a:t>
+              <a:t>9/23/2015</a:t>
             </a:fld>
             <a:endParaRPr lang="en-US"/>
           </a:p>
@@ -2259,7 +2986,7 @@
           <a:p>
             <a:fld id="{A1E2C6C5-A207-4B71-89A7-4AB74899EBC0}" type="datetimeFigureOut">
               <a:rPr lang="en-US" smtClean="0"/>
-              <a:t>9/22/2015</a:t>
+              <a:t>9/23/2015</a:t>
             </a:fld>
             <a:endParaRPr lang="en-US"/>
           </a:p>
@@ -2512,7 +3239,7 @@
           <a:p>
             <a:fld id="{A1E2C6C5-A207-4B71-89A7-4AB74899EBC0}" type="datetimeFigureOut">
               <a:rPr lang="en-US" smtClean="0"/>
-              <a:t>9/22/2015</a:t>
+              <a:t>9/23/2015</a:t>
             </a:fld>
             <a:endParaRPr lang="en-US"/>
           </a:p>
@@ -2725,7 +3452,7 @@
           <a:p>
             <a:fld id="{A1E2C6C5-A207-4B71-89A7-4AB74899EBC0}" type="datetimeFigureOut">
               <a:rPr lang="en-US" smtClean="0"/>
-              <a:t>9/22/2015</a:t>
+              <a:t>9/23/2015</a:t>
             </a:fld>
             <a:endParaRPr lang="en-US"/>
           </a:p>
@@ -3155,7 +3882,7 @@
           <a:p>
             <a:r>
               <a:rPr lang="en-US" sz="2400" b="1" dirty="0" smtClean="0"/>
-              <a:t>9/21/15</a:t>
+              <a:t>9/24/15</a:t>
             </a:r>
             <a:endParaRPr lang="en-US" sz="2400" b="1" dirty="0"/>
           </a:p>
@@ -3165,6 +3892,423 @@
     <p:extLst>
       <p:ext uri="{BB962C8B-B14F-4D97-AF65-F5344CB8AC3E}">
         <p14:creationId xmlns:p14="http://schemas.microsoft.com/office/powerpoint/2010/main" val="3100805600"/>
+      </p:ext>
+    </p:extLst>
+  </p:cSld>
+  <p:clrMapOvr>
+    <a:masterClrMapping/>
+  </p:clrMapOvr>
+  <p:timing>
+    <p:tnLst>
+      <p:par>
+        <p:cTn id="1" dur="indefinite" restart="never" nodeType="tmRoot"/>
+      </p:par>
+    </p:tnLst>
+  </p:timing>
+</p:sld>
+</file>
+
+<file path=ppt/slides/slide10.xml><?xml version="1.0" encoding="utf-8"?>
+<p:sld xmlns:a="http://schemas.openxmlformats.org/drawingml/2006/main" xmlns:r="http://schemas.openxmlformats.org/officeDocument/2006/relationships" xmlns:p="http://schemas.openxmlformats.org/presentationml/2006/main">
+  <p:cSld>
+    <p:spTree>
+      <p:nvGrpSpPr>
+        <p:cNvPr id="1" name=""/>
+        <p:cNvGrpSpPr/>
+        <p:nvPr/>
+      </p:nvGrpSpPr>
+      <p:grpSpPr>
+        <a:xfrm>
+          <a:off x="0" y="0"/>
+          <a:ext cx="0" cy="0"/>
+          <a:chOff x="0" y="0"/>
+          <a:chExt cx="0" cy="0"/>
+        </a:xfrm>
+      </p:grpSpPr>
+      <p:sp>
+        <p:nvSpPr>
+          <p:cNvPr id="2" name="Title 1"/>
+          <p:cNvSpPr>
+            <a:spLocks noGrp="1"/>
+          </p:cNvSpPr>
+          <p:nvPr>
+            <p:ph type="title"/>
+          </p:nvPr>
+        </p:nvSpPr>
+        <p:spPr/>
+        <p:txBody>
+          <a:bodyPr>
+            <a:normAutofit/>
+          </a:bodyPr>
+          <a:lstStyle/>
+          <a:p>
+            <a:r>
+              <a:rPr lang="en-US" sz="2800" dirty="0" smtClean="0"/>
+              <a:t>Generating puzzles</a:t>
+            </a:r>
+            <a:endParaRPr lang="en-US" sz="2800" dirty="0"/>
+          </a:p>
+        </p:txBody>
+      </p:sp>
+      <p:sp>
+        <p:nvSpPr>
+          <p:cNvPr id="3" name="Content Placeholder 2"/>
+          <p:cNvSpPr>
+            <a:spLocks noGrp="1"/>
+          </p:cNvSpPr>
+          <p:nvPr>
+            <p:ph idx="1"/>
+          </p:nvPr>
+        </p:nvSpPr>
+        <p:spPr>
+          <a:xfrm>
+            <a:off x="457200" y="1600201"/>
+            <a:ext cx="8229600" cy="2438400"/>
+          </a:xfrm>
+        </p:spPr>
+        <p:txBody>
+          <a:bodyPr>
+            <a:normAutofit/>
+          </a:bodyPr>
+          <a:lstStyle/>
+          <a:p>
+            <a:r>
+              <a:rPr lang="en-US" sz="2400" dirty="0" smtClean="0"/>
+              <a:t>Strategy: generate solved puzzle and make holes into it reaching the desired complexity for the solution and making sure it is unique.</a:t>
+            </a:r>
+          </a:p>
+          <a:p>
+            <a:endParaRPr lang="en-US" sz="2400" dirty="0" smtClean="0"/>
+          </a:p>
+          <a:p>
+            <a:r>
+              <a:rPr lang="en-US" sz="2400" dirty="0" smtClean="0"/>
+              <a:t>But how to generate solved puzzle ? </a:t>
+            </a:r>
+            <a:endParaRPr lang="en-US" sz="2400" dirty="0"/>
+          </a:p>
+        </p:txBody>
+      </p:sp>
+    </p:spTree>
+    <p:extLst>
+      <p:ext uri="{BB962C8B-B14F-4D97-AF65-F5344CB8AC3E}">
+        <p14:creationId xmlns:p14="http://schemas.microsoft.com/office/powerpoint/2010/main" val="516965940"/>
+      </p:ext>
+    </p:extLst>
+  </p:cSld>
+  <p:clrMapOvr>
+    <a:masterClrMapping/>
+  </p:clrMapOvr>
+  <p:timing>
+    <p:tnLst>
+      <p:par>
+        <p:cTn id="1" dur="indefinite" restart="never" nodeType="tmRoot"/>
+      </p:par>
+    </p:tnLst>
+  </p:timing>
+</p:sld>
+</file>
+
+<file path=ppt/slides/slide11.xml><?xml version="1.0" encoding="utf-8"?>
+<p:sld xmlns:a="http://schemas.openxmlformats.org/drawingml/2006/main" xmlns:r="http://schemas.openxmlformats.org/officeDocument/2006/relationships" xmlns:p="http://schemas.openxmlformats.org/presentationml/2006/main">
+  <p:cSld>
+    <p:spTree>
+      <p:nvGrpSpPr>
+        <p:cNvPr id="1" name=""/>
+        <p:cNvGrpSpPr/>
+        <p:nvPr/>
+      </p:nvGrpSpPr>
+      <p:grpSpPr>
+        <a:xfrm>
+          <a:off x="0" y="0"/>
+          <a:ext cx="0" cy="0"/>
+          <a:chOff x="0" y="0"/>
+          <a:chExt cx="0" cy="0"/>
+        </a:xfrm>
+      </p:grpSpPr>
+      <p:sp>
+        <p:nvSpPr>
+          <p:cNvPr id="2" name="Title 1"/>
+          <p:cNvSpPr>
+            <a:spLocks noGrp="1"/>
+          </p:cNvSpPr>
+          <p:nvPr>
+            <p:ph type="title"/>
+          </p:nvPr>
+        </p:nvSpPr>
+        <p:spPr/>
+        <p:txBody>
+          <a:bodyPr>
+            <a:normAutofit/>
+          </a:bodyPr>
+          <a:lstStyle/>
+          <a:p>
+            <a:r>
+              <a:rPr lang="en-US" sz="2800" dirty="0"/>
+              <a:t>Generating puzzles</a:t>
+            </a:r>
+            <a:endParaRPr lang="en-US" sz="2800" dirty="0"/>
+          </a:p>
+        </p:txBody>
+      </p:sp>
+      <p:sp>
+        <p:nvSpPr>
+          <p:cNvPr id="3" name="Content Placeholder 2"/>
+          <p:cNvSpPr>
+            <a:spLocks noGrp="1"/>
+          </p:cNvSpPr>
+          <p:nvPr>
+            <p:ph idx="1"/>
+          </p:nvPr>
+        </p:nvSpPr>
+        <p:spPr/>
+        <p:txBody>
+          <a:bodyPr>
+            <a:normAutofit/>
+          </a:bodyPr>
+          <a:lstStyle/>
+          <a:p>
+            <a:r>
+              <a:rPr lang="en-US" sz="2400" dirty="0" smtClean="0"/>
+              <a:t>In classic Sudoku there are 6.67×10</a:t>
+            </a:r>
+            <a:r>
+              <a:rPr lang="en-US" sz="2400" baseline="30000" dirty="0" smtClean="0"/>
+              <a:t>21</a:t>
+            </a:r>
+            <a:r>
+              <a:rPr lang="en-US" sz="2400" dirty="0" smtClean="0"/>
+              <a:t> different </a:t>
+            </a:r>
+            <a:r>
+              <a:rPr lang="en-US" sz="2400" dirty="0" smtClean="0"/>
+              <a:t>solutions </a:t>
+            </a:r>
+            <a:r>
+              <a:rPr lang="en-US" sz="2400" dirty="0" smtClean="0"/>
+              <a:t>but only 5,472,730,538 of those are not congruent with each other with respect to rotation, reflection, permutation and relabeling</a:t>
+            </a:r>
+            <a:r>
+              <a:rPr lang="en-US" sz="2400" dirty="0" smtClean="0"/>
+              <a:t>. How to write a generator which will be able to generate any one of </a:t>
+            </a:r>
+            <a:r>
+              <a:rPr lang="en-US" sz="2400" dirty="0" smtClean="0"/>
+              <a:t>those essential 5,472,730,538 puzzles.</a:t>
+            </a:r>
+            <a:endParaRPr lang="en-US" sz="2400" dirty="0" smtClean="0"/>
+          </a:p>
+          <a:p>
+            <a:r>
+              <a:rPr lang="en-US" sz="2400" dirty="0"/>
+              <a:t>One way – start with a solved puzzle </a:t>
+            </a:r>
+            <a:r>
+              <a:rPr lang="en-US" sz="2400" dirty="0" smtClean="0"/>
+              <a:t>to </a:t>
+            </a:r>
+            <a:r>
+              <a:rPr lang="en-US" sz="2400" dirty="0"/>
+              <a:t>which we apply a set  of transformations which </a:t>
+            </a:r>
+            <a:r>
+              <a:rPr lang="en-US" sz="2400" dirty="0" smtClean="0"/>
+              <a:t>transform </a:t>
+            </a:r>
+            <a:r>
+              <a:rPr lang="en-US" sz="2400" dirty="0"/>
+              <a:t>it into another solution. Is there a set of transformations such as </a:t>
+            </a:r>
+            <a:r>
+              <a:rPr lang="en-US" sz="2400" dirty="0" smtClean="0"/>
+              <a:t>swaps and rotations of pieces of the puzzle with which we can generate any solution from the seed i.e. are the solutions a finite cyclic group ?</a:t>
+            </a:r>
+          </a:p>
+          <a:p>
+            <a:pPr marL="0" indent="0">
+              <a:buNone/>
+            </a:pPr>
+            <a:endParaRPr lang="en-US" sz="2400" dirty="0"/>
+          </a:p>
+        </p:txBody>
+      </p:sp>
+    </p:spTree>
+    <p:extLst>
+      <p:ext uri="{BB962C8B-B14F-4D97-AF65-F5344CB8AC3E}">
+        <p14:creationId xmlns:p14="http://schemas.microsoft.com/office/powerpoint/2010/main" val="2780373771"/>
+      </p:ext>
+    </p:extLst>
+  </p:cSld>
+  <p:clrMapOvr>
+    <a:masterClrMapping/>
+  </p:clrMapOvr>
+  <p:timing>
+    <p:tnLst>
+      <p:par>
+        <p:cTn id="1" dur="indefinite" restart="never" nodeType="tmRoot"/>
+      </p:par>
+    </p:tnLst>
+  </p:timing>
+</p:sld>
+</file>
+
+<file path=ppt/slides/slide12.xml><?xml version="1.0" encoding="utf-8"?>
+<p:sld xmlns:a="http://schemas.openxmlformats.org/drawingml/2006/main" xmlns:r="http://schemas.openxmlformats.org/officeDocument/2006/relationships" xmlns:p="http://schemas.openxmlformats.org/presentationml/2006/main">
+  <p:cSld>
+    <p:spTree>
+      <p:nvGrpSpPr>
+        <p:cNvPr id="1" name=""/>
+        <p:cNvGrpSpPr/>
+        <p:nvPr/>
+      </p:nvGrpSpPr>
+      <p:grpSpPr>
+        <a:xfrm>
+          <a:off x="0" y="0"/>
+          <a:ext cx="0" cy="0"/>
+          <a:chOff x="0" y="0"/>
+          <a:chExt cx="0" cy="0"/>
+        </a:xfrm>
+      </p:grpSpPr>
+      <p:sp>
+        <p:nvSpPr>
+          <p:cNvPr id="2" name="Title 1"/>
+          <p:cNvSpPr>
+            <a:spLocks noGrp="1"/>
+          </p:cNvSpPr>
+          <p:nvPr>
+            <p:ph type="title"/>
+          </p:nvPr>
+        </p:nvSpPr>
+        <p:spPr/>
+        <p:txBody>
+          <a:bodyPr>
+            <a:normAutofit/>
+          </a:bodyPr>
+          <a:lstStyle/>
+          <a:p>
+            <a:r>
+              <a:rPr lang="en-US" sz="2800" dirty="0"/>
+              <a:t>Generating puzzles</a:t>
+            </a:r>
+          </a:p>
+        </p:txBody>
+      </p:sp>
+      <p:sp>
+        <p:nvSpPr>
+          <p:cNvPr id="3" name="Content Placeholder 2"/>
+          <p:cNvSpPr>
+            <a:spLocks noGrp="1"/>
+          </p:cNvSpPr>
+          <p:nvPr>
+            <p:ph idx="1"/>
+          </p:nvPr>
+        </p:nvSpPr>
+        <p:spPr/>
+        <p:txBody>
+          <a:bodyPr>
+            <a:normAutofit/>
+          </a:bodyPr>
+          <a:lstStyle/>
+          <a:p>
+            <a:r>
+              <a:rPr lang="en-US" sz="2400" dirty="0" smtClean="0"/>
+              <a:t>I chose different approach – generate the puzzle line by line randomizing it </a:t>
+            </a:r>
+            <a:r>
+              <a:rPr lang="en-US" sz="2400" smtClean="0"/>
+              <a:t>whenever possible.</a:t>
+            </a:r>
+            <a:endParaRPr lang="en-US" sz="2400" dirty="0"/>
+          </a:p>
+        </p:txBody>
+      </p:sp>
+    </p:spTree>
+    <p:extLst>
+      <p:ext uri="{BB962C8B-B14F-4D97-AF65-F5344CB8AC3E}">
+        <p14:creationId xmlns:p14="http://schemas.microsoft.com/office/powerpoint/2010/main" val="1747377095"/>
+      </p:ext>
+    </p:extLst>
+  </p:cSld>
+  <p:clrMapOvr>
+    <a:masterClrMapping/>
+  </p:clrMapOvr>
+  <p:timing>
+    <p:tnLst>
+      <p:par>
+        <p:cTn id="1" dur="indefinite" restart="never" nodeType="tmRoot"/>
+      </p:par>
+    </p:tnLst>
+  </p:timing>
+</p:sld>
+</file>
+
+<file path=ppt/slides/slide13.xml><?xml version="1.0" encoding="utf-8"?>
+<p:sld xmlns:a="http://schemas.openxmlformats.org/drawingml/2006/main" xmlns:r="http://schemas.openxmlformats.org/officeDocument/2006/relationships" xmlns:p="http://schemas.openxmlformats.org/presentationml/2006/main">
+  <p:cSld>
+    <p:spTree>
+      <p:nvGrpSpPr>
+        <p:cNvPr id="1" name=""/>
+        <p:cNvGrpSpPr/>
+        <p:nvPr/>
+      </p:nvGrpSpPr>
+      <p:grpSpPr>
+        <a:xfrm>
+          <a:off x="0" y="0"/>
+          <a:ext cx="0" cy="0"/>
+          <a:chOff x="0" y="0"/>
+          <a:chExt cx="0" cy="0"/>
+        </a:xfrm>
+      </p:grpSpPr>
+      <p:sp>
+        <p:nvSpPr>
+          <p:cNvPr id="2" name="Title 1"/>
+          <p:cNvSpPr>
+            <a:spLocks noGrp="1"/>
+          </p:cNvSpPr>
+          <p:nvPr>
+            <p:ph type="title"/>
+          </p:nvPr>
+        </p:nvSpPr>
+        <p:spPr/>
+        <p:txBody>
+          <a:bodyPr>
+            <a:normAutofit/>
+          </a:bodyPr>
+          <a:lstStyle/>
+          <a:p>
+            <a:r>
+              <a:rPr lang="en-US" sz="2800" dirty="0" smtClean="0"/>
+              <a:t>Another approach: Sudoku as linear programming problem</a:t>
+            </a:r>
+            <a:endParaRPr lang="en-US" sz="2800" dirty="0"/>
+          </a:p>
+        </p:txBody>
+      </p:sp>
+      <p:sp>
+        <p:nvSpPr>
+          <p:cNvPr id="3" name="Content Placeholder 2"/>
+          <p:cNvSpPr>
+            <a:spLocks noGrp="1"/>
+          </p:cNvSpPr>
+          <p:nvPr>
+            <p:ph idx="1"/>
+          </p:nvPr>
+        </p:nvSpPr>
+        <p:spPr/>
+        <p:txBody>
+          <a:bodyPr>
+            <a:normAutofit/>
+          </a:bodyPr>
+          <a:lstStyle/>
+          <a:p>
+            <a:endParaRPr lang="en-US" sz="2400" dirty="0"/>
+          </a:p>
+        </p:txBody>
+      </p:sp>
+    </p:spTree>
+    <p:extLst>
+      <p:ext uri="{BB962C8B-B14F-4D97-AF65-F5344CB8AC3E}">
+        <p14:creationId xmlns:p14="http://schemas.microsoft.com/office/powerpoint/2010/main" val="3401336830"/>
       </p:ext>
     </p:extLst>
   </p:cSld>
@@ -3231,7 +4375,7 @@
         </p:nvGrpSpPr>
         <p:grpSpPr>
           <a:xfrm>
-            <a:off x="1371600" y="1323975"/>
+            <a:off x="1672328" y="1773872"/>
             <a:ext cx="4267200" cy="2943225"/>
             <a:chOff x="1371600" y="1323975"/>
             <a:chExt cx="4267200" cy="2943225"/>
@@ -4269,7 +5413,7 @@
         </p:nvGrpSpPr>
         <p:grpSpPr>
           <a:xfrm>
-            <a:off x="1911797" y="2005012"/>
+            <a:off x="1911797" y="2668269"/>
             <a:ext cx="4267200" cy="2943225"/>
             <a:chOff x="1911797" y="2005012"/>
             <a:chExt cx="4267200" cy="2943225"/>
@@ -4421,7 +5565,6 @@
                 <a:rPr lang="en-US" dirty="0"/>
                 <a:t>5</a:t>
               </a:r>
-              <a:endParaRPr lang="en-US" dirty="0"/>
             </a:p>
           </p:txBody>
         </p:sp>
@@ -4471,7 +5614,6 @@
                 <a:rPr lang="en-US" dirty="0"/>
                 <a:t>9</a:t>
               </a:r>
-              <a:endParaRPr lang="en-US" dirty="0"/>
             </a:p>
           </p:txBody>
         </p:sp>
@@ -4621,7 +5763,6 @@
                 <a:rPr lang="en-US" dirty="0"/>
                 <a:t>3</a:t>
               </a:r>
-              <a:endParaRPr lang="en-US" dirty="0"/>
             </a:p>
           </p:txBody>
         </p:sp>
@@ -4671,7 +5812,6 @@
                 <a:rPr lang="en-US" dirty="0"/>
                 <a:t>4</a:t>
               </a:r>
-              <a:endParaRPr lang="en-US" dirty="0"/>
             </a:p>
           </p:txBody>
         </p:sp>
@@ -4721,7 +5861,6 @@
                 <a:rPr lang="en-US" dirty="0"/>
                 <a:t>7</a:t>
               </a:r>
-              <a:endParaRPr lang="en-US" dirty="0"/>
             </a:p>
           </p:txBody>
         </p:sp>
@@ -4871,7 +6010,6 @@
                 <a:rPr lang="en-US" dirty="0"/>
                 <a:t>8</a:t>
               </a:r>
-              <a:endParaRPr lang="en-US" dirty="0"/>
             </a:p>
           </p:txBody>
         </p:sp>
@@ -5295,7 +6433,19 @@
           <a:p>
             <a:r>
               <a:rPr lang="en-US" sz="2800" dirty="0" smtClean="0"/>
-              <a:t>Applying depth-first search for Sudoku solver </a:t>
+              <a:t>Applying depth-first search </a:t>
+            </a:r>
+            <a:r>
+              <a:rPr lang="en-US" sz="2800" dirty="0" smtClean="0"/>
+              <a:t>in</a:t>
+            </a:r>
+            <a:r>
+              <a:rPr lang="en-US" sz="2800" dirty="0" smtClean="0"/>
+              <a:t> </a:t>
+            </a:r>
+            <a:r>
+              <a:rPr lang="en-US" sz="2800" dirty="0" smtClean="0"/>
+              <a:t>Sudoku solver </a:t>
             </a:r>
             <a:endParaRPr lang="en-US" sz="2800" dirty="0"/>
           </a:p>
@@ -5311,7 +6461,12 @@
             <p:ph idx="1"/>
           </p:nvPr>
         </p:nvSpPr>
-        <p:spPr/>
+        <p:spPr>
+          <a:xfrm>
+            <a:off x="457200" y="1295400"/>
+            <a:ext cx="8229600" cy="457200"/>
+          </a:xfrm>
+        </p:spPr>
         <p:txBody>
           <a:bodyPr>
             <a:normAutofit/>
@@ -5320,16 +6475,418 @@
           <a:p>
             <a:r>
               <a:rPr lang="en-US" sz="2400" dirty="0" smtClean="0"/>
-              <a:t>Obtaining the distribution with </a:t>
-            </a:r>
-            <a:r>
-              <a:rPr lang="en-US" sz="2400" smtClean="0"/>
-              <a:t>possible assignments</a:t>
-            </a:r>
-            <a:endParaRPr lang="en-US" sz="2400" dirty="0"/>
+              <a:t>Obtaining the distribution with possible </a:t>
+            </a:r>
+            <a:r>
+              <a:rPr lang="en-US" sz="2400" dirty="0" smtClean="0"/>
+              <a:t>assignments</a:t>
+            </a:r>
+          </a:p>
+          <a:p>
+            <a:pPr marL="0" indent="0">
+              <a:buNone/>
+            </a:pPr>
+            <a:endParaRPr lang="en-US" sz="2400" dirty="0" smtClean="0"/>
           </a:p>
         </p:txBody>
       </p:sp>
+      <p:grpSp>
+        <p:nvGrpSpPr>
+          <p:cNvPr id="6" name="Group 5"/>
+          <p:cNvGrpSpPr/>
+          <p:nvPr/>
+        </p:nvGrpSpPr>
+        <p:grpSpPr>
+          <a:xfrm>
+            <a:off x="876300" y="2743200"/>
+            <a:ext cx="2057400" cy="1752600"/>
+            <a:chOff x="1066800" y="3200400"/>
+            <a:chExt cx="2057400" cy="1752600"/>
+          </a:xfrm>
+        </p:grpSpPr>
+        <p:sp>
+          <p:nvSpPr>
+            <p:cNvPr id="4" name="TextBox 3"/>
+            <p:cNvSpPr txBox="1"/>
+            <p:nvPr/>
+          </p:nvSpPr>
+          <p:spPr>
+            <a:xfrm>
+              <a:off x="1143001" y="3276601"/>
+              <a:ext cx="1981199" cy="1676399"/>
+            </a:xfrm>
+            <a:prstGeom prst="rect">
+              <a:avLst/>
+            </a:prstGeom>
+            <a:noFill/>
+          </p:spPr>
+          <p:txBody>
+            <a:bodyPr wrap="none" lIns="0" tIns="0" rIns="0" bIns="0" rtlCol="0" anchor="ctr" anchorCtr="1">
+              <a:noAutofit/>
+            </a:bodyPr>
+            <a:lstStyle/>
+            <a:p>
+              <a:r>
+                <a:rPr lang="en-US" sz="1100" b="1" dirty="0">
+                  <a:latin typeface="Courier New" panose="02070309020205020404" pitchFamily="49" charset="0"/>
+                  <a:cs typeface="Courier New" panose="02070309020205020404" pitchFamily="49" charset="0"/>
+                </a:rPr>
+                <a:t>. 2 . 7 . 1 9 3 </a:t>
+              </a:r>
+              <a:r>
+                <a:rPr lang="en-US" sz="1100" b="1" dirty="0" smtClean="0">
+                  <a:latin typeface="Courier New" panose="02070309020205020404" pitchFamily="49" charset="0"/>
+                  <a:cs typeface="Courier New" panose="02070309020205020404" pitchFamily="49" charset="0"/>
+                </a:rPr>
+                <a:t>.</a:t>
+              </a:r>
+              <a:r>
+                <a:rPr lang="en-US" sz="1100" b="1" dirty="0">
+                  <a:latin typeface="Courier New" panose="02070309020205020404" pitchFamily="49" charset="0"/>
+                  <a:cs typeface="Courier New" panose="02070309020205020404" pitchFamily="49" charset="0"/>
+                </a:rPr>
+                <a:t>	</a:t>
+              </a:r>
+              <a:endParaRPr lang="en-US" sz="1100" b="1" dirty="0" smtClean="0">
+                <a:latin typeface="Courier New" panose="02070309020205020404" pitchFamily="49" charset="0"/>
+                <a:cs typeface="Courier New" panose="02070309020205020404" pitchFamily="49" charset="0"/>
+              </a:endParaRPr>
+            </a:p>
+            <a:p>
+              <a:r>
+                <a:rPr lang="en-US" sz="1100" b="1" dirty="0" smtClean="0">
+                  <a:latin typeface="Courier New" panose="02070309020205020404" pitchFamily="49" charset="0"/>
+                  <a:cs typeface="Courier New" panose="02070309020205020404" pitchFamily="49" charset="0"/>
+                </a:rPr>
+                <a:t>. </a:t>
+              </a:r>
+              <a:r>
+                <a:rPr lang="en-US" sz="1100" b="1" dirty="0">
+                  <a:latin typeface="Courier New" panose="02070309020205020404" pitchFamily="49" charset="0"/>
+                  <a:cs typeface="Courier New" panose="02070309020205020404" pitchFamily="49" charset="0"/>
+                </a:rPr>
+                <a:t>. 8 4 2 . . . .</a:t>
+              </a:r>
+            </a:p>
+            <a:p>
+              <a:r>
+                <a:rPr lang="en-US" sz="1100" b="1" dirty="0">
+                  <a:latin typeface="Courier New" panose="02070309020205020404" pitchFamily="49" charset="0"/>
+                  <a:cs typeface="Courier New" panose="02070309020205020404" pitchFamily="49" charset="0"/>
+                </a:rPr>
+                <a:t>5 . . . 9 . . . 7</a:t>
+              </a:r>
+            </a:p>
+            <a:p>
+              <a:r>
+                <a:rPr lang="en-US" sz="1100" b="1" dirty="0">
+                  <a:latin typeface="Courier New" panose="02070309020205020404" pitchFamily="49" charset="0"/>
+                  <a:cs typeface="Courier New" panose="02070309020205020404" pitchFamily="49" charset="0"/>
+                </a:rPr>
+                <a:t>. . . . . 6 . . .</a:t>
+              </a:r>
+            </a:p>
+            <a:p>
+              <a:r>
+                <a:rPr lang="en-US" sz="1100" b="1" dirty="0">
+                  <a:latin typeface="Courier New" panose="02070309020205020404" pitchFamily="49" charset="0"/>
+                  <a:cs typeface="Courier New" panose="02070309020205020404" pitchFamily="49" charset="0"/>
+                </a:rPr>
+                <a:t>. 1 . 3 . . . . .</a:t>
+              </a:r>
+            </a:p>
+            <a:p>
+              <a:r>
+                <a:rPr lang="en-US" sz="1100" b="1" dirty="0">
+                  <a:latin typeface="Courier New" panose="02070309020205020404" pitchFamily="49" charset="0"/>
+                  <a:cs typeface="Courier New" panose="02070309020205020404" pitchFamily="49" charset="0"/>
+                </a:rPr>
+                <a:t>3 . . . . . 5 . .</a:t>
+              </a:r>
+            </a:p>
+            <a:p>
+              <a:r>
+                <a:rPr lang="en-US" sz="1100" b="1" dirty="0">
+                  <a:latin typeface="Courier New" panose="02070309020205020404" pitchFamily="49" charset="0"/>
+                  <a:cs typeface="Courier New" panose="02070309020205020404" pitchFamily="49" charset="0"/>
+                </a:rPr>
+                <a:t>. . . . 3 7 . 4 .</a:t>
+              </a:r>
+            </a:p>
+            <a:p>
+              <a:r>
+                <a:rPr lang="en-US" sz="1100" b="1" dirty="0">
+                  <a:latin typeface="Courier New" panose="02070309020205020404" pitchFamily="49" charset="0"/>
+                  <a:cs typeface="Courier New" panose="02070309020205020404" pitchFamily="49" charset="0"/>
+                </a:rPr>
+                <a:t>. 6 . 8 . . . . .</a:t>
+              </a:r>
+            </a:p>
+            <a:p>
+              <a:r>
+                <a:rPr lang="en-US" sz="1100" b="1" dirty="0">
+                  <a:latin typeface="Courier New" panose="02070309020205020404" pitchFamily="49" charset="0"/>
+                  <a:cs typeface="Courier New" panose="02070309020205020404" pitchFamily="49" charset="0"/>
+                </a:rPr>
+                <a:t>8 . . . . . . . 5</a:t>
+              </a:r>
+            </a:p>
+            <a:p>
+              <a:endParaRPr lang="en-US" sz="1100" dirty="0">
+                <a:latin typeface="Courier New" panose="02070309020205020404" pitchFamily="49" charset="0"/>
+                <a:cs typeface="Courier New" panose="02070309020205020404" pitchFamily="49" charset="0"/>
+              </a:endParaRPr>
+            </a:p>
+          </p:txBody>
+        </p:sp>
+        <p:sp>
+          <p:nvSpPr>
+            <p:cNvPr id="5" name="Rectangle 4"/>
+            <p:cNvSpPr/>
+            <p:nvPr/>
+          </p:nvSpPr>
+          <p:spPr>
+            <a:xfrm>
+              <a:off x="1066800" y="3200400"/>
+              <a:ext cx="1676400" cy="1676400"/>
+            </a:xfrm>
+            <a:prstGeom prst="rect">
+              <a:avLst/>
+            </a:prstGeom>
+            <a:noFill/>
+          </p:spPr>
+          <p:style>
+            <a:lnRef idx="2">
+              <a:schemeClr val="accent1">
+                <a:shade val="50000"/>
+              </a:schemeClr>
+            </a:lnRef>
+            <a:fillRef idx="1">
+              <a:schemeClr val="accent1"/>
+            </a:fillRef>
+            <a:effectRef idx="0">
+              <a:schemeClr val="accent1"/>
+            </a:effectRef>
+            <a:fontRef idx="minor">
+              <a:schemeClr val="lt1"/>
+            </a:fontRef>
+          </p:style>
+          <p:txBody>
+            <a:bodyPr rtlCol="0" anchor="ctr"/>
+            <a:lstStyle/>
+            <a:p>
+              <a:pPr algn="ctr"/>
+              <a:endParaRPr lang="en-US"/>
+            </a:p>
+          </p:txBody>
+        </p:sp>
+      </p:grpSp>
+      <p:sp>
+        <p:nvSpPr>
+          <p:cNvPr id="7" name="TextBox 6"/>
+          <p:cNvSpPr txBox="1"/>
+          <p:nvPr/>
+        </p:nvSpPr>
+        <p:spPr>
+          <a:xfrm>
+            <a:off x="2743200" y="1949113"/>
+            <a:ext cx="3048000" cy="4893647"/>
+          </a:xfrm>
+          <a:prstGeom prst="rect">
+            <a:avLst/>
+          </a:prstGeom>
+          <a:noFill/>
+        </p:spPr>
+        <p:txBody>
+          <a:bodyPr wrap="square" rtlCol="0">
+            <a:spAutoFit/>
+          </a:bodyPr>
+          <a:lstStyle/>
+          <a:p>
+            <a:r>
+              <a:rPr lang="en-US" sz="1200" b="1" dirty="0"/>
+              <a:t>Total number of distinct ranks: 7</a:t>
+            </a:r>
+          </a:p>
+          <a:p>
+            <a:r>
+              <a:rPr lang="en-US" sz="1200" b="1" dirty="0"/>
+              <a:t>1 =&gt;</a:t>
+            </a:r>
+          </a:p>
+          <a:p>
+            <a:r>
+              <a:rPr lang="en-US" sz="1200" b="1" dirty="0"/>
+              <a:t>[2,3]   {6 }</a:t>
+            </a:r>
+          </a:p>
+          <a:p>
+            <a:r>
+              <a:rPr lang="en-US" sz="1200" b="1" dirty="0"/>
+              <a:t>2 =&gt;</a:t>
+            </a:r>
+          </a:p>
+          <a:p>
+            <a:r>
+              <a:rPr lang="en-US" sz="1200" b="1" dirty="0"/>
+              <a:t>[0,0]   {4 6 }</a:t>
+            </a:r>
+          </a:p>
+          <a:p>
+            <a:r>
+              <a:rPr lang="en-US" sz="1200" b="1" dirty="0"/>
+              <a:t>[0,2]   {4 6 }</a:t>
+            </a:r>
+          </a:p>
+          <a:p>
+            <a:r>
+              <a:rPr lang="en-US" sz="1200" b="1" dirty="0"/>
+              <a:t>[1,5]   {3 5 }</a:t>
+            </a:r>
+          </a:p>
+          <a:p>
+            <a:r>
+              <a:rPr lang="en-US" sz="1200" b="1" dirty="0"/>
+              <a:t>[1,6]   {1 6 }</a:t>
+            </a:r>
+          </a:p>
+          <a:p>
+            <a:r>
+              <a:rPr lang="en-US" sz="1200" b="1" dirty="0"/>
+              <a:t>[1,8]   {1 6 }</a:t>
+            </a:r>
+          </a:p>
+          <a:p>
+            <a:r>
+              <a:rPr lang="en-US" sz="1200" b="1" dirty="0"/>
+              <a:t>[2,1]   {3 4 }</a:t>
+            </a:r>
+          </a:p>
+          <a:p>
+            <a:r>
+              <a:rPr lang="en-US" sz="1200" b="1" dirty="0"/>
+              <a:t>[2,5]   {3 8 }</a:t>
+            </a:r>
+          </a:p>
+          <a:p>
+            <a:r>
+              <a:rPr lang="en-US" sz="1200" b="1" dirty="0"/>
+              <a:t>[6,1]   {5 9 }</a:t>
+            </a:r>
+          </a:p>
+          <a:p>
+            <a:r>
+              <a:rPr lang="en-US" sz="1200" b="1" dirty="0"/>
+              <a:t>3 =&gt;</a:t>
+            </a:r>
+          </a:p>
+          <a:p>
+            <a:r>
+              <a:rPr lang="en-US" sz="1200" b="1" dirty="0"/>
+              <a:t>[0,4]   {5 6 8 }</a:t>
+            </a:r>
+          </a:p>
+          <a:p>
+            <a:r>
+              <a:rPr lang="en-US" sz="1200" b="1" dirty="0"/>
+              <a:t>[0,8]   {4 6 8 }</a:t>
+            </a:r>
+          </a:p>
+          <a:p>
+            <a:r>
+              <a:rPr lang="en-US" sz="1200" b="1" dirty="0"/>
+              <a:t>[1,1]   {3 7 9 }</a:t>
+            </a:r>
+          </a:p>
+          <a:p>
+            <a:r>
+              <a:rPr lang="en-US" sz="1200" b="1" dirty="0"/>
+              <a:t>[1,7]   {1 5 6 }</a:t>
+            </a:r>
+          </a:p>
+          <a:p>
+            <a:r>
+              <a:rPr lang="en-US" sz="1200" b="1" dirty="0"/>
+              <a:t>[5,3]   {1 2 9 }</a:t>
+            </a:r>
+          </a:p>
+          <a:p>
+            <a:r>
+              <a:rPr lang="en-US" sz="1200" b="1" dirty="0"/>
+              <a:t>[6,0]   {1 2 9 }</a:t>
+            </a:r>
+          </a:p>
+          <a:p>
+            <a:r>
+              <a:rPr lang="en-US" sz="1200" b="1" dirty="0"/>
+              <a:t>[7,4]   {1 4 5 }</a:t>
+            </a:r>
+          </a:p>
+          <a:p>
+            <a:r>
+              <a:rPr lang="en-US" sz="1200" b="1" dirty="0"/>
+              <a:t>[8,4]   {1 4 6 }</a:t>
+            </a:r>
+          </a:p>
+          <a:p>
+            <a:r>
+              <a:rPr lang="en-US" sz="1200" b="1" dirty="0"/>
+              <a:t>[8,5]   {2 4 9 }</a:t>
+            </a:r>
+          </a:p>
+          <a:p>
+            <a:r>
+              <a:rPr lang="en-US" sz="1200" b="1" dirty="0"/>
+              <a:t>4 =&gt;</a:t>
+            </a:r>
+          </a:p>
+          <a:p>
+            <a:r>
+              <a:rPr lang="en-US" sz="1200" b="1" dirty="0"/>
+              <a:t>[1,0]   {1 6 7 9 }</a:t>
+            </a:r>
+          </a:p>
+          <a:p>
+            <a:r>
+              <a:rPr lang="en-US" sz="1200" b="1" dirty="0"/>
+              <a:t>[2,2]   {1 3 4 6 </a:t>
+            </a:r>
+            <a:r>
+              <a:rPr lang="en-US" sz="1200" b="1" dirty="0" smtClean="0"/>
+              <a:t>}</a:t>
+            </a:r>
+          </a:p>
+          <a:p>
+            <a:r>
+              <a:rPr lang="en-US" sz="1400" b="1" dirty="0" smtClean="0"/>
+              <a:t>. . .</a:t>
+            </a:r>
+            <a:endParaRPr lang="en-US" sz="1400" b="1" dirty="0"/>
+          </a:p>
+        </p:txBody>
+      </p:sp>
+      <p:graphicFrame>
+        <p:nvGraphicFramePr>
+          <p:cNvPr id="9" name="Chart 8"/>
+          <p:cNvGraphicFramePr/>
+          <p:nvPr>
+            <p:extLst>
+              <p:ext uri="{D42A27DB-BD31-4B8C-83A1-F6EECF244321}">
+                <p14:modId xmlns:p14="http://schemas.microsoft.com/office/powerpoint/2010/main" val="2033851164"/>
+              </p:ext>
+            </p:extLst>
+          </p:nvPr>
+        </p:nvGraphicFramePr>
+        <p:xfrm>
+          <a:off x="5029200" y="2362200"/>
+          <a:ext cx="3200400" cy="3327400"/>
+        </p:xfrm>
+        <a:graphic>
+          <a:graphicData uri="http://schemas.openxmlformats.org/drawingml/2006/chart">
+            <c:chart xmlns:c="http://schemas.openxmlformats.org/drawingml/2006/chart" xmlns:r="http://schemas.openxmlformats.org/officeDocument/2006/relationships" r:id="rId2"/>
+          </a:graphicData>
+        </a:graphic>
+      </p:graphicFrame>
     </p:spTree>
     <p:extLst>
       <p:ext uri="{BB962C8B-B14F-4D97-AF65-F5344CB8AC3E}">
@@ -5369,7 +6926,37 @@
       </p:grpSpPr>
       <p:sp>
         <p:nvSpPr>
-          <p:cNvPr id="2" name="Title 1"/>
+          <p:cNvPr id="3" name="Content Placeholder 2"/>
+          <p:cNvSpPr>
+            <a:spLocks noGrp="1"/>
+          </p:cNvSpPr>
+          <p:nvPr>
+            <p:ph idx="1"/>
+          </p:nvPr>
+        </p:nvSpPr>
+        <p:spPr>
+          <a:xfrm>
+            <a:off x="457200" y="1219200"/>
+            <a:ext cx="8229600" cy="533400"/>
+          </a:xfrm>
+        </p:spPr>
+        <p:txBody>
+          <a:bodyPr>
+            <a:normAutofit/>
+          </a:bodyPr>
+          <a:lstStyle/>
+          <a:p>
+            <a:r>
+              <a:rPr lang="en-US" sz="2400" dirty="0" smtClean="0"/>
+              <a:t>Building a search tree</a:t>
+            </a:r>
+            <a:endParaRPr lang="en-US" sz="2400" dirty="0"/>
+          </a:p>
+        </p:txBody>
+      </p:sp>
+      <p:sp>
+        <p:nvSpPr>
+          <p:cNvPr id="4" name="Title 1"/>
           <p:cNvSpPr>
             <a:spLocks noGrp="1"/>
           </p:cNvSpPr>
@@ -5386,7 +6973,19 @@
           <a:p>
             <a:r>
               <a:rPr lang="en-US" sz="2800" dirty="0" smtClean="0"/>
-              <a:t>Different approach – Sudoku as finite group</a:t>
+              <a:t>Applying depth-first search </a:t>
+            </a:r>
+            <a:r>
+              <a:rPr lang="en-US" sz="2800" dirty="0" smtClean="0"/>
+              <a:t>in</a:t>
+            </a:r>
+            <a:r>
+              <a:rPr lang="en-US" sz="2800" dirty="0" smtClean="0"/>
+              <a:t> </a:t>
+            </a:r>
+            <a:r>
+              <a:rPr lang="en-US" sz="2800" dirty="0" smtClean="0"/>
+              <a:t>Sudoku solver </a:t>
             </a:r>
             <a:endParaRPr lang="en-US" sz="2800" dirty="0"/>
           </a:p>
@@ -5394,41 +6993,1656 @@
       </p:sp>
       <p:sp>
         <p:nvSpPr>
-          <p:cNvPr id="3" name="Content Placeholder 2"/>
-          <p:cNvSpPr>
-            <a:spLocks noGrp="1"/>
-          </p:cNvSpPr>
-          <p:nvPr>
-            <p:ph idx="1"/>
-          </p:nvPr>
+          <p:cNvPr id="74" name="TextBox 73"/>
+          <p:cNvSpPr txBox="1"/>
+          <p:nvPr/>
         </p:nvSpPr>
-        <p:spPr/>
+        <p:spPr>
+          <a:xfrm>
+            <a:off x="190500" y="5606534"/>
+            <a:ext cx="685800" cy="369332"/>
+          </a:xfrm>
+          <a:prstGeom prst="rect">
+            <a:avLst/>
+          </a:prstGeom>
+          <a:noFill/>
+        </p:spPr>
         <p:txBody>
-          <a:bodyPr>
-            <a:normAutofit/>
+          <a:bodyPr wrap="square" rtlCol="0">
+            <a:spAutoFit/>
           </a:bodyPr>
           <a:lstStyle/>
           <a:p>
             <a:r>
-              <a:rPr lang="en-US" sz="2400" dirty="0" smtClean="0"/>
-              <a:t>In classic Sudoku there are 6.67×10</a:t>
-            </a:r>
-            <a:r>
-              <a:rPr lang="en-US" sz="2400" baseline="30000" dirty="0" smtClean="0"/>
-              <a:t>21</a:t>
-            </a:r>
-            <a:r>
-              <a:rPr lang="en-US" sz="2400" dirty="0" smtClean="0"/>
-              <a:t> different solution grids but only 5,472,730,538 of those are not congruent with each other with respect to rotation, reflection, permutation and relabeling.</a:t>
-            </a:r>
-            <a:endParaRPr lang="en-US" sz="2400" dirty="0"/>
+              <a:rPr lang="en-US" dirty="0" smtClean="0"/>
+              <a:t>[1,6]</a:t>
+            </a:r>
+            <a:endParaRPr lang="en-US" dirty="0"/>
           </a:p>
         </p:txBody>
       </p:sp>
+      <p:grpSp>
+        <p:nvGrpSpPr>
+          <p:cNvPr id="77" name="Group 76"/>
+          <p:cNvGrpSpPr/>
+          <p:nvPr/>
+        </p:nvGrpSpPr>
+        <p:grpSpPr>
+          <a:xfrm>
+            <a:off x="528320" y="2057400"/>
+            <a:ext cx="6786880" cy="3962400"/>
+            <a:chOff x="528320" y="2057400"/>
+            <a:chExt cx="6786880" cy="3962400"/>
+          </a:xfrm>
+        </p:grpSpPr>
+        <p:sp>
+          <p:nvSpPr>
+            <p:cNvPr id="5" name="Oval 4"/>
+            <p:cNvSpPr/>
+            <p:nvPr/>
+          </p:nvSpPr>
+          <p:spPr>
+            <a:xfrm>
+              <a:off x="4191000" y="2057400"/>
+              <a:ext cx="457200" cy="457200"/>
+            </a:xfrm>
+            <a:prstGeom prst="ellipse">
+              <a:avLst/>
+            </a:prstGeom>
+          </p:spPr>
+          <p:style>
+            <a:lnRef idx="2">
+              <a:schemeClr val="accent1">
+                <a:shade val="50000"/>
+              </a:schemeClr>
+            </a:lnRef>
+            <a:fillRef idx="1">
+              <a:schemeClr val="accent1"/>
+            </a:fillRef>
+            <a:effectRef idx="0">
+              <a:schemeClr val="accent1"/>
+            </a:effectRef>
+            <a:fontRef idx="minor">
+              <a:schemeClr val="lt1"/>
+            </a:fontRef>
+          </p:style>
+          <p:txBody>
+            <a:bodyPr rtlCol="0" anchor="ctr"/>
+            <a:lstStyle/>
+            <a:p>
+              <a:pPr algn="ctr"/>
+              <a:r>
+                <a:rPr lang="en-US" dirty="0" smtClean="0"/>
+                <a:t>6</a:t>
+              </a:r>
+              <a:endParaRPr lang="en-US" dirty="0"/>
+            </a:p>
+          </p:txBody>
+        </p:sp>
+        <p:sp>
+          <p:nvSpPr>
+            <p:cNvPr id="6" name="Oval 5"/>
+            <p:cNvSpPr/>
+            <p:nvPr/>
+          </p:nvSpPr>
+          <p:spPr>
+            <a:xfrm>
+              <a:off x="2733040" y="2971800"/>
+              <a:ext cx="457200" cy="457200"/>
+            </a:xfrm>
+            <a:prstGeom prst="ellipse">
+              <a:avLst/>
+            </a:prstGeom>
+          </p:spPr>
+          <p:style>
+            <a:lnRef idx="2">
+              <a:schemeClr val="accent1">
+                <a:shade val="50000"/>
+              </a:schemeClr>
+            </a:lnRef>
+            <a:fillRef idx="1">
+              <a:schemeClr val="accent1"/>
+            </a:fillRef>
+            <a:effectRef idx="0">
+              <a:schemeClr val="accent1"/>
+            </a:effectRef>
+            <a:fontRef idx="minor">
+              <a:schemeClr val="lt1"/>
+            </a:fontRef>
+          </p:style>
+          <p:txBody>
+            <a:bodyPr rtlCol="0" anchor="ctr"/>
+            <a:lstStyle/>
+            <a:p>
+              <a:pPr algn="ctr"/>
+              <a:r>
+                <a:rPr lang="en-US" dirty="0"/>
+                <a:t>4</a:t>
+              </a:r>
+              <a:endParaRPr lang="en-US" dirty="0"/>
+            </a:p>
+          </p:txBody>
+        </p:sp>
+        <p:sp>
+          <p:nvSpPr>
+            <p:cNvPr id="7" name="Oval 6"/>
+            <p:cNvSpPr/>
+            <p:nvPr/>
+          </p:nvSpPr>
+          <p:spPr>
+            <a:xfrm>
+              <a:off x="5476240" y="2946400"/>
+              <a:ext cx="457200" cy="457200"/>
+            </a:xfrm>
+            <a:prstGeom prst="ellipse">
+              <a:avLst/>
+            </a:prstGeom>
+          </p:spPr>
+          <p:style>
+            <a:lnRef idx="2">
+              <a:schemeClr val="accent1">
+                <a:shade val="50000"/>
+              </a:schemeClr>
+            </a:lnRef>
+            <a:fillRef idx="1">
+              <a:schemeClr val="accent1"/>
+            </a:fillRef>
+            <a:effectRef idx="0">
+              <a:schemeClr val="accent1"/>
+            </a:effectRef>
+            <a:fontRef idx="minor">
+              <a:schemeClr val="lt1"/>
+            </a:fontRef>
+          </p:style>
+          <p:txBody>
+            <a:bodyPr rtlCol="0" anchor="ctr"/>
+            <a:lstStyle/>
+            <a:p>
+              <a:pPr algn="ctr"/>
+              <a:r>
+                <a:rPr lang="en-US" dirty="0" smtClean="0"/>
+                <a:t>6</a:t>
+              </a:r>
+              <a:endParaRPr lang="en-US" dirty="0"/>
+            </a:p>
+          </p:txBody>
+        </p:sp>
+        <p:sp>
+          <p:nvSpPr>
+            <p:cNvPr id="8" name="Oval 7"/>
+            <p:cNvSpPr/>
+            <p:nvPr/>
+          </p:nvSpPr>
+          <p:spPr>
+            <a:xfrm>
+              <a:off x="2133600" y="3784600"/>
+              <a:ext cx="457200" cy="457200"/>
+            </a:xfrm>
+            <a:prstGeom prst="ellipse">
+              <a:avLst/>
+            </a:prstGeom>
+          </p:spPr>
+          <p:style>
+            <a:lnRef idx="2">
+              <a:schemeClr val="accent1">
+                <a:shade val="50000"/>
+              </a:schemeClr>
+            </a:lnRef>
+            <a:fillRef idx="1">
+              <a:schemeClr val="accent1"/>
+            </a:fillRef>
+            <a:effectRef idx="0">
+              <a:schemeClr val="accent1"/>
+            </a:effectRef>
+            <a:fontRef idx="minor">
+              <a:schemeClr val="lt1"/>
+            </a:fontRef>
+          </p:style>
+          <p:txBody>
+            <a:bodyPr rtlCol="0" anchor="ctr"/>
+            <a:lstStyle/>
+            <a:p>
+              <a:pPr algn="ctr"/>
+              <a:r>
+                <a:rPr lang="en-US" dirty="0"/>
+                <a:t>4</a:t>
+              </a:r>
+            </a:p>
+          </p:txBody>
+        </p:sp>
+        <p:sp>
+          <p:nvSpPr>
+            <p:cNvPr id="9" name="Oval 8"/>
+            <p:cNvSpPr/>
+            <p:nvPr/>
+          </p:nvSpPr>
+          <p:spPr>
+            <a:xfrm>
+              <a:off x="3220720" y="3810000"/>
+              <a:ext cx="457200" cy="457200"/>
+            </a:xfrm>
+            <a:prstGeom prst="ellipse">
+              <a:avLst/>
+            </a:prstGeom>
+          </p:spPr>
+          <p:style>
+            <a:lnRef idx="2">
+              <a:schemeClr val="accent1">
+                <a:shade val="50000"/>
+              </a:schemeClr>
+            </a:lnRef>
+            <a:fillRef idx="1">
+              <a:schemeClr val="accent1"/>
+            </a:fillRef>
+            <a:effectRef idx="0">
+              <a:schemeClr val="accent1"/>
+            </a:effectRef>
+            <a:fontRef idx="minor">
+              <a:schemeClr val="lt1"/>
+            </a:fontRef>
+          </p:style>
+          <p:txBody>
+            <a:bodyPr rtlCol="0" anchor="ctr"/>
+            <a:lstStyle/>
+            <a:p>
+              <a:pPr algn="ctr"/>
+              <a:r>
+                <a:rPr lang="en-US" dirty="0" smtClean="0"/>
+                <a:t>6</a:t>
+              </a:r>
+              <a:endParaRPr lang="en-US" dirty="0"/>
+            </a:p>
+          </p:txBody>
+        </p:sp>
+        <p:sp>
+          <p:nvSpPr>
+            <p:cNvPr id="10" name="Oval 9"/>
+            <p:cNvSpPr/>
+            <p:nvPr/>
+          </p:nvSpPr>
+          <p:spPr>
+            <a:xfrm>
+              <a:off x="4978400" y="3784600"/>
+              <a:ext cx="457200" cy="457200"/>
+            </a:xfrm>
+            <a:prstGeom prst="ellipse">
+              <a:avLst/>
+            </a:prstGeom>
+          </p:spPr>
+          <p:style>
+            <a:lnRef idx="2">
+              <a:schemeClr val="accent1">
+                <a:shade val="50000"/>
+              </a:schemeClr>
+            </a:lnRef>
+            <a:fillRef idx="1">
+              <a:schemeClr val="accent1"/>
+            </a:fillRef>
+            <a:effectRef idx="0">
+              <a:schemeClr val="accent1"/>
+            </a:effectRef>
+            <a:fontRef idx="minor">
+              <a:schemeClr val="lt1"/>
+            </a:fontRef>
+          </p:style>
+          <p:txBody>
+            <a:bodyPr rtlCol="0" anchor="ctr"/>
+            <a:lstStyle/>
+            <a:p>
+              <a:pPr algn="ctr"/>
+              <a:r>
+                <a:rPr lang="en-US" dirty="0"/>
+                <a:t>4</a:t>
+              </a:r>
+              <a:endParaRPr lang="en-US" dirty="0"/>
+            </a:p>
+          </p:txBody>
+        </p:sp>
+        <p:sp>
+          <p:nvSpPr>
+            <p:cNvPr id="11" name="Oval 10"/>
+            <p:cNvSpPr/>
+            <p:nvPr/>
+          </p:nvSpPr>
+          <p:spPr>
+            <a:xfrm>
+              <a:off x="6172200" y="3738880"/>
+              <a:ext cx="457200" cy="457200"/>
+            </a:xfrm>
+            <a:prstGeom prst="ellipse">
+              <a:avLst/>
+            </a:prstGeom>
+          </p:spPr>
+          <p:style>
+            <a:lnRef idx="2">
+              <a:schemeClr val="accent1">
+                <a:shade val="50000"/>
+              </a:schemeClr>
+            </a:lnRef>
+            <a:fillRef idx="1">
+              <a:schemeClr val="accent1"/>
+            </a:fillRef>
+            <a:effectRef idx="0">
+              <a:schemeClr val="accent1"/>
+            </a:effectRef>
+            <a:fontRef idx="minor">
+              <a:schemeClr val="lt1"/>
+            </a:fontRef>
+          </p:style>
+          <p:txBody>
+            <a:bodyPr rtlCol="0" anchor="ctr"/>
+            <a:lstStyle/>
+            <a:p>
+              <a:pPr algn="ctr"/>
+              <a:r>
+                <a:rPr lang="en-US" dirty="0" smtClean="0"/>
+                <a:t>6</a:t>
+              </a:r>
+              <a:endParaRPr lang="en-US" dirty="0"/>
+            </a:p>
+          </p:txBody>
+        </p:sp>
+        <p:sp>
+          <p:nvSpPr>
+            <p:cNvPr id="12" name="Oval 11"/>
+            <p:cNvSpPr/>
+            <p:nvPr/>
+          </p:nvSpPr>
+          <p:spPr>
+            <a:xfrm>
+              <a:off x="1544320" y="4668520"/>
+              <a:ext cx="457200" cy="457200"/>
+            </a:xfrm>
+            <a:prstGeom prst="ellipse">
+              <a:avLst/>
+            </a:prstGeom>
+          </p:spPr>
+          <p:style>
+            <a:lnRef idx="2">
+              <a:schemeClr val="accent1">
+                <a:shade val="50000"/>
+              </a:schemeClr>
+            </a:lnRef>
+            <a:fillRef idx="1">
+              <a:schemeClr val="accent1"/>
+            </a:fillRef>
+            <a:effectRef idx="0">
+              <a:schemeClr val="accent1"/>
+            </a:effectRef>
+            <a:fontRef idx="minor">
+              <a:schemeClr val="lt1"/>
+            </a:fontRef>
+          </p:style>
+          <p:txBody>
+            <a:bodyPr rtlCol="0" anchor="ctr"/>
+            <a:lstStyle/>
+            <a:p>
+              <a:pPr algn="ctr"/>
+              <a:r>
+                <a:rPr lang="en-US" dirty="0"/>
+                <a:t>3</a:t>
+              </a:r>
+              <a:endParaRPr lang="en-US" dirty="0"/>
+            </a:p>
+          </p:txBody>
+        </p:sp>
+        <p:sp>
+          <p:nvSpPr>
+            <p:cNvPr id="13" name="Oval 12"/>
+            <p:cNvSpPr/>
+            <p:nvPr/>
+          </p:nvSpPr>
+          <p:spPr>
+            <a:xfrm>
+              <a:off x="2362200" y="4658360"/>
+              <a:ext cx="457200" cy="457200"/>
+            </a:xfrm>
+            <a:prstGeom prst="ellipse">
+              <a:avLst/>
+            </a:prstGeom>
+          </p:spPr>
+          <p:style>
+            <a:lnRef idx="2">
+              <a:schemeClr val="accent1">
+                <a:shade val="50000"/>
+              </a:schemeClr>
+            </a:lnRef>
+            <a:fillRef idx="1">
+              <a:schemeClr val="accent1"/>
+            </a:fillRef>
+            <a:effectRef idx="0">
+              <a:schemeClr val="accent1"/>
+            </a:effectRef>
+            <a:fontRef idx="minor">
+              <a:schemeClr val="lt1"/>
+            </a:fontRef>
+          </p:style>
+          <p:txBody>
+            <a:bodyPr rtlCol="0" anchor="ctr"/>
+            <a:lstStyle/>
+            <a:p>
+              <a:pPr algn="ctr"/>
+              <a:r>
+                <a:rPr lang="en-US" dirty="0"/>
+                <a:t>5</a:t>
+              </a:r>
+              <a:endParaRPr lang="en-US" dirty="0"/>
+            </a:p>
+          </p:txBody>
+        </p:sp>
+        <p:sp>
+          <p:nvSpPr>
+            <p:cNvPr id="14" name="Oval 13"/>
+            <p:cNvSpPr/>
+            <p:nvPr/>
+          </p:nvSpPr>
+          <p:spPr>
+            <a:xfrm>
+              <a:off x="3840480" y="4617720"/>
+              <a:ext cx="457200" cy="457200"/>
+            </a:xfrm>
+            <a:prstGeom prst="ellipse">
+              <a:avLst/>
+            </a:prstGeom>
+          </p:spPr>
+          <p:style>
+            <a:lnRef idx="2">
+              <a:schemeClr val="accent1">
+                <a:shade val="50000"/>
+              </a:schemeClr>
+            </a:lnRef>
+            <a:fillRef idx="1">
+              <a:schemeClr val="accent1"/>
+            </a:fillRef>
+            <a:effectRef idx="0">
+              <a:schemeClr val="accent1"/>
+            </a:effectRef>
+            <a:fontRef idx="minor">
+              <a:schemeClr val="lt1"/>
+            </a:fontRef>
+          </p:style>
+          <p:txBody>
+            <a:bodyPr rtlCol="0" anchor="ctr"/>
+            <a:lstStyle/>
+            <a:p>
+              <a:pPr algn="ctr"/>
+              <a:r>
+                <a:rPr lang="en-US" dirty="0"/>
+                <a:t>5</a:t>
+              </a:r>
+              <a:endParaRPr lang="en-US" dirty="0"/>
+            </a:p>
+          </p:txBody>
+        </p:sp>
+        <p:sp>
+          <p:nvSpPr>
+            <p:cNvPr id="15" name="Oval 14"/>
+            <p:cNvSpPr/>
+            <p:nvPr/>
+          </p:nvSpPr>
+          <p:spPr>
+            <a:xfrm>
+              <a:off x="3114040" y="4617720"/>
+              <a:ext cx="457200" cy="457200"/>
+            </a:xfrm>
+            <a:prstGeom prst="ellipse">
+              <a:avLst/>
+            </a:prstGeom>
+          </p:spPr>
+          <p:style>
+            <a:lnRef idx="2">
+              <a:schemeClr val="accent1">
+                <a:shade val="50000"/>
+              </a:schemeClr>
+            </a:lnRef>
+            <a:fillRef idx="1">
+              <a:schemeClr val="accent1"/>
+            </a:fillRef>
+            <a:effectRef idx="0">
+              <a:schemeClr val="accent1"/>
+            </a:effectRef>
+            <a:fontRef idx="minor">
+              <a:schemeClr val="lt1"/>
+            </a:fontRef>
+          </p:style>
+          <p:txBody>
+            <a:bodyPr rtlCol="0" anchor="ctr"/>
+            <a:lstStyle/>
+            <a:p>
+              <a:pPr algn="ctr"/>
+              <a:r>
+                <a:rPr lang="en-US" dirty="0"/>
+                <a:t>3</a:t>
+              </a:r>
+              <a:endParaRPr lang="en-US" dirty="0"/>
+            </a:p>
+          </p:txBody>
+        </p:sp>
+        <p:sp>
+          <p:nvSpPr>
+            <p:cNvPr id="16" name="Oval 15"/>
+            <p:cNvSpPr/>
+            <p:nvPr/>
+          </p:nvSpPr>
+          <p:spPr>
+            <a:xfrm>
+              <a:off x="4500880" y="4617720"/>
+              <a:ext cx="457200" cy="457200"/>
+            </a:xfrm>
+            <a:prstGeom prst="ellipse">
+              <a:avLst/>
+            </a:prstGeom>
+          </p:spPr>
+          <p:style>
+            <a:lnRef idx="2">
+              <a:schemeClr val="accent1">
+                <a:shade val="50000"/>
+              </a:schemeClr>
+            </a:lnRef>
+            <a:fillRef idx="1">
+              <a:schemeClr val="accent1"/>
+            </a:fillRef>
+            <a:effectRef idx="0">
+              <a:schemeClr val="accent1"/>
+            </a:effectRef>
+            <a:fontRef idx="minor">
+              <a:schemeClr val="lt1"/>
+            </a:fontRef>
+          </p:style>
+          <p:txBody>
+            <a:bodyPr rtlCol="0" anchor="ctr"/>
+            <a:lstStyle/>
+            <a:p>
+              <a:pPr algn="ctr"/>
+              <a:r>
+                <a:rPr lang="en-US" dirty="0"/>
+                <a:t>3</a:t>
+              </a:r>
+              <a:endParaRPr lang="en-US" dirty="0"/>
+            </a:p>
+          </p:txBody>
+        </p:sp>
+        <p:sp>
+          <p:nvSpPr>
+            <p:cNvPr id="17" name="Oval 16"/>
+            <p:cNvSpPr/>
+            <p:nvPr/>
+          </p:nvSpPr>
+          <p:spPr>
+            <a:xfrm>
+              <a:off x="5247640" y="4617720"/>
+              <a:ext cx="457200" cy="457200"/>
+            </a:xfrm>
+            <a:prstGeom prst="ellipse">
+              <a:avLst/>
+            </a:prstGeom>
+          </p:spPr>
+          <p:style>
+            <a:lnRef idx="2">
+              <a:schemeClr val="accent1">
+                <a:shade val="50000"/>
+              </a:schemeClr>
+            </a:lnRef>
+            <a:fillRef idx="1">
+              <a:schemeClr val="accent1"/>
+            </a:fillRef>
+            <a:effectRef idx="0">
+              <a:schemeClr val="accent1"/>
+            </a:effectRef>
+            <a:fontRef idx="minor">
+              <a:schemeClr val="lt1"/>
+            </a:fontRef>
+          </p:style>
+          <p:txBody>
+            <a:bodyPr rtlCol="0" anchor="ctr"/>
+            <a:lstStyle/>
+            <a:p>
+              <a:pPr algn="ctr"/>
+              <a:r>
+                <a:rPr lang="en-US" dirty="0"/>
+                <a:t>5</a:t>
+              </a:r>
+              <a:endParaRPr lang="en-US" dirty="0"/>
+            </a:p>
+          </p:txBody>
+        </p:sp>
+        <p:sp>
+          <p:nvSpPr>
+            <p:cNvPr id="18" name="Oval 17"/>
+            <p:cNvSpPr/>
+            <p:nvPr/>
+          </p:nvSpPr>
+          <p:spPr>
+            <a:xfrm>
+              <a:off x="5918200" y="4582160"/>
+              <a:ext cx="457200" cy="457200"/>
+            </a:xfrm>
+            <a:prstGeom prst="ellipse">
+              <a:avLst/>
+            </a:prstGeom>
+          </p:spPr>
+          <p:style>
+            <a:lnRef idx="2">
+              <a:schemeClr val="accent1">
+                <a:shade val="50000"/>
+              </a:schemeClr>
+            </a:lnRef>
+            <a:fillRef idx="1">
+              <a:schemeClr val="accent1"/>
+            </a:fillRef>
+            <a:effectRef idx="0">
+              <a:schemeClr val="accent1"/>
+            </a:effectRef>
+            <a:fontRef idx="minor">
+              <a:schemeClr val="lt1"/>
+            </a:fontRef>
+          </p:style>
+          <p:txBody>
+            <a:bodyPr rtlCol="0" anchor="ctr"/>
+            <a:lstStyle/>
+            <a:p>
+              <a:pPr algn="ctr"/>
+              <a:r>
+                <a:rPr lang="en-US" dirty="0"/>
+                <a:t>3</a:t>
+              </a:r>
+              <a:endParaRPr lang="en-US" dirty="0"/>
+            </a:p>
+          </p:txBody>
+        </p:sp>
+        <p:sp>
+          <p:nvSpPr>
+            <p:cNvPr id="19" name="Oval 18"/>
+            <p:cNvSpPr/>
+            <p:nvPr/>
+          </p:nvSpPr>
+          <p:spPr>
+            <a:xfrm>
+              <a:off x="6858000" y="4582160"/>
+              <a:ext cx="457200" cy="457200"/>
+            </a:xfrm>
+            <a:prstGeom prst="ellipse">
+              <a:avLst/>
+            </a:prstGeom>
+          </p:spPr>
+          <p:style>
+            <a:lnRef idx="2">
+              <a:schemeClr val="accent1">
+                <a:shade val="50000"/>
+              </a:schemeClr>
+            </a:lnRef>
+            <a:fillRef idx="1">
+              <a:schemeClr val="accent1"/>
+            </a:fillRef>
+            <a:effectRef idx="0">
+              <a:schemeClr val="accent1"/>
+            </a:effectRef>
+            <a:fontRef idx="minor">
+              <a:schemeClr val="lt1"/>
+            </a:fontRef>
+          </p:style>
+          <p:txBody>
+            <a:bodyPr rtlCol="0" anchor="ctr"/>
+            <a:lstStyle/>
+            <a:p>
+              <a:pPr algn="ctr"/>
+              <a:r>
+                <a:rPr lang="en-US" dirty="0"/>
+                <a:t>5</a:t>
+              </a:r>
+              <a:endParaRPr lang="en-US" dirty="0"/>
+            </a:p>
+          </p:txBody>
+        </p:sp>
+        <p:cxnSp>
+          <p:nvCxnSpPr>
+            <p:cNvPr id="21" name="Straight Connector 20"/>
+            <p:cNvCxnSpPr>
+              <a:stCxn id="5" idx="2"/>
+            </p:cNvCxnSpPr>
+            <p:nvPr/>
+          </p:nvCxnSpPr>
+          <p:spPr>
+            <a:xfrm flipH="1">
+              <a:off x="1143000" y="2286000"/>
+              <a:ext cx="3048000" cy="0"/>
+            </a:xfrm>
+            <a:prstGeom prst="line">
+              <a:avLst/>
+            </a:prstGeom>
+          </p:spPr>
+          <p:style>
+            <a:lnRef idx="1">
+              <a:schemeClr val="accent1"/>
+            </a:lnRef>
+            <a:fillRef idx="0">
+              <a:schemeClr val="accent1"/>
+            </a:fillRef>
+            <a:effectRef idx="0">
+              <a:schemeClr val="accent1"/>
+            </a:effectRef>
+            <a:fontRef idx="minor">
+              <a:schemeClr val="tx1"/>
+            </a:fontRef>
+          </p:style>
+        </p:cxnSp>
+        <p:cxnSp>
+          <p:nvCxnSpPr>
+            <p:cNvPr id="23" name="Straight Connector 22"/>
+            <p:cNvCxnSpPr>
+              <a:stCxn id="6" idx="2"/>
+            </p:cNvCxnSpPr>
+            <p:nvPr/>
+          </p:nvCxnSpPr>
+          <p:spPr>
+            <a:xfrm flipH="1">
+              <a:off x="1143000" y="3200400"/>
+              <a:ext cx="1590040" cy="0"/>
+            </a:xfrm>
+            <a:prstGeom prst="line">
+              <a:avLst/>
+            </a:prstGeom>
+          </p:spPr>
+          <p:style>
+            <a:lnRef idx="1">
+              <a:schemeClr val="accent1"/>
+            </a:lnRef>
+            <a:fillRef idx="0">
+              <a:schemeClr val="accent1"/>
+            </a:fillRef>
+            <a:effectRef idx="0">
+              <a:schemeClr val="accent1"/>
+            </a:effectRef>
+            <a:fontRef idx="minor">
+              <a:schemeClr val="tx1"/>
+            </a:fontRef>
+          </p:style>
+        </p:cxnSp>
+        <p:cxnSp>
+          <p:nvCxnSpPr>
+            <p:cNvPr id="25" name="Straight Connector 24"/>
+            <p:cNvCxnSpPr>
+              <a:stCxn id="8" idx="2"/>
+            </p:cNvCxnSpPr>
+            <p:nvPr/>
+          </p:nvCxnSpPr>
+          <p:spPr>
+            <a:xfrm flipH="1">
+              <a:off x="1143000" y="4013200"/>
+              <a:ext cx="990600" cy="0"/>
+            </a:xfrm>
+            <a:prstGeom prst="line">
+              <a:avLst/>
+            </a:prstGeom>
+          </p:spPr>
+          <p:style>
+            <a:lnRef idx="1">
+              <a:schemeClr val="accent1"/>
+            </a:lnRef>
+            <a:fillRef idx="0">
+              <a:schemeClr val="accent1"/>
+            </a:fillRef>
+            <a:effectRef idx="0">
+              <a:schemeClr val="accent1"/>
+            </a:effectRef>
+            <a:fontRef idx="minor">
+              <a:schemeClr val="tx1"/>
+            </a:fontRef>
+          </p:style>
+        </p:cxnSp>
+        <p:cxnSp>
+          <p:nvCxnSpPr>
+            <p:cNvPr id="27" name="Straight Connector 26"/>
+            <p:cNvCxnSpPr>
+              <a:stCxn id="12" idx="2"/>
+            </p:cNvCxnSpPr>
+            <p:nvPr/>
+          </p:nvCxnSpPr>
+          <p:spPr>
+            <a:xfrm flipH="1">
+              <a:off x="1143000" y="4897120"/>
+              <a:ext cx="401320" cy="0"/>
+            </a:xfrm>
+            <a:prstGeom prst="line">
+              <a:avLst/>
+            </a:prstGeom>
+          </p:spPr>
+          <p:style>
+            <a:lnRef idx="1">
+              <a:schemeClr val="accent1"/>
+            </a:lnRef>
+            <a:fillRef idx="0">
+              <a:schemeClr val="accent1"/>
+            </a:fillRef>
+            <a:effectRef idx="0">
+              <a:schemeClr val="accent1"/>
+            </a:effectRef>
+            <a:fontRef idx="minor">
+              <a:schemeClr val="tx1"/>
+            </a:fontRef>
+          </p:style>
+        </p:cxnSp>
+        <p:cxnSp>
+          <p:nvCxnSpPr>
+            <p:cNvPr id="33" name="Straight Arrow Connector 32"/>
+            <p:cNvCxnSpPr>
+              <a:stCxn id="5" idx="3"/>
+              <a:endCxn id="6" idx="7"/>
+            </p:cNvCxnSpPr>
+            <p:nvPr/>
+          </p:nvCxnSpPr>
+          <p:spPr>
+            <a:xfrm flipH="1">
+              <a:off x="3123285" y="2447645"/>
+              <a:ext cx="1134670" cy="591110"/>
+            </a:xfrm>
+            <a:prstGeom prst="straightConnector1">
+              <a:avLst/>
+            </a:prstGeom>
+            <a:ln>
+              <a:tailEnd type="arrow"/>
+            </a:ln>
+          </p:spPr>
+          <p:style>
+            <a:lnRef idx="1">
+              <a:schemeClr val="accent1"/>
+            </a:lnRef>
+            <a:fillRef idx="0">
+              <a:schemeClr val="accent1"/>
+            </a:fillRef>
+            <a:effectRef idx="0">
+              <a:schemeClr val="accent1"/>
+            </a:effectRef>
+            <a:fontRef idx="minor">
+              <a:schemeClr val="tx1"/>
+            </a:fontRef>
+          </p:style>
+        </p:cxnSp>
+        <p:cxnSp>
+          <p:nvCxnSpPr>
+            <p:cNvPr id="35" name="Straight Arrow Connector 34"/>
+            <p:cNvCxnSpPr>
+              <a:stCxn id="6" idx="3"/>
+              <a:endCxn id="8" idx="7"/>
+            </p:cNvCxnSpPr>
+            <p:nvPr/>
+          </p:nvCxnSpPr>
+          <p:spPr>
+            <a:xfrm flipH="1">
+              <a:off x="2523845" y="3362045"/>
+              <a:ext cx="276150" cy="489510"/>
+            </a:xfrm>
+            <a:prstGeom prst="straightConnector1">
+              <a:avLst/>
+            </a:prstGeom>
+            <a:ln>
+              <a:tailEnd type="arrow"/>
+            </a:ln>
+          </p:spPr>
+          <p:style>
+            <a:lnRef idx="1">
+              <a:schemeClr val="accent1"/>
+            </a:lnRef>
+            <a:fillRef idx="0">
+              <a:schemeClr val="accent1"/>
+            </a:fillRef>
+            <a:effectRef idx="0">
+              <a:schemeClr val="accent1"/>
+            </a:effectRef>
+            <a:fontRef idx="minor">
+              <a:schemeClr val="tx1"/>
+            </a:fontRef>
+          </p:style>
+        </p:cxnSp>
+        <p:cxnSp>
+          <p:nvCxnSpPr>
+            <p:cNvPr id="37" name="Straight Arrow Connector 36"/>
+            <p:cNvCxnSpPr>
+              <a:stCxn id="6" idx="5"/>
+              <a:endCxn id="9" idx="0"/>
+            </p:cNvCxnSpPr>
+            <p:nvPr/>
+          </p:nvCxnSpPr>
+          <p:spPr>
+            <a:xfrm>
+              <a:off x="3123285" y="3362045"/>
+              <a:ext cx="326035" cy="447955"/>
+            </a:xfrm>
+            <a:prstGeom prst="straightConnector1">
+              <a:avLst/>
+            </a:prstGeom>
+            <a:ln>
+              <a:tailEnd type="arrow"/>
+            </a:ln>
+          </p:spPr>
+          <p:style>
+            <a:lnRef idx="1">
+              <a:schemeClr val="accent1"/>
+            </a:lnRef>
+            <a:fillRef idx="0">
+              <a:schemeClr val="accent1"/>
+            </a:fillRef>
+            <a:effectRef idx="0">
+              <a:schemeClr val="accent1"/>
+            </a:effectRef>
+            <a:fontRef idx="minor">
+              <a:schemeClr val="tx1"/>
+            </a:fontRef>
+          </p:style>
+        </p:cxnSp>
+        <p:cxnSp>
+          <p:nvCxnSpPr>
+            <p:cNvPr id="39" name="Straight Arrow Connector 38"/>
+            <p:cNvCxnSpPr>
+              <a:stCxn id="8" idx="3"/>
+              <a:endCxn id="12" idx="7"/>
+            </p:cNvCxnSpPr>
+            <p:nvPr/>
+          </p:nvCxnSpPr>
+          <p:spPr>
+            <a:xfrm flipH="1">
+              <a:off x="1934565" y="4174845"/>
+              <a:ext cx="265990" cy="560630"/>
+            </a:xfrm>
+            <a:prstGeom prst="straightConnector1">
+              <a:avLst/>
+            </a:prstGeom>
+            <a:ln>
+              <a:tailEnd type="arrow"/>
+            </a:ln>
+          </p:spPr>
+          <p:style>
+            <a:lnRef idx="1">
+              <a:schemeClr val="accent1"/>
+            </a:lnRef>
+            <a:fillRef idx="0">
+              <a:schemeClr val="accent1"/>
+            </a:fillRef>
+            <a:effectRef idx="0">
+              <a:schemeClr val="accent1"/>
+            </a:effectRef>
+            <a:fontRef idx="minor">
+              <a:schemeClr val="tx1"/>
+            </a:fontRef>
+          </p:style>
+        </p:cxnSp>
+        <p:cxnSp>
+          <p:nvCxnSpPr>
+            <p:cNvPr id="41" name="Straight Arrow Connector 40"/>
+            <p:cNvCxnSpPr>
+              <a:stCxn id="8" idx="5"/>
+              <a:endCxn id="13" idx="0"/>
+            </p:cNvCxnSpPr>
+            <p:nvPr/>
+          </p:nvCxnSpPr>
+          <p:spPr>
+            <a:xfrm>
+              <a:off x="2523845" y="4174845"/>
+              <a:ext cx="66955" cy="483515"/>
+            </a:xfrm>
+            <a:prstGeom prst="straightConnector1">
+              <a:avLst/>
+            </a:prstGeom>
+            <a:ln>
+              <a:tailEnd type="arrow"/>
+            </a:ln>
+          </p:spPr>
+          <p:style>
+            <a:lnRef idx="1">
+              <a:schemeClr val="accent1"/>
+            </a:lnRef>
+            <a:fillRef idx="0">
+              <a:schemeClr val="accent1"/>
+            </a:fillRef>
+            <a:effectRef idx="0">
+              <a:schemeClr val="accent1"/>
+            </a:effectRef>
+            <a:fontRef idx="minor">
+              <a:schemeClr val="tx1"/>
+            </a:fontRef>
+          </p:style>
+        </p:cxnSp>
+        <p:cxnSp>
+          <p:nvCxnSpPr>
+            <p:cNvPr id="43" name="Straight Arrow Connector 42"/>
+            <p:cNvCxnSpPr>
+              <a:stCxn id="9" idx="4"/>
+              <a:endCxn id="15" idx="0"/>
+            </p:cNvCxnSpPr>
+            <p:nvPr/>
+          </p:nvCxnSpPr>
+          <p:spPr>
+            <a:xfrm flipH="1">
+              <a:off x="3342640" y="4267200"/>
+              <a:ext cx="106680" cy="350520"/>
+            </a:xfrm>
+            <a:prstGeom prst="straightConnector1">
+              <a:avLst/>
+            </a:prstGeom>
+            <a:ln>
+              <a:tailEnd type="arrow"/>
+            </a:ln>
+          </p:spPr>
+          <p:style>
+            <a:lnRef idx="1">
+              <a:schemeClr val="accent1"/>
+            </a:lnRef>
+            <a:fillRef idx="0">
+              <a:schemeClr val="accent1"/>
+            </a:fillRef>
+            <a:effectRef idx="0">
+              <a:schemeClr val="accent1"/>
+            </a:effectRef>
+            <a:fontRef idx="minor">
+              <a:schemeClr val="tx1"/>
+            </a:fontRef>
+          </p:style>
+        </p:cxnSp>
+        <p:cxnSp>
+          <p:nvCxnSpPr>
+            <p:cNvPr id="45" name="Straight Arrow Connector 44"/>
+            <p:cNvCxnSpPr>
+              <a:stCxn id="9" idx="5"/>
+              <a:endCxn id="14" idx="0"/>
+            </p:cNvCxnSpPr>
+            <p:nvPr/>
+          </p:nvCxnSpPr>
+          <p:spPr>
+            <a:xfrm>
+              <a:off x="3610965" y="4200245"/>
+              <a:ext cx="458115" cy="417475"/>
+            </a:xfrm>
+            <a:prstGeom prst="straightConnector1">
+              <a:avLst/>
+            </a:prstGeom>
+            <a:ln>
+              <a:tailEnd type="arrow"/>
+            </a:ln>
+          </p:spPr>
+          <p:style>
+            <a:lnRef idx="1">
+              <a:schemeClr val="accent1"/>
+            </a:lnRef>
+            <a:fillRef idx="0">
+              <a:schemeClr val="accent1"/>
+            </a:fillRef>
+            <a:effectRef idx="0">
+              <a:schemeClr val="accent1"/>
+            </a:effectRef>
+            <a:fontRef idx="minor">
+              <a:schemeClr val="tx1"/>
+            </a:fontRef>
+          </p:style>
+        </p:cxnSp>
+        <p:cxnSp>
+          <p:nvCxnSpPr>
+            <p:cNvPr id="47" name="Straight Arrow Connector 46"/>
+            <p:cNvCxnSpPr>
+              <a:stCxn id="5" idx="5"/>
+              <a:endCxn id="7" idx="1"/>
+            </p:cNvCxnSpPr>
+            <p:nvPr/>
+          </p:nvCxnSpPr>
+          <p:spPr>
+            <a:xfrm>
+              <a:off x="4581245" y="2447645"/>
+              <a:ext cx="961950" cy="565710"/>
+            </a:xfrm>
+            <a:prstGeom prst="straightConnector1">
+              <a:avLst/>
+            </a:prstGeom>
+            <a:ln>
+              <a:tailEnd type="arrow"/>
+            </a:ln>
+          </p:spPr>
+          <p:style>
+            <a:lnRef idx="1">
+              <a:schemeClr val="accent1"/>
+            </a:lnRef>
+            <a:fillRef idx="0">
+              <a:schemeClr val="accent1"/>
+            </a:fillRef>
+            <a:effectRef idx="0">
+              <a:schemeClr val="accent1"/>
+            </a:effectRef>
+            <a:fontRef idx="minor">
+              <a:schemeClr val="tx1"/>
+            </a:fontRef>
+          </p:style>
+        </p:cxnSp>
+        <p:cxnSp>
+          <p:nvCxnSpPr>
+            <p:cNvPr id="49" name="Straight Arrow Connector 48"/>
+            <p:cNvCxnSpPr>
+              <a:stCxn id="7" idx="3"/>
+              <a:endCxn id="10" idx="0"/>
+            </p:cNvCxnSpPr>
+            <p:nvPr/>
+          </p:nvCxnSpPr>
+          <p:spPr>
+            <a:xfrm flipH="1">
+              <a:off x="5207000" y="3336645"/>
+              <a:ext cx="336195" cy="447955"/>
+            </a:xfrm>
+            <a:prstGeom prst="straightConnector1">
+              <a:avLst/>
+            </a:prstGeom>
+            <a:ln>
+              <a:tailEnd type="arrow"/>
+            </a:ln>
+          </p:spPr>
+          <p:style>
+            <a:lnRef idx="1">
+              <a:schemeClr val="accent1"/>
+            </a:lnRef>
+            <a:fillRef idx="0">
+              <a:schemeClr val="accent1"/>
+            </a:fillRef>
+            <a:effectRef idx="0">
+              <a:schemeClr val="accent1"/>
+            </a:effectRef>
+            <a:fontRef idx="minor">
+              <a:schemeClr val="tx1"/>
+            </a:fontRef>
+          </p:style>
+        </p:cxnSp>
+        <p:cxnSp>
+          <p:nvCxnSpPr>
+            <p:cNvPr id="51" name="Straight Arrow Connector 50"/>
+            <p:cNvCxnSpPr>
+              <a:stCxn id="7" idx="5"/>
+              <a:endCxn id="11" idx="1"/>
+            </p:cNvCxnSpPr>
+            <p:nvPr/>
+          </p:nvCxnSpPr>
+          <p:spPr>
+            <a:xfrm>
+              <a:off x="5866485" y="3336645"/>
+              <a:ext cx="372670" cy="469190"/>
+            </a:xfrm>
+            <a:prstGeom prst="straightConnector1">
+              <a:avLst/>
+            </a:prstGeom>
+            <a:ln>
+              <a:tailEnd type="arrow"/>
+            </a:ln>
+          </p:spPr>
+          <p:style>
+            <a:lnRef idx="1">
+              <a:schemeClr val="accent1"/>
+            </a:lnRef>
+            <a:fillRef idx="0">
+              <a:schemeClr val="accent1"/>
+            </a:fillRef>
+            <a:effectRef idx="0">
+              <a:schemeClr val="accent1"/>
+            </a:effectRef>
+            <a:fontRef idx="minor">
+              <a:schemeClr val="tx1"/>
+            </a:fontRef>
+          </p:style>
+        </p:cxnSp>
+        <p:cxnSp>
+          <p:nvCxnSpPr>
+            <p:cNvPr id="53" name="Straight Arrow Connector 52"/>
+            <p:cNvCxnSpPr>
+              <a:stCxn id="10" idx="3"/>
+              <a:endCxn id="16" idx="0"/>
+            </p:cNvCxnSpPr>
+            <p:nvPr/>
+          </p:nvCxnSpPr>
+          <p:spPr>
+            <a:xfrm flipH="1">
+              <a:off x="4729480" y="4174845"/>
+              <a:ext cx="315875" cy="442875"/>
+            </a:xfrm>
+            <a:prstGeom prst="straightConnector1">
+              <a:avLst/>
+            </a:prstGeom>
+            <a:ln>
+              <a:tailEnd type="arrow"/>
+            </a:ln>
+          </p:spPr>
+          <p:style>
+            <a:lnRef idx="1">
+              <a:schemeClr val="accent1"/>
+            </a:lnRef>
+            <a:fillRef idx="0">
+              <a:schemeClr val="accent1"/>
+            </a:fillRef>
+            <a:effectRef idx="0">
+              <a:schemeClr val="accent1"/>
+            </a:effectRef>
+            <a:fontRef idx="minor">
+              <a:schemeClr val="tx1"/>
+            </a:fontRef>
+          </p:style>
+        </p:cxnSp>
+        <p:cxnSp>
+          <p:nvCxnSpPr>
+            <p:cNvPr id="55" name="Straight Arrow Connector 54"/>
+            <p:cNvCxnSpPr>
+              <a:stCxn id="10" idx="5"/>
+              <a:endCxn id="17" idx="0"/>
+            </p:cNvCxnSpPr>
+            <p:nvPr/>
+          </p:nvCxnSpPr>
+          <p:spPr>
+            <a:xfrm>
+              <a:off x="5368645" y="4174845"/>
+              <a:ext cx="107595" cy="442875"/>
+            </a:xfrm>
+            <a:prstGeom prst="straightConnector1">
+              <a:avLst/>
+            </a:prstGeom>
+            <a:ln>
+              <a:tailEnd type="arrow"/>
+            </a:ln>
+          </p:spPr>
+          <p:style>
+            <a:lnRef idx="1">
+              <a:schemeClr val="accent1"/>
+            </a:lnRef>
+            <a:fillRef idx="0">
+              <a:schemeClr val="accent1"/>
+            </a:fillRef>
+            <a:effectRef idx="0">
+              <a:schemeClr val="accent1"/>
+            </a:effectRef>
+            <a:fontRef idx="minor">
+              <a:schemeClr val="tx1"/>
+            </a:fontRef>
+          </p:style>
+        </p:cxnSp>
+        <p:cxnSp>
+          <p:nvCxnSpPr>
+            <p:cNvPr id="59" name="Straight Arrow Connector 58"/>
+            <p:cNvCxnSpPr>
+              <a:stCxn id="11" idx="5"/>
+              <a:endCxn id="19" idx="1"/>
+            </p:cNvCxnSpPr>
+            <p:nvPr/>
+          </p:nvCxnSpPr>
+          <p:spPr>
+            <a:xfrm>
+              <a:off x="6562445" y="4129125"/>
+              <a:ext cx="362510" cy="519990"/>
+            </a:xfrm>
+            <a:prstGeom prst="straightConnector1">
+              <a:avLst/>
+            </a:prstGeom>
+            <a:ln>
+              <a:tailEnd type="arrow"/>
+            </a:ln>
+          </p:spPr>
+          <p:style>
+            <a:lnRef idx="1">
+              <a:schemeClr val="accent1"/>
+            </a:lnRef>
+            <a:fillRef idx="0">
+              <a:schemeClr val="accent1"/>
+            </a:fillRef>
+            <a:effectRef idx="0">
+              <a:schemeClr val="accent1"/>
+            </a:effectRef>
+            <a:fontRef idx="minor">
+              <a:schemeClr val="tx1"/>
+            </a:fontRef>
+          </p:style>
+        </p:cxnSp>
+        <p:cxnSp>
+          <p:nvCxnSpPr>
+            <p:cNvPr id="61" name="Straight Arrow Connector 60"/>
+            <p:cNvCxnSpPr>
+              <a:stCxn id="11" idx="4"/>
+              <a:endCxn id="18" idx="0"/>
+            </p:cNvCxnSpPr>
+            <p:nvPr/>
+          </p:nvCxnSpPr>
+          <p:spPr>
+            <a:xfrm flipH="1">
+              <a:off x="6146800" y="4196080"/>
+              <a:ext cx="254000" cy="386080"/>
+            </a:xfrm>
+            <a:prstGeom prst="straightConnector1">
+              <a:avLst/>
+            </a:prstGeom>
+            <a:ln>
+              <a:tailEnd type="arrow"/>
+            </a:ln>
+          </p:spPr>
+          <p:style>
+            <a:lnRef idx="1">
+              <a:schemeClr val="accent1"/>
+            </a:lnRef>
+            <a:fillRef idx="0">
+              <a:schemeClr val="accent1"/>
+            </a:fillRef>
+            <a:effectRef idx="0">
+              <a:schemeClr val="accent1"/>
+            </a:effectRef>
+            <a:fontRef idx="minor">
+              <a:schemeClr val="tx1"/>
+            </a:fontRef>
+          </p:style>
+        </p:cxnSp>
+        <p:sp>
+          <p:nvSpPr>
+            <p:cNvPr id="63" name="TextBox 62"/>
+            <p:cNvSpPr txBox="1"/>
+            <p:nvPr/>
+          </p:nvSpPr>
+          <p:spPr>
+            <a:xfrm>
+              <a:off x="533400" y="2078313"/>
+              <a:ext cx="685800" cy="369332"/>
+            </a:xfrm>
+            <a:prstGeom prst="rect">
+              <a:avLst/>
+            </a:prstGeom>
+            <a:noFill/>
+          </p:spPr>
+          <p:txBody>
+            <a:bodyPr wrap="square" rtlCol="0">
+              <a:spAutoFit/>
+            </a:bodyPr>
+            <a:lstStyle/>
+            <a:p>
+              <a:r>
+                <a:rPr lang="en-US" dirty="0" smtClean="0"/>
+                <a:t>[2,3]</a:t>
+              </a:r>
+              <a:endParaRPr lang="en-US" dirty="0"/>
+            </a:p>
+          </p:txBody>
+        </p:sp>
+        <p:sp>
+          <p:nvSpPr>
+            <p:cNvPr id="64" name="TextBox 63"/>
+            <p:cNvSpPr txBox="1"/>
+            <p:nvPr/>
+          </p:nvSpPr>
+          <p:spPr>
+            <a:xfrm>
+              <a:off x="553720" y="3009190"/>
+              <a:ext cx="685800" cy="369332"/>
+            </a:xfrm>
+            <a:prstGeom prst="rect">
+              <a:avLst/>
+            </a:prstGeom>
+            <a:noFill/>
+          </p:spPr>
+          <p:txBody>
+            <a:bodyPr wrap="square" rtlCol="0">
+              <a:spAutoFit/>
+            </a:bodyPr>
+            <a:lstStyle/>
+            <a:p>
+              <a:r>
+                <a:rPr lang="en-US" dirty="0" smtClean="0"/>
+                <a:t>[0,0]</a:t>
+              </a:r>
+              <a:endParaRPr lang="en-US" dirty="0"/>
+            </a:p>
+          </p:txBody>
+        </p:sp>
+        <p:sp>
+          <p:nvSpPr>
+            <p:cNvPr id="65" name="TextBox 64"/>
+            <p:cNvSpPr txBox="1"/>
+            <p:nvPr/>
+          </p:nvSpPr>
+          <p:spPr>
+            <a:xfrm>
+              <a:off x="533400" y="3810593"/>
+              <a:ext cx="685800" cy="369332"/>
+            </a:xfrm>
+            <a:prstGeom prst="rect">
+              <a:avLst/>
+            </a:prstGeom>
+            <a:noFill/>
+          </p:spPr>
+          <p:txBody>
+            <a:bodyPr wrap="square" rtlCol="0">
+              <a:spAutoFit/>
+            </a:bodyPr>
+            <a:lstStyle/>
+            <a:p>
+              <a:r>
+                <a:rPr lang="en-US" dirty="0" smtClean="0"/>
+                <a:t>[0,2]</a:t>
+              </a:r>
+              <a:endParaRPr lang="en-US" dirty="0"/>
+            </a:p>
+          </p:txBody>
+        </p:sp>
+        <p:sp>
+          <p:nvSpPr>
+            <p:cNvPr id="66" name="TextBox 65"/>
+            <p:cNvSpPr txBox="1"/>
+            <p:nvPr/>
+          </p:nvSpPr>
+          <p:spPr>
+            <a:xfrm>
+              <a:off x="528320" y="4730395"/>
+              <a:ext cx="685800" cy="369332"/>
+            </a:xfrm>
+            <a:prstGeom prst="rect">
+              <a:avLst/>
+            </a:prstGeom>
+            <a:noFill/>
+          </p:spPr>
+          <p:txBody>
+            <a:bodyPr wrap="square" rtlCol="0">
+              <a:spAutoFit/>
+            </a:bodyPr>
+            <a:lstStyle/>
+            <a:p>
+              <a:r>
+                <a:rPr lang="en-US" dirty="0" smtClean="0"/>
+                <a:t>[1,5]</a:t>
+              </a:r>
+              <a:endParaRPr lang="en-US" dirty="0"/>
+            </a:p>
+          </p:txBody>
+        </p:sp>
+        <p:sp>
+          <p:nvSpPr>
+            <p:cNvPr id="67" name="Oval 66"/>
+            <p:cNvSpPr/>
+            <p:nvPr/>
+          </p:nvSpPr>
+          <p:spPr>
+            <a:xfrm>
+              <a:off x="990600" y="5562600"/>
+              <a:ext cx="457200" cy="457200"/>
+            </a:xfrm>
+            <a:prstGeom prst="ellipse">
+              <a:avLst/>
+            </a:prstGeom>
+          </p:spPr>
+          <p:style>
+            <a:lnRef idx="2">
+              <a:schemeClr val="accent1">
+                <a:shade val="50000"/>
+              </a:schemeClr>
+            </a:lnRef>
+            <a:fillRef idx="1">
+              <a:schemeClr val="accent1"/>
+            </a:fillRef>
+            <a:effectRef idx="0">
+              <a:schemeClr val="accent1"/>
+            </a:effectRef>
+            <a:fontRef idx="minor">
+              <a:schemeClr val="lt1"/>
+            </a:fontRef>
+          </p:style>
+          <p:txBody>
+            <a:bodyPr rtlCol="0" anchor="ctr"/>
+            <a:lstStyle/>
+            <a:p>
+              <a:pPr algn="ctr"/>
+              <a:r>
+                <a:rPr lang="en-US" dirty="0" smtClean="0"/>
+                <a:t>1</a:t>
+              </a:r>
+              <a:endParaRPr lang="en-US" dirty="0"/>
+            </a:p>
+          </p:txBody>
+        </p:sp>
+        <p:sp>
+          <p:nvSpPr>
+            <p:cNvPr id="68" name="Oval 67"/>
+            <p:cNvSpPr/>
+            <p:nvPr/>
+          </p:nvSpPr>
+          <p:spPr>
+            <a:xfrm>
+              <a:off x="1743355" y="5562600"/>
+              <a:ext cx="457200" cy="457200"/>
+            </a:xfrm>
+            <a:prstGeom prst="ellipse">
+              <a:avLst/>
+            </a:prstGeom>
+          </p:spPr>
+          <p:style>
+            <a:lnRef idx="2">
+              <a:schemeClr val="accent1">
+                <a:shade val="50000"/>
+              </a:schemeClr>
+            </a:lnRef>
+            <a:fillRef idx="1">
+              <a:schemeClr val="accent1"/>
+            </a:fillRef>
+            <a:effectRef idx="0">
+              <a:schemeClr val="accent1"/>
+            </a:effectRef>
+            <a:fontRef idx="minor">
+              <a:schemeClr val="lt1"/>
+            </a:fontRef>
+          </p:style>
+          <p:txBody>
+            <a:bodyPr rtlCol="0" anchor="ctr"/>
+            <a:lstStyle/>
+            <a:p>
+              <a:pPr algn="ctr"/>
+              <a:r>
+                <a:rPr lang="en-US" dirty="0" smtClean="0"/>
+                <a:t>6</a:t>
+              </a:r>
+              <a:endParaRPr lang="en-US" dirty="0"/>
+            </a:p>
+          </p:txBody>
+        </p:sp>
+        <p:cxnSp>
+          <p:nvCxnSpPr>
+            <p:cNvPr id="70" name="Straight Arrow Connector 69"/>
+            <p:cNvCxnSpPr>
+              <a:stCxn id="12" idx="3"/>
+              <a:endCxn id="67" idx="7"/>
+            </p:cNvCxnSpPr>
+            <p:nvPr/>
+          </p:nvCxnSpPr>
+          <p:spPr>
+            <a:xfrm flipH="1">
+              <a:off x="1380845" y="5058765"/>
+              <a:ext cx="230430" cy="570790"/>
+            </a:xfrm>
+            <a:prstGeom prst="straightConnector1">
+              <a:avLst/>
+            </a:prstGeom>
+            <a:ln>
+              <a:tailEnd type="arrow"/>
+            </a:ln>
+          </p:spPr>
+          <p:style>
+            <a:lnRef idx="1">
+              <a:schemeClr val="accent1"/>
+            </a:lnRef>
+            <a:fillRef idx="0">
+              <a:schemeClr val="accent1"/>
+            </a:fillRef>
+            <a:effectRef idx="0">
+              <a:schemeClr val="accent1"/>
+            </a:effectRef>
+            <a:fontRef idx="minor">
+              <a:schemeClr val="tx1"/>
+            </a:fontRef>
+          </p:style>
+        </p:cxnSp>
+        <p:cxnSp>
+          <p:nvCxnSpPr>
+            <p:cNvPr id="72" name="Straight Arrow Connector 71"/>
+            <p:cNvCxnSpPr>
+              <a:stCxn id="12" idx="4"/>
+              <a:endCxn id="68" idx="0"/>
+            </p:cNvCxnSpPr>
+            <p:nvPr/>
+          </p:nvCxnSpPr>
+          <p:spPr>
+            <a:xfrm>
+              <a:off x="1772920" y="5125720"/>
+              <a:ext cx="199035" cy="436880"/>
+            </a:xfrm>
+            <a:prstGeom prst="straightConnector1">
+              <a:avLst/>
+            </a:prstGeom>
+            <a:ln>
+              <a:tailEnd type="arrow"/>
+            </a:ln>
+          </p:spPr>
+          <p:style>
+            <a:lnRef idx="1">
+              <a:schemeClr val="accent1"/>
+            </a:lnRef>
+            <a:fillRef idx="0">
+              <a:schemeClr val="accent1"/>
+            </a:fillRef>
+            <a:effectRef idx="0">
+              <a:schemeClr val="accent1"/>
+            </a:effectRef>
+            <a:fontRef idx="minor">
+              <a:schemeClr val="tx1"/>
+            </a:fontRef>
+          </p:style>
+        </p:cxnSp>
+        <p:cxnSp>
+          <p:nvCxnSpPr>
+            <p:cNvPr id="76" name="Straight Connector 75"/>
+            <p:cNvCxnSpPr>
+              <a:endCxn id="67" idx="2"/>
+            </p:cNvCxnSpPr>
+            <p:nvPr/>
+          </p:nvCxnSpPr>
+          <p:spPr>
+            <a:xfrm>
+              <a:off x="762000" y="5791200"/>
+              <a:ext cx="228600" cy="0"/>
+            </a:xfrm>
+            <a:prstGeom prst="line">
+              <a:avLst/>
+            </a:prstGeom>
+          </p:spPr>
+          <p:style>
+            <a:lnRef idx="1">
+              <a:schemeClr val="accent1"/>
+            </a:lnRef>
+            <a:fillRef idx="0">
+              <a:schemeClr val="accent1"/>
+            </a:fillRef>
+            <a:effectRef idx="0">
+              <a:schemeClr val="accent1"/>
+            </a:effectRef>
+            <a:fontRef idx="minor">
+              <a:schemeClr val="tx1"/>
+            </a:fontRef>
+          </p:style>
+        </p:cxnSp>
+      </p:grpSp>
     </p:spTree>
     <p:extLst>
       <p:ext uri="{BB962C8B-B14F-4D97-AF65-F5344CB8AC3E}">
-        <p14:creationId xmlns:p14="http://schemas.microsoft.com/office/powerpoint/2010/main" val="2780373771"/>
+        <p14:creationId xmlns:p14="http://schemas.microsoft.com/office/powerpoint/2010/main" val="451822323"/>
       </p:ext>
     </p:extLst>
   </p:cSld>
@@ -5480,10 +8694,2481 @@
           <a:lstStyle/>
           <a:p>
             <a:r>
+              <a:rPr lang="en-US" sz="2800" dirty="0"/>
+              <a:t>Applying depth-first search </a:t>
+            </a:r>
+            <a:r>
               <a:rPr lang="en-US" sz="2800" dirty="0" smtClean="0"/>
-              <a:t>Another approach: Sudoku as linear programming problem</a:t>
+              <a:t>in </a:t>
+            </a:r>
+            <a:r>
+              <a:rPr lang="en-US" sz="2800" dirty="0"/>
+              <a:t>Sudoku solver </a:t>
+            </a:r>
+          </a:p>
+        </p:txBody>
+      </p:sp>
+      <p:sp>
+        <p:nvSpPr>
+          <p:cNvPr id="3" name="Content Placeholder 2"/>
+          <p:cNvSpPr>
+            <a:spLocks noGrp="1"/>
+          </p:cNvSpPr>
+          <p:nvPr>
+            <p:ph idx="1"/>
+          </p:nvPr>
+        </p:nvSpPr>
+        <p:spPr>
+          <a:xfrm>
+            <a:off x="457200" y="1600201"/>
+            <a:ext cx="8229600" cy="685800"/>
+          </a:xfrm>
+        </p:spPr>
+        <p:txBody>
+          <a:bodyPr>
+            <a:normAutofit fontScale="92500" lnSpcReduction="20000"/>
+          </a:bodyPr>
+          <a:lstStyle/>
+          <a:p>
+            <a:r>
+              <a:rPr lang="en-US" sz="2400" dirty="0" smtClean="0"/>
+              <a:t>Goal: find a path from the root to a leaf which does not leave any unassigned node with empty assignment list</a:t>
+            </a:r>
+            <a:endParaRPr lang="en-US" sz="2400" dirty="0"/>
+          </a:p>
+        </p:txBody>
+      </p:sp>
+      <p:sp>
+        <p:nvSpPr>
+          <p:cNvPr id="4" name="TextBox 3"/>
+          <p:cNvSpPr txBox="1"/>
+          <p:nvPr/>
+        </p:nvSpPr>
+        <p:spPr>
+          <a:xfrm>
+            <a:off x="688340" y="6063734"/>
+            <a:ext cx="685800" cy="369332"/>
+          </a:xfrm>
+          <a:prstGeom prst="rect">
+            <a:avLst/>
+          </a:prstGeom>
+          <a:noFill/>
+        </p:spPr>
+        <p:txBody>
+          <a:bodyPr wrap="square" rtlCol="0">
+            <a:spAutoFit/>
+          </a:bodyPr>
+          <a:lstStyle/>
+          <a:p>
+            <a:r>
+              <a:rPr lang="en-US" dirty="0" smtClean="0"/>
+              <a:t>[1,6]</a:t>
+            </a:r>
+            <a:endParaRPr lang="en-US" dirty="0"/>
+          </a:p>
+        </p:txBody>
+      </p:sp>
+      <p:grpSp>
+        <p:nvGrpSpPr>
+          <p:cNvPr id="5" name="Group 4"/>
+          <p:cNvGrpSpPr/>
+          <p:nvPr/>
+        </p:nvGrpSpPr>
+        <p:grpSpPr>
+          <a:xfrm>
+            <a:off x="1026160" y="2514600"/>
+            <a:ext cx="6786880" cy="3962400"/>
+            <a:chOff x="528320" y="2057400"/>
+            <a:chExt cx="6786880" cy="3962400"/>
+          </a:xfrm>
+        </p:grpSpPr>
+        <p:sp>
+          <p:nvSpPr>
+            <p:cNvPr id="6" name="Oval 5"/>
+            <p:cNvSpPr/>
+            <p:nvPr/>
+          </p:nvSpPr>
+          <p:spPr>
+            <a:xfrm>
+              <a:off x="4191000" y="2057400"/>
+              <a:ext cx="457200" cy="457200"/>
+            </a:xfrm>
+            <a:prstGeom prst="ellipse">
+              <a:avLst/>
+            </a:prstGeom>
+          </p:spPr>
+          <p:style>
+            <a:lnRef idx="2">
+              <a:schemeClr val="accent1">
+                <a:shade val="50000"/>
+              </a:schemeClr>
+            </a:lnRef>
+            <a:fillRef idx="1">
+              <a:schemeClr val="accent1"/>
+            </a:fillRef>
+            <a:effectRef idx="0">
+              <a:schemeClr val="accent1"/>
+            </a:effectRef>
+            <a:fontRef idx="minor">
+              <a:schemeClr val="lt1"/>
+            </a:fontRef>
+          </p:style>
+          <p:txBody>
+            <a:bodyPr rtlCol="0" anchor="ctr"/>
+            <a:lstStyle/>
+            <a:p>
+              <a:pPr algn="ctr"/>
+              <a:r>
+                <a:rPr lang="en-US" dirty="0" smtClean="0"/>
+                <a:t>6</a:t>
+              </a:r>
+              <a:endParaRPr lang="en-US" dirty="0"/>
+            </a:p>
+          </p:txBody>
+        </p:sp>
+        <p:sp>
+          <p:nvSpPr>
+            <p:cNvPr id="7" name="Oval 6"/>
+            <p:cNvSpPr/>
+            <p:nvPr/>
+          </p:nvSpPr>
+          <p:spPr>
+            <a:xfrm>
+              <a:off x="2733040" y="2971800"/>
+              <a:ext cx="457200" cy="457200"/>
+            </a:xfrm>
+            <a:prstGeom prst="ellipse">
+              <a:avLst/>
+            </a:prstGeom>
+          </p:spPr>
+          <p:style>
+            <a:lnRef idx="2">
+              <a:schemeClr val="accent1">
+                <a:shade val="50000"/>
+              </a:schemeClr>
+            </a:lnRef>
+            <a:fillRef idx="1">
+              <a:schemeClr val="accent1"/>
+            </a:fillRef>
+            <a:effectRef idx="0">
+              <a:schemeClr val="accent1"/>
+            </a:effectRef>
+            <a:fontRef idx="minor">
+              <a:schemeClr val="lt1"/>
+            </a:fontRef>
+          </p:style>
+          <p:txBody>
+            <a:bodyPr rtlCol="0" anchor="ctr"/>
+            <a:lstStyle/>
+            <a:p>
+              <a:pPr algn="ctr"/>
+              <a:r>
+                <a:rPr lang="en-US" dirty="0"/>
+                <a:t>4</a:t>
+              </a:r>
+              <a:endParaRPr lang="en-US" dirty="0"/>
+            </a:p>
+          </p:txBody>
+        </p:sp>
+        <p:sp>
+          <p:nvSpPr>
+            <p:cNvPr id="8" name="Oval 7"/>
+            <p:cNvSpPr/>
+            <p:nvPr/>
+          </p:nvSpPr>
+          <p:spPr>
+            <a:xfrm>
+              <a:off x="5476240" y="2946400"/>
+              <a:ext cx="457200" cy="457200"/>
+            </a:xfrm>
+            <a:prstGeom prst="ellipse">
+              <a:avLst/>
+            </a:prstGeom>
+          </p:spPr>
+          <p:style>
+            <a:lnRef idx="2">
+              <a:schemeClr val="accent1">
+                <a:shade val="50000"/>
+              </a:schemeClr>
+            </a:lnRef>
+            <a:fillRef idx="1">
+              <a:schemeClr val="accent1"/>
+            </a:fillRef>
+            <a:effectRef idx="0">
+              <a:schemeClr val="accent1"/>
+            </a:effectRef>
+            <a:fontRef idx="minor">
+              <a:schemeClr val="lt1"/>
+            </a:fontRef>
+          </p:style>
+          <p:txBody>
+            <a:bodyPr rtlCol="0" anchor="ctr"/>
+            <a:lstStyle/>
+            <a:p>
+              <a:pPr algn="ctr"/>
+              <a:r>
+                <a:rPr lang="en-US" dirty="0" smtClean="0"/>
+                <a:t>6</a:t>
+              </a:r>
+              <a:endParaRPr lang="en-US" dirty="0"/>
+            </a:p>
+          </p:txBody>
+        </p:sp>
+        <p:sp>
+          <p:nvSpPr>
+            <p:cNvPr id="9" name="Oval 8"/>
+            <p:cNvSpPr/>
+            <p:nvPr/>
+          </p:nvSpPr>
+          <p:spPr>
+            <a:xfrm>
+              <a:off x="2133600" y="3784600"/>
+              <a:ext cx="457200" cy="457200"/>
+            </a:xfrm>
+            <a:prstGeom prst="ellipse">
+              <a:avLst/>
+            </a:prstGeom>
+          </p:spPr>
+          <p:style>
+            <a:lnRef idx="2">
+              <a:schemeClr val="accent1">
+                <a:shade val="50000"/>
+              </a:schemeClr>
+            </a:lnRef>
+            <a:fillRef idx="1">
+              <a:schemeClr val="accent1"/>
+            </a:fillRef>
+            <a:effectRef idx="0">
+              <a:schemeClr val="accent1"/>
+            </a:effectRef>
+            <a:fontRef idx="minor">
+              <a:schemeClr val="lt1"/>
+            </a:fontRef>
+          </p:style>
+          <p:txBody>
+            <a:bodyPr rtlCol="0" anchor="ctr"/>
+            <a:lstStyle/>
+            <a:p>
+              <a:pPr algn="ctr"/>
+              <a:r>
+                <a:rPr lang="en-US" dirty="0"/>
+                <a:t>4</a:t>
+              </a:r>
+            </a:p>
+          </p:txBody>
+        </p:sp>
+        <p:sp>
+          <p:nvSpPr>
+            <p:cNvPr id="10" name="Oval 9"/>
+            <p:cNvSpPr/>
+            <p:nvPr/>
+          </p:nvSpPr>
+          <p:spPr>
+            <a:xfrm>
+              <a:off x="3220720" y="3810000"/>
+              <a:ext cx="457200" cy="457200"/>
+            </a:xfrm>
+            <a:prstGeom prst="ellipse">
+              <a:avLst/>
+            </a:prstGeom>
+          </p:spPr>
+          <p:style>
+            <a:lnRef idx="2">
+              <a:schemeClr val="accent1">
+                <a:shade val="50000"/>
+              </a:schemeClr>
+            </a:lnRef>
+            <a:fillRef idx="1">
+              <a:schemeClr val="accent1"/>
+            </a:fillRef>
+            <a:effectRef idx="0">
+              <a:schemeClr val="accent1"/>
+            </a:effectRef>
+            <a:fontRef idx="minor">
+              <a:schemeClr val="lt1"/>
+            </a:fontRef>
+          </p:style>
+          <p:txBody>
+            <a:bodyPr rtlCol="0" anchor="ctr"/>
+            <a:lstStyle/>
+            <a:p>
+              <a:pPr algn="ctr"/>
+              <a:r>
+                <a:rPr lang="en-US" dirty="0" smtClean="0"/>
+                <a:t>6</a:t>
+              </a:r>
+              <a:endParaRPr lang="en-US" dirty="0"/>
+            </a:p>
+          </p:txBody>
+        </p:sp>
+        <p:sp>
+          <p:nvSpPr>
+            <p:cNvPr id="11" name="Oval 10"/>
+            <p:cNvSpPr/>
+            <p:nvPr/>
+          </p:nvSpPr>
+          <p:spPr>
+            <a:xfrm>
+              <a:off x="4978400" y="3784600"/>
+              <a:ext cx="457200" cy="457200"/>
+            </a:xfrm>
+            <a:prstGeom prst="ellipse">
+              <a:avLst/>
+            </a:prstGeom>
+          </p:spPr>
+          <p:style>
+            <a:lnRef idx="2">
+              <a:schemeClr val="accent1">
+                <a:shade val="50000"/>
+              </a:schemeClr>
+            </a:lnRef>
+            <a:fillRef idx="1">
+              <a:schemeClr val="accent1"/>
+            </a:fillRef>
+            <a:effectRef idx="0">
+              <a:schemeClr val="accent1"/>
+            </a:effectRef>
+            <a:fontRef idx="minor">
+              <a:schemeClr val="lt1"/>
+            </a:fontRef>
+          </p:style>
+          <p:txBody>
+            <a:bodyPr rtlCol="0" anchor="ctr"/>
+            <a:lstStyle/>
+            <a:p>
+              <a:pPr algn="ctr"/>
+              <a:r>
+                <a:rPr lang="en-US" dirty="0"/>
+                <a:t>4</a:t>
+              </a:r>
+              <a:endParaRPr lang="en-US" dirty="0"/>
+            </a:p>
+          </p:txBody>
+        </p:sp>
+        <p:sp>
+          <p:nvSpPr>
+            <p:cNvPr id="12" name="Oval 11"/>
+            <p:cNvSpPr/>
+            <p:nvPr/>
+          </p:nvSpPr>
+          <p:spPr>
+            <a:xfrm>
+              <a:off x="6172200" y="3738880"/>
+              <a:ext cx="457200" cy="457200"/>
+            </a:xfrm>
+            <a:prstGeom prst="ellipse">
+              <a:avLst/>
+            </a:prstGeom>
+          </p:spPr>
+          <p:style>
+            <a:lnRef idx="2">
+              <a:schemeClr val="accent1">
+                <a:shade val="50000"/>
+              </a:schemeClr>
+            </a:lnRef>
+            <a:fillRef idx="1">
+              <a:schemeClr val="accent1"/>
+            </a:fillRef>
+            <a:effectRef idx="0">
+              <a:schemeClr val="accent1"/>
+            </a:effectRef>
+            <a:fontRef idx="minor">
+              <a:schemeClr val="lt1"/>
+            </a:fontRef>
+          </p:style>
+          <p:txBody>
+            <a:bodyPr rtlCol="0" anchor="ctr"/>
+            <a:lstStyle/>
+            <a:p>
+              <a:pPr algn="ctr"/>
+              <a:r>
+                <a:rPr lang="en-US" dirty="0" smtClean="0"/>
+                <a:t>6</a:t>
+              </a:r>
+              <a:endParaRPr lang="en-US" dirty="0"/>
+            </a:p>
+          </p:txBody>
+        </p:sp>
+        <p:sp>
+          <p:nvSpPr>
+            <p:cNvPr id="13" name="Oval 12"/>
+            <p:cNvSpPr/>
+            <p:nvPr/>
+          </p:nvSpPr>
+          <p:spPr>
+            <a:xfrm>
+              <a:off x="1544320" y="4668520"/>
+              <a:ext cx="457200" cy="457200"/>
+            </a:xfrm>
+            <a:prstGeom prst="ellipse">
+              <a:avLst/>
+            </a:prstGeom>
+          </p:spPr>
+          <p:style>
+            <a:lnRef idx="2">
+              <a:schemeClr val="accent1">
+                <a:shade val="50000"/>
+              </a:schemeClr>
+            </a:lnRef>
+            <a:fillRef idx="1">
+              <a:schemeClr val="accent1"/>
+            </a:fillRef>
+            <a:effectRef idx="0">
+              <a:schemeClr val="accent1"/>
+            </a:effectRef>
+            <a:fontRef idx="minor">
+              <a:schemeClr val="lt1"/>
+            </a:fontRef>
+          </p:style>
+          <p:txBody>
+            <a:bodyPr rtlCol="0" anchor="ctr"/>
+            <a:lstStyle/>
+            <a:p>
+              <a:pPr algn="ctr"/>
+              <a:r>
+                <a:rPr lang="en-US" dirty="0"/>
+                <a:t>3</a:t>
+              </a:r>
+              <a:endParaRPr lang="en-US" dirty="0"/>
+            </a:p>
+          </p:txBody>
+        </p:sp>
+        <p:sp>
+          <p:nvSpPr>
+            <p:cNvPr id="14" name="Oval 13"/>
+            <p:cNvSpPr/>
+            <p:nvPr/>
+          </p:nvSpPr>
+          <p:spPr>
+            <a:xfrm>
+              <a:off x="2362200" y="4658360"/>
+              <a:ext cx="457200" cy="457200"/>
+            </a:xfrm>
+            <a:prstGeom prst="ellipse">
+              <a:avLst/>
+            </a:prstGeom>
+          </p:spPr>
+          <p:style>
+            <a:lnRef idx="2">
+              <a:schemeClr val="accent1">
+                <a:shade val="50000"/>
+              </a:schemeClr>
+            </a:lnRef>
+            <a:fillRef idx="1">
+              <a:schemeClr val="accent1"/>
+            </a:fillRef>
+            <a:effectRef idx="0">
+              <a:schemeClr val="accent1"/>
+            </a:effectRef>
+            <a:fontRef idx="minor">
+              <a:schemeClr val="lt1"/>
+            </a:fontRef>
+          </p:style>
+          <p:txBody>
+            <a:bodyPr rtlCol="0" anchor="ctr"/>
+            <a:lstStyle/>
+            <a:p>
+              <a:pPr algn="ctr"/>
+              <a:r>
+                <a:rPr lang="en-US" dirty="0"/>
+                <a:t>5</a:t>
+              </a:r>
+              <a:endParaRPr lang="en-US" dirty="0"/>
+            </a:p>
+          </p:txBody>
+        </p:sp>
+        <p:sp>
+          <p:nvSpPr>
+            <p:cNvPr id="15" name="Oval 14"/>
+            <p:cNvSpPr/>
+            <p:nvPr/>
+          </p:nvSpPr>
+          <p:spPr>
+            <a:xfrm>
+              <a:off x="3840480" y="4617720"/>
+              <a:ext cx="457200" cy="457200"/>
+            </a:xfrm>
+            <a:prstGeom prst="ellipse">
+              <a:avLst/>
+            </a:prstGeom>
+          </p:spPr>
+          <p:style>
+            <a:lnRef idx="2">
+              <a:schemeClr val="accent1">
+                <a:shade val="50000"/>
+              </a:schemeClr>
+            </a:lnRef>
+            <a:fillRef idx="1">
+              <a:schemeClr val="accent1"/>
+            </a:fillRef>
+            <a:effectRef idx="0">
+              <a:schemeClr val="accent1"/>
+            </a:effectRef>
+            <a:fontRef idx="minor">
+              <a:schemeClr val="lt1"/>
+            </a:fontRef>
+          </p:style>
+          <p:txBody>
+            <a:bodyPr rtlCol="0" anchor="ctr"/>
+            <a:lstStyle/>
+            <a:p>
+              <a:pPr algn="ctr"/>
+              <a:r>
+                <a:rPr lang="en-US" dirty="0"/>
+                <a:t>5</a:t>
+              </a:r>
+              <a:endParaRPr lang="en-US" dirty="0"/>
+            </a:p>
+          </p:txBody>
+        </p:sp>
+        <p:sp>
+          <p:nvSpPr>
+            <p:cNvPr id="16" name="Oval 15"/>
+            <p:cNvSpPr/>
+            <p:nvPr/>
+          </p:nvSpPr>
+          <p:spPr>
+            <a:xfrm>
+              <a:off x="3114040" y="4617720"/>
+              <a:ext cx="457200" cy="457200"/>
+            </a:xfrm>
+            <a:prstGeom prst="ellipse">
+              <a:avLst/>
+            </a:prstGeom>
+          </p:spPr>
+          <p:style>
+            <a:lnRef idx="2">
+              <a:schemeClr val="accent1">
+                <a:shade val="50000"/>
+              </a:schemeClr>
+            </a:lnRef>
+            <a:fillRef idx="1">
+              <a:schemeClr val="accent1"/>
+            </a:fillRef>
+            <a:effectRef idx="0">
+              <a:schemeClr val="accent1"/>
+            </a:effectRef>
+            <a:fontRef idx="minor">
+              <a:schemeClr val="lt1"/>
+            </a:fontRef>
+          </p:style>
+          <p:txBody>
+            <a:bodyPr rtlCol="0" anchor="ctr"/>
+            <a:lstStyle/>
+            <a:p>
+              <a:pPr algn="ctr"/>
+              <a:r>
+                <a:rPr lang="en-US" dirty="0"/>
+                <a:t>3</a:t>
+              </a:r>
+              <a:endParaRPr lang="en-US" dirty="0"/>
+            </a:p>
+          </p:txBody>
+        </p:sp>
+        <p:sp>
+          <p:nvSpPr>
+            <p:cNvPr id="17" name="Oval 16"/>
+            <p:cNvSpPr/>
+            <p:nvPr/>
+          </p:nvSpPr>
+          <p:spPr>
+            <a:xfrm>
+              <a:off x="4500880" y="4617720"/>
+              <a:ext cx="457200" cy="457200"/>
+            </a:xfrm>
+            <a:prstGeom prst="ellipse">
+              <a:avLst/>
+            </a:prstGeom>
+          </p:spPr>
+          <p:style>
+            <a:lnRef idx="2">
+              <a:schemeClr val="accent1">
+                <a:shade val="50000"/>
+              </a:schemeClr>
+            </a:lnRef>
+            <a:fillRef idx="1">
+              <a:schemeClr val="accent1"/>
+            </a:fillRef>
+            <a:effectRef idx="0">
+              <a:schemeClr val="accent1"/>
+            </a:effectRef>
+            <a:fontRef idx="minor">
+              <a:schemeClr val="lt1"/>
+            </a:fontRef>
+          </p:style>
+          <p:txBody>
+            <a:bodyPr rtlCol="0" anchor="ctr"/>
+            <a:lstStyle/>
+            <a:p>
+              <a:pPr algn="ctr"/>
+              <a:r>
+                <a:rPr lang="en-US" dirty="0"/>
+                <a:t>3</a:t>
+              </a:r>
+              <a:endParaRPr lang="en-US" dirty="0"/>
+            </a:p>
+          </p:txBody>
+        </p:sp>
+        <p:sp>
+          <p:nvSpPr>
+            <p:cNvPr id="18" name="Oval 17"/>
+            <p:cNvSpPr/>
+            <p:nvPr/>
+          </p:nvSpPr>
+          <p:spPr>
+            <a:xfrm>
+              <a:off x="5247640" y="4617720"/>
+              <a:ext cx="457200" cy="457200"/>
+            </a:xfrm>
+            <a:prstGeom prst="ellipse">
+              <a:avLst/>
+            </a:prstGeom>
+          </p:spPr>
+          <p:style>
+            <a:lnRef idx="2">
+              <a:schemeClr val="accent1">
+                <a:shade val="50000"/>
+              </a:schemeClr>
+            </a:lnRef>
+            <a:fillRef idx="1">
+              <a:schemeClr val="accent1"/>
+            </a:fillRef>
+            <a:effectRef idx="0">
+              <a:schemeClr val="accent1"/>
+            </a:effectRef>
+            <a:fontRef idx="minor">
+              <a:schemeClr val="lt1"/>
+            </a:fontRef>
+          </p:style>
+          <p:txBody>
+            <a:bodyPr rtlCol="0" anchor="ctr"/>
+            <a:lstStyle/>
+            <a:p>
+              <a:pPr algn="ctr"/>
+              <a:r>
+                <a:rPr lang="en-US" dirty="0"/>
+                <a:t>5</a:t>
+              </a:r>
+              <a:endParaRPr lang="en-US" dirty="0"/>
+            </a:p>
+          </p:txBody>
+        </p:sp>
+        <p:sp>
+          <p:nvSpPr>
+            <p:cNvPr id="19" name="Oval 18"/>
+            <p:cNvSpPr/>
+            <p:nvPr/>
+          </p:nvSpPr>
+          <p:spPr>
+            <a:xfrm>
+              <a:off x="5918200" y="4582160"/>
+              <a:ext cx="457200" cy="457200"/>
+            </a:xfrm>
+            <a:prstGeom prst="ellipse">
+              <a:avLst/>
+            </a:prstGeom>
+          </p:spPr>
+          <p:style>
+            <a:lnRef idx="2">
+              <a:schemeClr val="accent1">
+                <a:shade val="50000"/>
+              </a:schemeClr>
+            </a:lnRef>
+            <a:fillRef idx="1">
+              <a:schemeClr val="accent1"/>
+            </a:fillRef>
+            <a:effectRef idx="0">
+              <a:schemeClr val="accent1"/>
+            </a:effectRef>
+            <a:fontRef idx="minor">
+              <a:schemeClr val="lt1"/>
+            </a:fontRef>
+          </p:style>
+          <p:txBody>
+            <a:bodyPr rtlCol="0" anchor="ctr"/>
+            <a:lstStyle/>
+            <a:p>
+              <a:pPr algn="ctr"/>
+              <a:r>
+                <a:rPr lang="en-US" dirty="0"/>
+                <a:t>3</a:t>
+              </a:r>
+              <a:endParaRPr lang="en-US" dirty="0"/>
+            </a:p>
+          </p:txBody>
+        </p:sp>
+        <p:sp>
+          <p:nvSpPr>
+            <p:cNvPr id="20" name="Oval 19"/>
+            <p:cNvSpPr/>
+            <p:nvPr/>
+          </p:nvSpPr>
+          <p:spPr>
+            <a:xfrm>
+              <a:off x="6858000" y="4582160"/>
+              <a:ext cx="457200" cy="457200"/>
+            </a:xfrm>
+            <a:prstGeom prst="ellipse">
+              <a:avLst/>
+            </a:prstGeom>
+          </p:spPr>
+          <p:style>
+            <a:lnRef idx="2">
+              <a:schemeClr val="accent1">
+                <a:shade val="50000"/>
+              </a:schemeClr>
+            </a:lnRef>
+            <a:fillRef idx="1">
+              <a:schemeClr val="accent1"/>
+            </a:fillRef>
+            <a:effectRef idx="0">
+              <a:schemeClr val="accent1"/>
+            </a:effectRef>
+            <a:fontRef idx="minor">
+              <a:schemeClr val="lt1"/>
+            </a:fontRef>
+          </p:style>
+          <p:txBody>
+            <a:bodyPr rtlCol="0" anchor="ctr"/>
+            <a:lstStyle/>
+            <a:p>
+              <a:pPr algn="ctr"/>
+              <a:r>
+                <a:rPr lang="en-US" dirty="0"/>
+                <a:t>5</a:t>
+              </a:r>
+              <a:endParaRPr lang="en-US" dirty="0"/>
+            </a:p>
+          </p:txBody>
+        </p:sp>
+        <p:cxnSp>
+          <p:nvCxnSpPr>
+            <p:cNvPr id="21" name="Straight Connector 20"/>
+            <p:cNvCxnSpPr>
+              <a:stCxn id="6" idx="2"/>
+            </p:cNvCxnSpPr>
+            <p:nvPr/>
+          </p:nvCxnSpPr>
+          <p:spPr>
+            <a:xfrm flipH="1">
+              <a:off x="1143000" y="2286000"/>
+              <a:ext cx="3048000" cy="0"/>
+            </a:xfrm>
+            <a:prstGeom prst="line">
+              <a:avLst/>
+            </a:prstGeom>
+          </p:spPr>
+          <p:style>
+            <a:lnRef idx="1">
+              <a:schemeClr val="accent1"/>
+            </a:lnRef>
+            <a:fillRef idx="0">
+              <a:schemeClr val="accent1"/>
+            </a:fillRef>
+            <a:effectRef idx="0">
+              <a:schemeClr val="accent1"/>
+            </a:effectRef>
+            <a:fontRef idx="minor">
+              <a:schemeClr val="tx1"/>
+            </a:fontRef>
+          </p:style>
+        </p:cxnSp>
+        <p:cxnSp>
+          <p:nvCxnSpPr>
+            <p:cNvPr id="22" name="Straight Connector 21"/>
+            <p:cNvCxnSpPr>
+              <a:stCxn id="7" idx="2"/>
+            </p:cNvCxnSpPr>
+            <p:nvPr/>
+          </p:nvCxnSpPr>
+          <p:spPr>
+            <a:xfrm flipH="1">
+              <a:off x="1143000" y="3200400"/>
+              <a:ext cx="1590040" cy="0"/>
+            </a:xfrm>
+            <a:prstGeom prst="line">
+              <a:avLst/>
+            </a:prstGeom>
+          </p:spPr>
+          <p:style>
+            <a:lnRef idx="1">
+              <a:schemeClr val="accent1"/>
+            </a:lnRef>
+            <a:fillRef idx="0">
+              <a:schemeClr val="accent1"/>
+            </a:fillRef>
+            <a:effectRef idx="0">
+              <a:schemeClr val="accent1"/>
+            </a:effectRef>
+            <a:fontRef idx="minor">
+              <a:schemeClr val="tx1"/>
+            </a:fontRef>
+          </p:style>
+        </p:cxnSp>
+        <p:cxnSp>
+          <p:nvCxnSpPr>
+            <p:cNvPr id="23" name="Straight Connector 22"/>
+            <p:cNvCxnSpPr>
+              <a:stCxn id="9" idx="2"/>
+            </p:cNvCxnSpPr>
+            <p:nvPr/>
+          </p:nvCxnSpPr>
+          <p:spPr>
+            <a:xfrm flipH="1">
+              <a:off x="1143000" y="4013200"/>
+              <a:ext cx="990600" cy="0"/>
+            </a:xfrm>
+            <a:prstGeom prst="line">
+              <a:avLst/>
+            </a:prstGeom>
+          </p:spPr>
+          <p:style>
+            <a:lnRef idx="1">
+              <a:schemeClr val="accent1"/>
+            </a:lnRef>
+            <a:fillRef idx="0">
+              <a:schemeClr val="accent1"/>
+            </a:fillRef>
+            <a:effectRef idx="0">
+              <a:schemeClr val="accent1"/>
+            </a:effectRef>
+            <a:fontRef idx="minor">
+              <a:schemeClr val="tx1"/>
+            </a:fontRef>
+          </p:style>
+        </p:cxnSp>
+        <p:cxnSp>
+          <p:nvCxnSpPr>
+            <p:cNvPr id="24" name="Straight Connector 23"/>
+            <p:cNvCxnSpPr>
+              <a:stCxn id="13" idx="2"/>
+            </p:cNvCxnSpPr>
+            <p:nvPr/>
+          </p:nvCxnSpPr>
+          <p:spPr>
+            <a:xfrm flipH="1">
+              <a:off x="1143000" y="4897120"/>
+              <a:ext cx="401320" cy="0"/>
+            </a:xfrm>
+            <a:prstGeom prst="line">
+              <a:avLst/>
+            </a:prstGeom>
+          </p:spPr>
+          <p:style>
+            <a:lnRef idx="1">
+              <a:schemeClr val="accent1"/>
+            </a:lnRef>
+            <a:fillRef idx="0">
+              <a:schemeClr val="accent1"/>
+            </a:fillRef>
+            <a:effectRef idx="0">
+              <a:schemeClr val="accent1"/>
+            </a:effectRef>
+            <a:fontRef idx="minor">
+              <a:schemeClr val="tx1"/>
+            </a:fontRef>
+          </p:style>
+        </p:cxnSp>
+        <p:cxnSp>
+          <p:nvCxnSpPr>
+            <p:cNvPr id="25" name="Straight Arrow Connector 24"/>
+            <p:cNvCxnSpPr>
+              <a:stCxn id="6" idx="3"/>
+              <a:endCxn id="7" idx="7"/>
+            </p:cNvCxnSpPr>
+            <p:nvPr/>
+          </p:nvCxnSpPr>
+          <p:spPr>
+            <a:xfrm flipH="1">
+              <a:off x="3123285" y="2447645"/>
+              <a:ext cx="1134670" cy="591110"/>
+            </a:xfrm>
+            <a:prstGeom prst="straightConnector1">
+              <a:avLst/>
+            </a:prstGeom>
+            <a:ln>
+              <a:tailEnd type="arrow"/>
+            </a:ln>
+          </p:spPr>
+          <p:style>
+            <a:lnRef idx="1">
+              <a:schemeClr val="accent1"/>
+            </a:lnRef>
+            <a:fillRef idx="0">
+              <a:schemeClr val="accent1"/>
+            </a:fillRef>
+            <a:effectRef idx="0">
+              <a:schemeClr val="accent1"/>
+            </a:effectRef>
+            <a:fontRef idx="minor">
+              <a:schemeClr val="tx1"/>
+            </a:fontRef>
+          </p:style>
+        </p:cxnSp>
+        <p:cxnSp>
+          <p:nvCxnSpPr>
+            <p:cNvPr id="26" name="Straight Arrow Connector 25"/>
+            <p:cNvCxnSpPr>
+              <a:stCxn id="7" idx="3"/>
+              <a:endCxn id="9" idx="7"/>
+            </p:cNvCxnSpPr>
+            <p:nvPr/>
+          </p:nvCxnSpPr>
+          <p:spPr>
+            <a:xfrm flipH="1">
+              <a:off x="2523845" y="3362045"/>
+              <a:ext cx="276150" cy="489510"/>
+            </a:xfrm>
+            <a:prstGeom prst="straightConnector1">
+              <a:avLst/>
+            </a:prstGeom>
+            <a:ln>
+              <a:tailEnd type="arrow"/>
+            </a:ln>
+          </p:spPr>
+          <p:style>
+            <a:lnRef idx="1">
+              <a:schemeClr val="accent1"/>
+            </a:lnRef>
+            <a:fillRef idx="0">
+              <a:schemeClr val="accent1"/>
+            </a:fillRef>
+            <a:effectRef idx="0">
+              <a:schemeClr val="accent1"/>
+            </a:effectRef>
+            <a:fontRef idx="minor">
+              <a:schemeClr val="tx1"/>
+            </a:fontRef>
+          </p:style>
+        </p:cxnSp>
+        <p:cxnSp>
+          <p:nvCxnSpPr>
+            <p:cNvPr id="27" name="Straight Arrow Connector 26"/>
+            <p:cNvCxnSpPr>
+              <a:stCxn id="7" idx="5"/>
+              <a:endCxn id="10" idx="0"/>
+            </p:cNvCxnSpPr>
+            <p:nvPr/>
+          </p:nvCxnSpPr>
+          <p:spPr>
+            <a:xfrm>
+              <a:off x="3123285" y="3362045"/>
+              <a:ext cx="326035" cy="447955"/>
+            </a:xfrm>
+            <a:prstGeom prst="straightConnector1">
+              <a:avLst/>
+            </a:prstGeom>
+            <a:ln>
+              <a:tailEnd type="arrow"/>
+            </a:ln>
+          </p:spPr>
+          <p:style>
+            <a:lnRef idx="1">
+              <a:schemeClr val="accent1"/>
+            </a:lnRef>
+            <a:fillRef idx="0">
+              <a:schemeClr val="accent1"/>
+            </a:fillRef>
+            <a:effectRef idx="0">
+              <a:schemeClr val="accent1"/>
+            </a:effectRef>
+            <a:fontRef idx="minor">
+              <a:schemeClr val="tx1"/>
+            </a:fontRef>
+          </p:style>
+        </p:cxnSp>
+        <p:cxnSp>
+          <p:nvCxnSpPr>
+            <p:cNvPr id="28" name="Straight Arrow Connector 27"/>
+            <p:cNvCxnSpPr>
+              <a:stCxn id="9" idx="3"/>
+              <a:endCxn id="13" idx="7"/>
+            </p:cNvCxnSpPr>
+            <p:nvPr/>
+          </p:nvCxnSpPr>
+          <p:spPr>
+            <a:xfrm flipH="1">
+              <a:off x="1934565" y="4174845"/>
+              <a:ext cx="265990" cy="560630"/>
+            </a:xfrm>
+            <a:prstGeom prst="straightConnector1">
+              <a:avLst/>
+            </a:prstGeom>
+            <a:ln>
+              <a:tailEnd type="arrow"/>
+            </a:ln>
+          </p:spPr>
+          <p:style>
+            <a:lnRef idx="1">
+              <a:schemeClr val="accent1"/>
+            </a:lnRef>
+            <a:fillRef idx="0">
+              <a:schemeClr val="accent1"/>
+            </a:fillRef>
+            <a:effectRef idx="0">
+              <a:schemeClr val="accent1"/>
+            </a:effectRef>
+            <a:fontRef idx="minor">
+              <a:schemeClr val="tx1"/>
+            </a:fontRef>
+          </p:style>
+        </p:cxnSp>
+        <p:cxnSp>
+          <p:nvCxnSpPr>
+            <p:cNvPr id="29" name="Straight Arrow Connector 28"/>
+            <p:cNvCxnSpPr>
+              <a:stCxn id="9" idx="5"/>
+              <a:endCxn id="14" idx="0"/>
+            </p:cNvCxnSpPr>
+            <p:nvPr/>
+          </p:nvCxnSpPr>
+          <p:spPr>
+            <a:xfrm>
+              <a:off x="2523845" y="4174845"/>
+              <a:ext cx="66955" cy="483515"/>
+            </a:xfrm>
+            <a:prstGeom prst="straightConnector1">
+              <a:avLst/>
+            </a:prstGeom>
+            <a:ln>
+              <a:tailEnd type="arrow"/>
+            </a:ln>
+          </p:spPr>
+          <p:style>
+            <a:lnRef idx="1">
+              <a:schemeClr val="accent1"/>
+            </a:lnRef>
+            <a:fillRef idx="0">
+              <a:schemeClr val="accent1"/>
+            </a:fillRef>
+            <a:effectRef idx="0">
+              <a:schemeClr val="accent1"/>
+            </a:effectRef>
+            <a:fontRef idx="minor">
+              <a:schemeClr val="tx1"/>
+            </a:fontRef>
+          </p:style>
+        </p:cxnSp>
+        <p:cxnSp>
+          <p:nvCxnSpPr>
+            <p:cNvPr id="30" name="Straight Arrow Connector 29"/>
+            <p:cNvCxnSpPr>
+              <a:stCxn id="10" idx="4"/>
+              <a:endCxn id="16" idx="0"/>
+            </p:cNvCxnSpPr>
+            <p:nvPr/>
+          </p:nvCxnSpPr>
+          <p:spPr>
+            <a:xfrm flipH="1">
+              <a:off x="3342640" y="4267200"/>
+              <a:ext cx="106680" cy="350520"/>
+            </a:xfrm>
+            <a:prstGeom prst="straightConnector1">
+              <a:avLst/>
+            </a:prstGeom>
+            <a:ln>
+              <a:tailEnd type="arrow"/>
+            </a:ln>
+          </p:spPr>
+          <p:style>
+            <a:lnRef idx="1">
+              <a:schemeClr val="accent1"/>
+            </a:lnRef>
+            <a:fillRef idx="0">
+              <a:schemeClr val="accent1"/>
+            </a:fillRef>
+            <a:effectRef idx="0">
+              <a:schemeClr val="accent1"/>
+            </a:effectRef>
+            <a:fontRef idx="minor">
+              <a:schemeClr val="tx1"/>
+            </a:fontRef>
+          </p:style>
+        </p:cxnSp>
+        <p:cxnSp>
+          <p:nvCxnSpPr>
+            <p:cNvPr id="31" name="Straight Arrow Connector 30"/>
+            <p:cNvCxnSpPr>
+              <a:stCxn id="10" idx="5"/>
+              <a:endCxn id="15" idx="0"/>
+            </p:cNvCxnSpPr>
+            <p:nvPr/>
+          </p:nvCxnSpPr>
+          <p:spPr>
+            <a:xfrm>
+              <a:off x="3610965" y="4200245"/>
+              <a:ext cx="458115" cy="417475"/>
+            </a:xfrm>
+            <a:prstGeom prst="straightConnector1">
+              <a:avLst/>
+            </a:prstGeom>
+            <a:ln>
+              <a:tailEnd type="arrow"/>
+            </a:ln>
+          </p:spPr>
+          <p:style>
+            <a:lnRef idx="1">
+              <a:schemeClr val="accent1"/>
+            </a:lnRef>
+            <a:fillRef idx="0">
+              <a:schemeClr val="accent1"/>
+            </a:fillRef>
+            <a:effectRef idx="0">
+              <a:schemeClr val="accent1"/>
+            </a:effectRef>
+            <a:fontRef idx="minor">
+              <a:schemeClr val="tx1"/>
+            </a:fontRef>
+          </p:style>
+        </p:cxnSp>
+        <p:cxnSp>
+          <p:nvCxnSpPr>
+            <p:cNvPr id="32" name="Straight Arrow Connector 31"/>
+            <p:cNvCxnSpPr>
+              <a:stCxn id="6" idx="5"/>
+              <a:endCxn id="8" idx="1"/>
+            </p:cNvCxnSpPr>
+            <p:nvPr/>
+          </p:nvCxnSpPr>
+          <p:spPr>
+            <a:xfrm>
+              <a:off x="4581245" y="2447645"/>
+              <a:ext cx="961950" cy="565710"/>
+            </a:xfrm>
+            <a:prstGeom prst="straightConnector1">
+              <a:avLst/>
+            </a:prstGeom>
+            <a:ln>
+              <a:tailEnd type="arrow"/>
+            </a:ln>
+          </p:spPr>
+          <p:style>
+            <a:lnRef idx="1">
+              <a:schemeClr val="accent1"/>
+            </a:lnRef>
+            <a:fillRef idx="0">
+              <a:schemeClr val="accent1"/>
+            </a:fillRef>
+            <a:effectRef idx="0">
+              <a:schemeClr val="accent1"/>
+            </a:effectRef>
+            <a:fontRef idx="minor">
+              <a:schemeClr val="tx1"/>
+            </a:fontRef>
+          </p:style>
+        </p:cxnSp>
+        <p:cxnSp>
+          <p:nvCxnSpPr>
+            <p:cNvPr id="33" name="Straight Arrow Connector 32"/>
+            <p:cNvCxnSpPr>
+              <a:stCxn id="8" idx="3"/>
+              <a:endCxn id="11" idx="0"/>
+            </p:cNvCxnSpPr>
+            <p:nvPr/>
+          </p:nvCxnSpPr>
+          <p:spPr>
+            <a:xfrm flipH="1">
+              <a:off x="5207000" y="3336645"/>
+              <a:ext cx="336195" cy="447955"/>
+            </a:xfrm>
+            <a:prstGeom prst="straightConnector1">
+              <a:avLst/>
+            </a:prstGeom>
+            <a:ln>
+              <a:tailEnd type="arrow"/>
+            </a:ln>
+          </p:spPr>
+          <p:style>
+            <a:lnRef idx="1">
+              <a:schemeClr val="accent1"/>
+            </a:lnRef>
+            <a:fillRef idx="0">
+              <a:schemeClr val="accent1"/>
+            </a:fillRef>
+            <a:effectRef idx="0">
+              <a:schemeClr val="accent1"/>
+            </a:effectRef>
+            <a:fontRef idx="minor">
+              <a:schemeClr val="tx1"/>
+            </a:fontRef>
+          </p:style>
+        </p:cxnSp>
+        <p:cxnSp>
+          <p:nvCxnSpPr>
+            <p:cNvPr id="34" name="Straight Arrow Connector 33"/>
+            <p:cNvCxnSpPr>
+              <a:stCxn id="8" idx="5"/>
+              <a:endCxn id="12" idx="1"/>
+            </p:cNvCxnSpPr>
+            <p:nvPr/>
+          </p:nvCxnSpPr>
+          <p:spPr>
+            <a:xfrm>
+              <a:off x="5866485" y="3336645"/>
+              <a:ext cx="372670" cy="469190"/>
+            </a:xfrm>
+            <a:prstGeom prst="straightConnector1">
+              <a:avLst/>
+            </a:prstGeom>
+            <a:ln>
+              <a:tailEnd type="arrow"/>
+            </a:ln>
+          </p:spPr>
+          <p:style>
+            <a:lnRef idx="1">
+              <a:schemeClr val="accent1"/>
+            </a:lnRef>
+            <a:fillRef idx="0">
+              <a:schemeClr val="accent1"/>
+            </a:fillRef>
+            <a:effectRef idx="0">
+              <a:schemeClr val="accent1"/>
+            </a:effectRef>
+            <a:fontRef idx="minor">
+              <a:schemeClr val="tx1"/>
+            </a:fontRef>
+          </p:style>
+        </p:cxnSp>
+        <p:cxnSp>
+          <p:nvCxnSpPr>
+            <p:cNvPr id="35" name="Straight Arrow Connector 34"/>
+            <p:cNvCxnSpPr>
+              <a:stCxn id="11" idx="3"/>
+              <a:endCxn id="17" idx="0"/>
+            </p:cNvCxnSpPr>
+            <p:nvPr/>
+          </p:nvCxnSpPr>
+          <p:spPr>
+            <a:xfrm flipH="1">
+              <a:off x="4729480" y="4174845"/>
+              <a:ext cx="315875" cy="442875"/>
+            </a:xfrm>
+            <a:prstGeom prst="straightConnector1">
+              <a:avLst/>
+            </a:prstGeom>
+            <a:ln>
+              <a:tailEnd type="arrow"/>
+            </a:ln>
+          </p:spPr>
+          <p:style>
+            <a:lnRef idx="1">
+              <a:schemeClr val="accent1"/>
+            </a:lnRef>
+            <a:fillRef idx="0">
+              <a:schemeClr val="accent1"/>
+            </a:fillRef>
+            <a:effectRef idx="0">
+              <a:schemeClr val="accent1"/>
+            </a:effectRef>
+            <a:fontRef idx="minor">
+              <a:schemeClr val="tx1"/>
+            </a:fontRef>
+          </p:style>
+        </p:cxnSp>
+        <p:cxnSp>
+          <p:nvCxnSpPr>
+            <p:cNvPr id="36" name="Straight Arrow Connector 35"/>
+            <p:cNvCxnSpPr>
+              <a:stCxn id="11" idx="5"/>
+              <a:endCxn id="18" idx="0"/>
+            </p:cNvCxnSpPr>
+            <p:nvPr/>
+          </p:nvCxnSpPr>
+          <p:spPr>
+            <a:xfrm>
+              <a:off x="5368645" y="4174845"/>
+              <a:ext cx="107595" cy="442875"/>
+            </a:xfrm>
+            <a:prstGeom prst="straightConnector1">
+              <a:avLst/>
+            </a:prstGeom>
+            <a:ln>
+              <a:tailEnd type="arrow"/>
+            </a:ln>
+          </p:spPr>
+          <p:style>
+            <a:lnRef idx="1">
+              <a:schemeClr val="accent1"/>
+            </a:lnRef>
+            <a:fillRef idx="0">
+              <a:schemeClr val="accent1"/>
+            </a:fillRef>
+            <a:effectRef idx="0">
+              <a:schemeClr val="accent1"/>
+            </a:effectRef>
+            <a:fontRef idx="minor">
+              <a:schemeClr val="tx1"/>
+            </a:fontRef>
+          </p:style>
+        </p:cxnSp>
+        <p:cxnSp>
+          <p:nvCxnSpPr>
+            <p:cNvPr id="37" name="Straight Arrow Connector 36"/>
+            <p:cNvCxnSpPr>
+              <a:stCxn id="12" idx="5"/>
+              <a:endCxn id="20" idx="1"/>
+            </p:cNvCxnSpPr>
+            <p:nvPr/>
+          </p:nvCxnSpPr>
+          <p:spPr>
+            <a:xfrm>
+              <a:off x="6562445" y="4129125"/>
+              <a:ext cx="362510" cy="519990"/>
+            </a:xfrm>
+            <a:prstGeom prst="straightConnector1">
+              <a:avLst/>
+            </a:prstGeom>
+            <a:ln>
+              <a:tailEnd type="arrow"/>
+            </a:ln>
+          </p:spPr>
+          <p:style>
+            <a:lnRef idx="1">
+              <a:schemeClr val="accent1"/>
+            </a:lnRef>
+            <a:fillRef idx="0">
+              <a:schemeClr val="accent1"/>
+            </a:fillRef>
+            <a:effectRef idx="0">
+              <a:schemeClr val="accent1"/>
+            </a:effectRef>
+            <a:fontRef idx="minor">
+              <a:schemeClr val="tx1"/>
+            </a:fontRef>
+          </p:style>
+        </p:cxnSp>
+        <p:cxnSp>
+          <p:nvCxnSpPr>
+            <p:cNvPr id="38" name="Straight Arrow Connector 37"/>
+            <p:cNvCxnSpPr>
+              <a:stCxn id="12" idx="4"/>
+              <a:endCxn id="19" idx="0"/>
+            </p:cNvCxnSpPr>
+            <p:nvPr/>
+          </p:nvCxnSpPr>
+          <p:spPr>
+            <a:xfrm flipH="1">
+              <a:off x="6146800" y="4196080"/>
+              <a:ext cx="254000" cy="386080"/>
+            </a:xfrm>
+            <a:prstGeom prst="straightConnector1">
+              <a:avLst/>
+            </a:prstGeom>
+            <a:ln>
+              <a:tailEnd type="arrow"/>
+            </a:ln>
+          </p:spPr>
+          <p:style>
+            <a:lnRef idx="1">
+              <a:schemeClr val="accent1"/>
+            </a:lnRef>
+            <a:fillRef idx="0">
+              <a:schemeClr val="accent1"/>
+            </a:fillRef>
+            <a:effectRef idx="0">
+              <a:schemeClr val="accent1"/>
+            </a:effectRef>
+            <a:fontRef idx="minor">
+              <a:schemeClr val="tx1"/>
+            </a:fontRef>
+          </p:style>
+        </p:cxnSp>
+        <p:sp>
+          <p:nvSpPr>
+            <p:cNvPr id="39" name="TextBox 38"/>
+            <p:cNvSpPr txBox="1"/>
+            <p:nvPr/>
+          </p:nvSpPr>
+          <p:spPr>
+            <a:xfrm>
+              <a:off x="533400" y="2078313"/>
+              <a:ext cx="685800" cy="369332"/>
+            </a:xfrm>
+            <a:prstGeom prst="rect">
+              <a:avLst/>
+            </a:prstGeom>
+            <a:noFill/>
+          </p:spPr>
+          <p:txBody>
+            <a:bodyPr wrap="square" rtlCol="0">
+              <a:spAutoFit/>
+            </a:bodyPr>
+            <a:lstStyle/>
+            <a:p>
+              <a:r>
+                <a:rPr lang="en-US" dirty="0" smtClean="0"/>
+                <a:t>[2,3]</a:t>
+              </a:r>
+              <a:endParaRPr lang="en-US" dirty="0"/>
+            </a:p>
+          </p:txBody>
+        </p:sp>
+        <p:sp>
+          <p:nvSpPr>
+            <p:cNvPr id="40" name="TextBox 39"/>
+            <p:cNvSpPr txBox="1"/>
+            <p:nvPr/>
+          </p:nvSpPr>
+          <p:spPr>
+            <a:xfrm>
+              <a:off x="553720" y="3009190"/>
+              <a:ext cx="685800" cy="369332"/>
+            </a:xfrm>
+            <a:prstGeom prst="rect">
+              <a:avLst/>
+            </a:prstGeom>
+            <a:noFill/>
+          </p:spPr>
+          <p:txBody>
+            <a:bodyPr wrap="square" rtlCol="0">
+              <a:spAutoFit/>
+            </a:bodyPr>
+            <a:lstStyle/>
+            <a:p>
+              <a:r>
+                <a:rPr lang="en-US" dirty="0" smtClean="0"/>
+                <a:t>[0,0]</a:t>
+              </a:r>
+              <a:endParaRPr lang="en-US" dirty="0"/>
+            </a:p>
+          </p:txBody>
+        </p:sp>
+        <p:sp>
+          <p:nvSpPr>
+            <p:cNvPr id="41" name="TextBox 40"/>
+            <p:cNvSpPr txBox="1"/>
+            <p:nvPr/>
+          </p:nvSpPr>
+          <p:spPr>
+            <a:xfrm>
+              <a:off x="533400" y="3810593"/>
+              <a:ext cx="685800" cy="369332"/>
+            </a:xfrm>
+            <a:prstGeom prst="rect">
+              <a:avLst/>
+            </a:prstGeom>
+            <a:noFill/>
+          </p:spPr>
+          <p:txBody>
+            <a:bodyPr wrap="square" rtlCol="0">
+              <a:spAutoFit/>
+            </a:bodyPr>
+            <a:lstStyle/>
+            <a:p>
+              <a:r>
+                <a:rPr lang="en-US" dirty="0" smtClean="0"/>
+                <a:t>[0,2]</a:t>
+              </a:r>
+              <a:endParaRPr lang="en-US" dirty="0"/>
+            </a:p>
+          </p:txBody>
+        </p:sp>
+        <p:sp>
+          <p:nvSpPr>
+            <p:cNvPr id="42" name="TextBox 41"/>
+            <p:cNvSpPr txBox="1"/>
+            <p:nvPr/>
+          </p:nvSpPr>
+          <p:spPr>
+            <a:xfrm>
+              <a:off x="528320" y="4730395"/>
+              <a:ext cx="685800" cy="369332"/>
+            </a:xfrm>
+            <a:prstGeom prst="rect">
+              <a:avLst/>
+            </a:prstGeom>
+            <a:noFill/>
+          </p:spPr>
+          <p:txBody>
+            <a:bodyPr wrap="square" rtlCol="0">
+              <a:spAutoFit/>
+            </a:bodyPr>
+            <a:lstStyle/>
+            <a:p>
+              <a:r>
+                <a:rPr lang="en-US" dirty="0" smtClean="0"/>
+                <a:t>[1,5]</a:t>
+              </a:r>
+              <a:endParaRPr lang="en-US" dirty="0"/>
+            </a:p>
+          </p:txBody>
+        </p:sp>
+        <p:sp>
+          <p:nvSpPr>
+            <p:cNvPr id="43" name="Oval 42"/>
+            <p:cNvSpPr/>
+            <p:nvPr/>
+          </p:nvSpPr>
+          <p:spPr>
+            <a:xfrm>
+              <a:off x="990600" y="5562600"/>
+              <a:ext cx="457200" cy="457200"/>
+            </a:xfrm>
+            <a:prstGeom prst="ellipse">
+              <a:avLst/>
+            </a:prstGeom>
+          </p:spPr>
+          <p:style>
+            <a:lnRef idx="2">
+              <a:schemeClr val="accent1">
+                <a:shade val="50000"/>
+              </a:schemeClr>
+            </a:lnRef>
+            <a:fillRef idx="1">
+              <a:schemeClr val="accent1"/>
+            </a:fillRef>
+            <a:effectRef idx="0">
+              <a:schemeClr val="accent1"/>
+            </a:effectRef>
+            <a:fontRef idx="minor">
+              <a:schemeClr val="lt1"/>
+            </a:fontRef>
+          </p:style>
+          <p:txBody>
+            <a:bodyPr rtlCol="0" anchor="ctr"/>
+            <a:lstStyle/>
+            <a:p>
+              <a:pPr algn="ctr"/>
+              <a:r>
+                <a:rPr lang="en-US" dirty="0" smtClean="0"/>
+                <a:t>1</a:t>
+              </a:r>
+              <a:endParaRPr lang="en-US" dirty="0"/>
+            </a:p>
+          </p:txBody>
+        </p:sp>
+        <p:sp>
+          <p:nvSpPr>
+            <p:cNvPr id="44" name="Oval 43"/>
+            <p:cNvSpPr/>
+            <p:nvPr/>
+          </p:nvSpPr>
+          <p:spPr>
+            <a:xfrm>
+              <a:off x="1743355" y="5562600"/>
+              <a:ext cx="457200" cy="457200"/>
+            </a:xfrm>
+            <a:prstGeom prst="ellipse">
+              <a:avLst/>
+            </a:prstGeom>
+          </p:spPr>
+          <p:style>
+            <a:lnRef idx="2">
+              <a:schemeClr val="accent1">
+                <a:shade val="50000"/>
+              </a:schemeClr>
+            </a:lnRef>
+            <a:fillRef idx="1">
+              <a:schemeClr val="accent1"/>
+            </a:fillRef>
+            <a:effectRef idx="0">
+              <a:schemeClr val="accent1"/>
+            </a:effectRef>
+            <a:fontRef idx="minor">
+              <a:schemeClr val="lt1"/>
+            </a:fontRef>
+          </p:style>
+          <p:txBody>
+            <a:bodyPr rtlCol="0" anchor="ctr"/>
+            <a:lstStyle/>
+            <a:p>
+              <a:pPr algn="ctr"/>
+              <a:r>
+                <a:rPr lang="en-US" dirty="0" smtClean="0"/>
+                <a:t>6</a:t>
+              </a:r>
+              <a:endParaRPr lang="en-US" dirty="0"/>
+            </a:p>
+          </p:txBody>
+        </p:sp>
+        <p:cxnSp>
+          <p:nvCxnSpPr>
+            <p:cNvPr id="45" name="Straight Arrow Connector 44"/>
+            <p:cNvCxnSpPr>
+              <a:stCxn id="13" idx="3"/>
+              <a:endCxn id="43" idx="7"/>
+            </p:cNvCxnSpPr>
+            <p:nvPr/>
+          </p:nvCxnSpPr>
+          <p:spPr>
+            <a:xfrm flipH="1">
+              <a:off x="1380845" y="5058765"/>
+              <a:ext cx="230430" cy="570790"/>
+            </a:xfrm>
+            <a:prstGeom prst="straightConnector1">
+              <a:avLst/>
+            </a:prstGeom>
+            <a:ln>
+              <a:tailEnd type="arrow"/>
+            </a:ln>
+          </p:spPr>
+          <p:style>
+            <a:lnRef idx="1">
+              <a:schemeClr val="accent1"/>
+            </a:lnRef>
+            <a:fillRef idx="0">
+              <a:schemeClr val="accent1"/>
+            </a:fillRef>
+            <a:effectRef idx="0">
+              <a:schemeClr val="accent1"/>
+            </a:effectRef>
+            <a:fontRef idx="minor">
+              <a:schemeClr val="tx1"/>
+            </a:fontRef>
+          </p:style>
+        </p:cxnSp>
+        <p:cxnSp>
+          <p:nvCxnSpPr>
+            <p:cNvPr id="46" name="Straight Arrow Connector 45"/>
+            <p:cNvCxnSpPr>
+              <a:stCxn id="13" idx="4"/>
+              <a:endCxn id="44" idx="0"/>
+            </p:cNvCxnSpPr>
+            <p:nvPr/>
+          </p:nvCxnSpPr>
+          <p:spPr>
+            <a:xfrm>
+              <a:off x="1772920" y="5125720"/>
+              <a:ext cx="199035" cy="436880"/>
+            </a:xfrm>
+            <a:prstGeom prst="straightConnector1">
+              <a:avLst/>
+            </a:prstGeom>
+            <a:ln>
+              <a:tailEnd type="arrow"/>
+            </a:ln>
+          </p:spPr>
+          <p:style>
+            <a:lnRef idx="1">
+              <a:schemeClr val="accent1"/>
+            </a:lnRef>
+            <a:fillRef idx="0">
+              <a:schemeClr val="accent1"/>
+            </a:fillRef>
+            <a:effectRef idx="0">
+              <a:schemeClr val="accent1"/>
+            </a:effectRef>
+            <a:fontRef idx="minor">
+              <a:schemeClr val="tx1"/>
+            </a:fontRef>
+          </p:style>
+        </p:cxnSp>
+        <p:cxnSp>
+          <p:nvCxnSpPr>
+            <p:cNvPr id="47" name="Straight Connector 46"/>
+            <p:cNvCxnSpPr>
+              <a:endCxn id="43" idx="2"/>
+            </p:cNvCxnSpPr>
+            <p:nvPr/>
+          </p:nvCxnSpPr>
+          <p:spPr>
+            <a:xfrm>
+              <a:off x="762000" y="5791200"/>
+              <a:ext cx="228600" cy="0"/>
+            </a:xfrm>
+            <a:prstGeom prst="line">
+              <a:avLst/>
+            </a:prstGeom>
+          </p:spPr>
+          <p:style>
+            <a:lnRef idx="1">
+              <a:schemeClr val="accent1"/>
+            </a:lnRef>
+            <a:fillRef idx="0">
+              <a:schemeClr val="accent1"/>
+            </a:fillRef>
+            <a:effectRef idx="0">
+              <a:schemeClr val="accent1"/>
+            </a:effectRef>
+            <a:fontRef idx="minor">
+              <a:schemeClr val="tx1"/>
+            </a:fontRef>
+          </p:style>
+        </p:cxnSp>
+      </p:grpSp>
+      <p:cxnSp>
+        <p:nvCxnSpPr>
+          <p:cNvPr id="49" name="Straight Arrow Connector 48"/>
+          <p:cNvCxnSpPr/>
+          <p:nvPr/>
+        </p:nvCxnSpPr>
+        <p:spPr>
+          <a:xfrm flipH="1">
+            <a:off x="3784142" y="3048000"/>
+            <a:ext cx="1092658" cy="584200"/>
+          </a:xfrm>
+          <a:prstGeom prst="straightConnector1">
+            <a:avLst/>
+          </a:prstGeom>
+          <a:ln w="28575">
+            <a:solidFill>
+              <a:srgbClr val="FF0000"/>
+            </a:solidFill>
+            <a:tailEnd type="arrow"/>
+          </a:ln>
+        </p:spPr>
+        <p:style>
+          <a:lnRef idx="1">
+            <a:schemeClr val="accent1"/>
+          </a:lnRef>
+          <a:fillRef idx="0">
+            <a:schemeClr val="accent1"/>
+          </a:fillRef>
+          <a:effectRef idx="0">
+            <a:schemeClr val="accent1"/>
+          </a:effectRef>
+          <a:fontRef idx="minor">
+            <a:schemeClr val="tx1"/>
+          </a:fontRef>
+        </p:style>
+      </p:cxnSp>
+      <p:cxnSp>
+        <p:nvCxnSpPr>
+          <p:cNvPr id="51" name="Straight Arrow Connector 50"/>
+          <p:cNvCxnSpPr/>
+          <p:nvPr/>
+        </p:nvCxnSpPr>
+        <p:spPr>
+          <a:xfrm>
+            <a:off x="3784142" y="3793845"/>
+            <a:ext cx="404318" cy="514910"/>
+          </a:xfrm>
+          <a:prstGeom prst="straightConnector1">
+            <a:avLst/>
+          </a:prstGeom>
+          <a:ln w="28575">
+            <a:solidFill>
+              <a:srgbClr val="FF0000"/>
+            </a:solidFill>
+            <a:tailEnd type="arrow"/>
+          </a:ln>
+        </p:spPr>
+        <p:style>
+          <a:lnRef idx="1">
+            <a:schemeClr val="accent1"/>
+          </a:lnRef>
+          <a:fillRef idx="0">
+            <a:schemeClr val="accent1"/>
+          </a:fillRef>
+          <a:effectRef idx="0">
+            <a:schemeClr val="accent1"/>
+          </a:effectRef>
+          <a:fontRef idx="minor">
+            <a:schemeClr val="tx1"/>
+          </a:fontRef>
+        </p:style>
+      </p:cxnSp>
+      <p:cxnSp>
+        <p:nvCxnSpPr>
+          <p:cNvPr id="55" name="Straight Arrow Connector 54"/>
+          <p:cNvCxnSpPr/>
+          <p:nvPr/>
+        </p:nvCxnSpPr>
+        <p:spPr>
+          <a:xfrm>
+            <a:off x="4330471" y="4632045"/>
+            <a:ext cx="477749" cy="442875"/>
+          </a:xfrm>
+          <a:prstGeom prst="straightConnector1">
+            <a:avLst/>
+          </a:prstGeom>
+          <a:ln w="28575">
+            <a:solidFill>
+              <a:srgbClr val="FF0000"/>
+            </a:solidFill>
+            <a:tailEnd type="arrow"/>
+          </a:ln>
+        </p:spPr>
+        <p:style>
+          <a:lnRef idx="1">
+            <a:schemeClr val="accent1"/>
+          </a:lnRef>
+          <a:fillRef idx="0">
+            <a:schemeClr val="accent1"/>
+          </a:fillRef>
+          <a:effectRef idx="0">
+            <a:schemeClr val="accent1"/>
+          </a:effectRef>
+          <a:fontRef idx="minor">
+            <a:schemeClr val="tx1"/>
+          </a:fontRef>
+        </p:style>
+      </p:cxnSp>
+      <p:cxnSp>
+        <p:nvCxnSpPr>
+          <p:cNvPr id="57" name="Straight Arrow Connector 56"/>
+          <p:cNvCxnSpPr/>
+          <p:nvPr/>
+        </p:nvCxnSpPr>
+        <p:spPr>
+          <a:xfrm>
+            <a:off x="4828082" y="5496560"/>
+            <a:ext cx="170638" cy="828040"/>
+          </a:xfrm>
+          <a:prstGeom prst="straightConnector1">
+            <a:avLst/>
+          </a:prstGeom>
+          <a:ln w="28575">
+            <a:solidFill>
+              <a:srgbClr val="FF0000"/>
+            </a:solidFill>
+            <a:tailEnd type="arrow"/>
+          </a:ln>
+        </p:spPr>
+        <p:style>
+          <a:lnRef idx="1">
+            <a:schemeClr val="accent1"/>
+          </a:lnRef>
+          <a:fillRef idx="0">
+            <a:schemeClr val="accent1"/>
+          </a:fillRef>
+          <a:effectRef idx="0">
+            <a:schemeClr val="accent1"/>
+          </a:effectRef>
+          <a:fontRef idx="minor">
+            <a:schemeClr val="tx1"/>
+          </a:fontRef>
+        </p:style>
+      </p:cxnSp>
+    </p:spTree>
+    <p:extLst>
+      <p:ext uri="{BB962C8B-B14F-4D97-AF65-F5344CB8AC3E}">
+        <p14:creationId xmlns:p14="http://schemas.microsoft.com/office/powerpoint/2010/main" val="1735203057"/>
+      </p:ext>
+    </p:extLst>
+  </p:cSld>
+  <p:clrMapOvr>
+    <a:masterClrMapping/>
+  </p:clrMapOvr>
+  <p:timing>
+    <p:tnLst>
+      <p:par>
+        <p:cTn id="1" dur="indefinite" restart="never" nodeType="tmRoot"/>
+      </p:par>
+    </p:tnLst>
+  </p:timing>
+</p:sld>
+</file>
+
+<file path=ppt/slides/slide7.xml><?xml version="1.0" encoding="utf-8"?>
+<p:sld xmlns:a="http://schemas.openxmlformats.org/drawingml/2006/main" xmlns:r="http://schemas.openxmlformats.org/officeDocument/2006/relationships" xmlns:p="http://schemas.openxmlformats.org/presentationml/2006/main">
+  <p:cSld>
+    <p:spTree>
+      <p:nvGrpSpPr>
+        <p:cNvPr id="1" name=""/>
+        <p:cNvGrpSpPr/>
+        <p:nvPr/>
+      </p:nvGrpSpPr>
+      <p:grpSpPr>
+        <a:xfrm>
+          <a:off x="0" y="0"/>
+          <a:ext cx="0" cy="0"/>
+          <a:chOff x="0" y="0"/>
+          <a:chExt cx="0" cy="0"/>
+        </a:xfrm>
+      </p:grpSpPr>
+      <p:sp>
+        <p:nvSpPr>
+          <p:cNvPr id="2" name="Title 1"/>
+          <p:cNvSpPr>
+            <a:spLocks noGrp="1"/>
+          </p:cNvSpPr>
+          <p:nvPr>
+            <p:ph type="title"/>
+          </p:nvPr>
+        </p:nvSpPr>
+        <p:spPr/>
+        <p:txBody>
+          <a:bodyPr>
+            <a:normAutofit/>
+          </a:bodyPr>
+          <a:lstStyle/>
+          <a:p>
+            <a:r>
+              <a:rPr lang="en-US" sz="2800" dirty="0" smtClean="0"/>
+              <a:t>Grading and uniqueness validation</a:t>
             </a:r>
             <a:endParaRPr lang="en-US" sz="2800" dirty="0"/>
+          </a:p>
+        </p:txBody>
+      </p:sp>
+      <p:sp>
+        <p:nvSpPr>
+          <p:cNvPr id="3" name="Content Placeholder 2"/>
+          <p:cNvSpPr>
+            <a:spLocks noGrp="1"/>
+          </p:cNvSpPr>
+          <p:nvPr>
+            <p:ph idx="1"/>
+          </p:nvPr>
+        </p:nvSpPr>
+        <p:spPr>
+          <a:xfrm>
+            <a:off x="457200" y="1143000"/>
+            <a:ext cx="8229600" cy="1828800"/>
+          </a:xfrm>
+        </p:spPr>
+        <p:txBody>
+          <a:bodyPr>
+            <a:normAutofit/>
+          </a:bodyPr>
+          <a:lstStyle/>
+          <a:p>
+            <a:r>
+              <a:rPr lang="en-US" sz="2400" dirty="0" smtClean="0"/>
+              <a:t>Different ways to pick grading function –</a:t>
+            </a:r>
+          </a:p>
+          <a:p>
+            <a:r>
+              <a:rPr lang="en-US" sz="2400" dirty="0" smtClean="0"/>
+              <a:t> first idea :</a:t>
+            </a:r>
+          </a:p>
+          <a:p>
+            <a:pPr marL="0" indent="0">
+              <a:buNone/>
+            </a:pPr>
+            <a:r>
+              <a:rPr lang="en-US" sz="2400" dirty="0" smtClean="0"/>
+              <a:t>Compare the assignment distribution of the current puzzle with that of reference puzzles with given grades</a:t>
+            </a:r>
+          </a:p>
+          <a:p>
+            <a:pPr marL="0" indent="0">
+              <a:buNone/>
+            </a:pPr>
+            <a:endParaRPr lang="en-US" sz="2400" dirty="0"/>
+          </a:p>
+        </p:txBody>
+      </p:sp>
+      <p:graphicFrame>
+        <p:nvGraphicFramePr>
+          <p:cNvPr id="4" name="Chart 3"/>
+          <p:cNvGraphicFramePr/>
+          <p:nvPr>
+            <p:extLst>
+              <p:ext uri="{D42A27DB-BD31-4B8C-83A1-F6EECF244321}">
+                <p14:modId xmlns:p14="http://schemas.microsoft.com/office/powerpoint/2010/main" val="1876202779"/>
+              </p:ext>
+            </p:extLst>
+          </p:nvPr>
+        </p:nvGraphicFramePr>
+        <p:xfrm>
+          <a:off x="457200" y="3124200"/>
+          <a:ext cx="2514600" cy="2667000"/>
+        </p:xfrm>
+        <a:graphic>
+          <a:graphicData uri="http://schemas.openxmlformats.org/drawingml/2006/chart">
+            <c:chart xmlns:c="http://schemas.openxmlformats.org/drawingml/2006/chart" xmlns:r="http://schemas.openxmlformats.org/officeDocument/2006/relationships" r:id="rId2"/>
+          </a:graphicData>
+        </a:graphic>
+      </p:graphicFrame>
+      <p:graphicFrame>
+        <p:nvGraphicFramePr>
+          <p:cNvPr id="5" name="Chart 4"/>
+          <p:cNvGraphicFramePr/>
+          <p:nvPr>
+            <p:extLst>
+              <p:ext uri="{D42A27DB-BD31-4B8C-83A1-F6EECF244321}">
+                <p14:modId xmlns:p14="http://schemas.microsoft.com/office/powerpoint/2010/main" val="299855230"/>
+              </p:ext>
+            </p:extLst>
+          </p:nvPr>
+        </p:nvGraphicFramePr>
+        <p:xfrm>
+          <a:off x="5486400" y="3200400"/>
+          <a:ext cx="2438400" cy="2489200"/>
+        </p:xfrm>
+        <a:graphic>
+          <a:graphicData uri="http://schemas.openxmlformats.org/drawingml/2006/chart">
+            <c:chart xmlns:c="http://schemas.openxmlformats.org/drawingml/2006/chart" xmlns:r="http://schemas.openxmlformats.org/officeDocument/2006/relationships" r:id="rId3"/>
+          </a:graphicData>
+        </a:graphic>
+      </p:graphicFrame>
+      <p:sp>
+        <p:nvSpPr>
+          <p:cNvPr id="6" name="TextBox 5"/>
+          <p:cNvSpPr txBox="1"/>
+          <p:nvPr/>
+        </p:nvSpPr>
+        <p:spPr>
+          <a:xfrm>
+            <a:off x="1447800" y="5760720"/>
+            <a:ext cx="1600200" cy="369332"/>
+          </a:xfrm>
+          <a:prstGeom prst="rect">
+            <a:avLst/>
+          </a:prstGeom>
+          <a:noFill/>
+        </p:spPr>
+        <p:txBody>
+          <a:bodyPr wrap="square" rtlCol="0">
+            <a:spAutoFit/>
+          </a:bodyPr>
+          <a:lstStyle/>
+          <a:p>
+            <a:r>
+              <a:rPr lang="en-US" dirty="0" smtClean="0"/>
+              <a:t>easy</a:t>
+            </a:r>
+            <a:endParaRPr lang="en-US" dirty="0"/>
+          </a:p>
+        </p:txBody>
+      </p:sp>
+      <p:sp>
+        <p:nvSpPr>
+          <p:cNvPr id="7" name="TextBox 6"/>
+          <p:cNvSpPr txBox="1"/>
+          <p:nvPr/>
+        </p:nvSpPr>
+        <p:spPr>
+          <a:xfrm>
+            <a:off x="6400800" y="5675868"/>
+            <a:ext cx="1600200" cy="369332"/>
+          </a:xfrm>
+          <a:prstGeom prst="rect">
+            <a:avLst/>
+          </a:prstGeom>
+          <a:noFill/>
+        </p:spPr>
+        <p:txBody>
+          <a:bodyPr wrap="square" rtlCol="0">
+            <a:spAutoFit/>
+          </a:bodyPr>
+          <a:lstStyle/>
+          <a:p>
+            <a:r>
+              <a:rPr lang="en-US" dirty="0" smtClean="0"/>
+              <a:t>medium</a:t>
+            </a:r>
+            <a:endParaRPr lang="en-US" dirty="0"/>
+          </a:p>
+        </p:txBody>
+      </p:sp>
+      <p:graphicFrame>
+        <p:nvGraphicFramePr>
+          <p:cNvPr id="8" name="Chart 7"/>
+          <p:cNvGraphicFramePr/>
+          <p:nvPr>
+            <p:extLst>
+              <p:ext uri="{D42A27DB-BD31-4B8C-83A1-F6EECF244321}">
+                <p14:modId xmlns:p14="http://schemas.microsoft.com/office/powerpoint/2010/main" val="3404008087"/>
+              </p:ext>
+            </p:extLst>
+          </p:nvPr>
+        </p:nvGraphicFramePr>
+        <p:xfrm>
+          <a:off x="3048000" y="3271520"/>
+          <a:ext cx="2438400" cy="2489200"/>
+        </p:xfrm>
+        <a:graphic>
+          <a:graphicData uri="http://schemas.openxmlformats.org/drawingml/2006/chart">
+            <c:chart xmlns:c="http://schemas.openxmlformats.org/drawingml/2006/chart" xmlns:r="http://schemas.openxmlformats.org/officeDocument/2006/relationships" r:id="rId4"/>
+          </a:graphicData>
+        </a:graphic>
+      </p:graphicFrame>
+      <p:sp>
+        <p:nvSpPr>
+          <p:cNvPr id="9" name="TextBox 8"/>
+          <p:cNvSpPr txBox="1"/>
+          <p:nvPr/>
+        </p:nvSpPr>
+        <p:spPr>
+          <a:xfrm>
+            <a:off x="3505200" y="5928638"/>
+            <a:ext cx="1828800" cy="646331"/>
+          </a:xfrm>
+          <a:prstGeom prst="rect">
+            <a:avLst/>
+          </a:prstGeom>
+          <a:noFill/>
+        </p:spPr>
+        <p:txBody>
+          <a:bodyPr wrap="square" rtlCol="0">
+            <a:spAutoFit/>
+          </a:bodyPr>
+          <a:lstStyle/>
+          <a:p>
+            <a:r>
+              <a:rPr lang="en-US" dirty="0" smtClean="0"/>
+              <a:t>New puzzle – is it medium or easy</a:t>
+            </a:r>
+            <a:endParaRPr lang="en-US" dirty="0"/>
+          </a:p>
+        </p:txBody>
+      </p:sp>
+    </p:spTree>
+    <p:extLst>
+      <p:ext uri="{BB962C8B-B14F-4D97-AF65-F5344CB8AC3E}">
+        <p14:creationId xmlns:p14="http://schemas.microsoft.com/office/powerpoint/2010/main" val="2830023342"/>
+      </p:ext>
+    </p:extLst>
+  </p:cSld>
+  <p:clrMapOvr>
+    <a:masterClrMapping/>
+  </p:clrMapOvr>
+  <p:timing>
+    <p:tnLst>
+      <p:par>
+        <p:cTn id="1" dur="indefinite" restart="never" nodeType="tmRoot"/>
+      </p:par>
+    </p:tnLst>
+  </p:timing>
+</p:sld>
+</file>
+
+<file path=ppt/slides/slide8.xml><?xml version="1.0" encoding="utf-8"?>
+<p:sld xmlns:a="http://schemas.openxmlformats.org/drawingml/2006/main" xmlns:r="http://schemas.openxmlformats.org/officeDocument/2006/relationships" xmlns:p="http://schemas.openxmlformats.org/presentationml/2006/main">
+  <p:cSld>
+    <p:spTree>
+      <p:nvGrpSpPr>
+        <p:cNvPr id="1" name=""/>
+        <p:cNvGrpSpPr/>
+        <p:nvPr/>
+      </p:nvGrpSpPr>
+      <p:grpSpPr>
+        <a:xfrm>
+          <a:off x="0" y="0"/>
+          <a:ext cx="0" cy="0"/>
+          <a:chOff x="0" y="0"/>
+          <a:chExt cx="0" cy="0"/>
+        </a:xfrm>
+      </p:grpSpPr>
+      <p:sp>
+        <p:nvSpPr>
+          <p:cNvPr id="2" name="Title 1"/>
+          <p:cNvSpPr>
+            <a:spLocks noGrp="1"/>
+          </p:cNvSpPr>
+          <p:nvPr>
+            <p:ph type="title"/>
+          </p:nvPr>
+        </p:nvSpPr>
+        <p:spPr/>
+        <p:txBody>
+          <a:bodyPr>
+            <a:normAutofit/>
+          </a:bodyPr>
+          <a:lstStyle/>
+          <a:p>
+            <a:r>
+              <a:rPr lang="en-US" sz="2800" dirty="0"/>
+              <a:t>Grading and uniqueness validation</a:t>
+            </a:r>
+          </a:p>
+        </p:txBody>
+      </p:sp>
+      <p:sp>
+        <p:nvSpPr>
+          <p:cNvPr id="4" name="Content Placeholder 2"/>
+          <p:cNvSpPr>
+            <a:spLocks noGrp="1"/>
+          </p:cNvSpPr>
+          <p:nvPr>
+            <p:ph idx="1"/>
+          </p:nvPr>
+        </p:nvSpPr>
+        <p:spPr>
+          <a:xfrm>
+            <a:off x="457200" y="1143000"/>
+            <a:ext cx="8229600" cy="1143000"/>
+          </a:xfrm>
+        </p:spPr>
+        <p:txBody>
+          <a:bodyPr>
+            <a:normAutofit/>
+          </a:bodyPr>
+          <a:lstStyle/>
+          <a:p>
+            <a:r>
+              <a:rPr lang="en-US" sz="2400" dirty="0" smtClean="0"/>
+              <a:t>Another way to pick grading function –</a:t>
+            </a:r>
+          </a:p>
+          <a:p>
+            <a:r>
+              <a:rPr lang="en-US" sz="2400" dirty="0" smtClean="0"/>
+              <a:t> choose based on iteration count range</a:t>
+            </a:r>
+          </a:p>
+          <a:p>
+            <a:pPr marL="0" indent="0">
+              <a:buNone/>
+            </a:pPr>
+            <a:endParaRPr lang="en-US" sz="2400" dirty="0"/>
+          </a:p>
+        </p:txBody>
+      </p:sp>
+      <p:sp>
+        <p:nvSpPr>
+          <p:cNvPr id="5" name="TextBox 4"/>
+          <p:cNvSpPr txBox="1"/>
+          <p:nvPr/>
+        </p:nvSpPr>
+        <p:spPr>
+          <a:xfrm>
+            <a:off x="990600" y="2286000"/>
+            <a:ext cx="6858000" cy="2308324"/>
+          </a:xfrm>
+          <a:prstGeom prst="rect">
+            <a:avLst/>
+          </a:prstGeom>
+          <a:noFill/>
+        </p:spPr>
+        <p:txBody>
+          <a:bodyPr wrap="square" rtlCol="0">
+            <a:spAutoFit/>
+          </a:bodyPr>
+          <a:lstStyle/>
+          <a:p>
+            <a:r>
+              <a:rPr lang="en-US" dirty="0"/>
+              <a:t> if (</a:t>
+            </a:r>
+            <a:r>
+              <a:rPr lang="en-US" dirty="0" err="1"/>
+              <a:t>iterCount</a:t>
+            </a:r>
+            <a:r>
+              <a:rPr lang="en-US" dirty="0"/>
+              <a:t> &lt; 1000)</a:t>
+            </a:r>
+          </a:p>
+          <a:p>
+            <a:r>
+              <a:rPr lang="en-US" dirty="0"/>
+              <a:t>  </a:t>
+            </a:r>
+            <a:r>
+              <a:rPr lang="en-US" dirty="0" smtClean="0"/>
+              <a:t>   return </a:t>
+            </a:r>
+            <a:r>
+              <a:rPr lang="en-US" dirty="0"/>
+              <a:t>1</a:t>
+            </a:r>
+            <a:r>
+              <a:rPr lang="en-US" dirty="0" smtClean="0"/>
+              <a:t>;   </a:t>
+            </a:r>
+            <a:r>
+              <a:rPr lang="en-US" dirty="0" smtClean="0">
+                <a:solidFill>
+                  <a:srgbClr val="00B050"/>
+                </a:solidFill>
+              </a:rPr>
+              <a:t>// easy puzzle</a:t>
+            </a:r>
+            <a:endParaRPr lang="en-US" dirty="0">
+              <a:solidFill>
+                <a:srgbClr val="00B050"/>
+              </a:solidFill>
+            </a:endParaRPr>
+          </a:p>
+          <a:p>
+            <a:r>
+              <a:rPr lang="en-US" dirty="0"/>
+              <a:t> </a:t>
+            </a:r>
+            <a:r>
+              <a:rPr lang="en-US" dirty="0" smtClean="0"/>
+              <a:t>else </a:t>
+            </a:r>
+            <a:r>
+              <a:rPr lang="en-US" dirty="0"/>
+              <a:t>if (</a:t>
+            </a:r>
+            <a:r>
+              <a:rPr lang="en-US" dirty="0" err="1"/>
+              <a:t>iterCount</a:t>
+            </a:r>
+            <a:r>
+              <a:rPr lang="en-US" dirty="0"/>
+              <a:t> &gt;= 1000 &amp;&amp; </a:t>
+            </a:r>
+            <a:r>
+              <a:rPr lang="en-US" dirty="0" err="1"/>
+              <a:t>iterCount</a:t>
+            </a:r>
+            <a:r>
+              <a:rPr lang="en-US" dirty="0"/>
+              <a:t> &lt; 8000)</a:t>
+            </a:r>
+          </a:p>
+          <a:p>
+            <a:r>
+              <a:rPr lang="en-US" dirty="0"/>
+              <a:t>  </a:t>
+            </a:r>
+            <a:r>
+              <a:rPr lang="en-US" dirty="0" smtClean="0"/>
+              <a:t>   return </a:t>
+            </a:r>
+            <a:r>
+              <a:rPr lang="en-US" dirty="0"/>
+              <a:t>2</a:t>
+            </a:r>
+            <a:r>
+              <a:rPr lang="en-US" dirty="0" smtClean="0"/>
+              <a:t>;   </a:t>
+            </a:r>
+            <a:r>
+              <a:rPr lang="en-US" dirty="0" smtClean="0">
+                <a:solidFill>
+                  <a:srgbClr val="00B050"/>
+                </a:solidFill>
+              </a:rPr>
+              <a:t>// medium puzzle</a:t>
+            </a:r>
+            <a:endParaRPr lang="en-US" dirty="0">
+              <a:solidFill>
+                <a:srgbClr val="00B050"/>
+              </a:solidFill>
+            </a:endParaRPr>
+          </a:p>
+          <a:p>
+            <a:r>
+              <a:rPr lang="en-US" dirty="0"/>
+              <a:t>  else if (</a:t>
+            </a:r>
+            <a:r>
+              <a:rPr lang="en-US" dirty="0" err="1"/>
+              <a:t>iterCount</a:t>
+            </a:r>
+            <a:r>
+              <a:rPr lang="en-US" dirty="0"/>
+              <a:t> &gt;= 8000 &amp;&amp; </a:t>
+            </a:r>
+            <a:r>
+              <a:rPr lang="en-US" dirty="0" err="1"/>
+              <a:t>iterCount</a:t>
+            </a:r>
+            <a:r>
+              <a:rPr lang="en-US" dirty="0"/>
+              <a:t> &lt; 150000)</a:t>
+            </a:r>
+          </a:p>
+          <a:p>
+            <a:r>
+              <a:rPr lang="en-US" dirty="0"/>
+              <a:t>  </a:t>
+            </a:r>
+            <a:r>
+              <a:rPr lang="en-US" dirty="0" smtClean="0"/>
+              <a:t>   return </a:t>
+            </a:r>
+            <a:r>
+              <a:rPr lang="en-US" dirty="0"/>
+              <a:t>3</a:t>
+            </a:r>
+            <a:r>
+              <a:rPr lang="en-US" dirty="0" smtClean="0"/>
+              <a:t>;   </a:t>
+            </a:r>
+            <a:r>
+              <a:rPr lang="en-US" dirty="0" smtClean="0">
+                <a:solidFill>
+                  <a:srgbClr val="00B050"/>
+                </a:solidFill>
+              </a:rPr>
+              <a:t>// hard puzzle</a:t>
+            </a:r>
+            <a:endParaRPr lang="en-US" dirty="0">
+              <a:solidFill>
+                <a:srgbClr val="00B050"/>
+              </a:solidFill>
+            </a:endParaRPr>
+          </a:p>
+          <a:p>
+            <a:r>
+              <a:rPr lang="en-US" dirty="0"/>
+              <a:t>  else</a:t>
+            </a:r>
+          </a:p>
+          <a:p>
+            <a:r>
+              <a:rPr lang="en-US" dirty="0"/>
+              <a:t>      return 4</a:t>
+            </a:r>
+            <a:r>
+              <a:rPr lang="en-US" dirty="0" smtClean="0"/>
+              <a:t>;   </a:t>
+            </a:r>
+            <a:r>
+              <a:rPr lang="en-US" dirty="0" smtClean="0">
+                <a:solidFill>
+                  <a:srgbClr val="00B050"/>
+                </a:solidFill>
+              </a:rPr>
+              <a:t>// samurai puzzle</a:t>
+            </a:r>
+            <a:endParaRPr lang="en-US" dirty="0">
+              <a:solidFill>
+                <a:srgbClr val="00B050"/>
+              </a:solidFill>
+            </a:endParaRPr>
+          </a:p>
+        </p:txBody>
+      </p:sp>
+    </p:spTree>
+    <p:extLst>
+      <p:ext uri="{BB962C8B-B14F-4D97-AF65-F5344CB8AC3E}">
+        <p14:creationId xmlns:p14="http://schemas.microsoft.com/office/powerpoint/2010/main" val="2299603960"/>
+      </p:ext>
+    </p:extLst>
+  </p:cSld>
+  <p:clrMapOvr>
+    <a:masterClrMapping/>
+  </p:clrMapOvr>
+  <p:timing>
+    <p:tnLst>
+      <p:par>
+        <p:cTn id="1" dur="indefinite" restart="never" nodeType="tmRoot"/>
+      </p:par>
+    </p:tnLst>
+  </p:timing>
+</p:sld>
+</file>
+
+<file path=ppt/slides/slide9.xml><?xml version="1.0" encoding="utf-8"?>
+<p:sld xmlns:a="http://schemas.openxmlformats.org/drawingml/2006/main" xmlns:r="http://schemas.openxmlformats.org/officeDocument/2006/relationships" xmlns:p="http://schemas.openxmlformats.org/presentationml/2006/main">
+  <p:cSld>
+    <p:spTree>
+      <p:nvGrpSpPr>
+        <p:cNvPr id="1" name=""/>
+        <p:cNvGrpSpPr/>
+        <p:nvPr/>
+      </p:nvGrpSpPr>
+      <p:grpSpPr>
+        <a:xfrm>
+          <a:off x="0" y="0"/>
+          <a:ext cx="0" cy="0"/>
+          <a:chOff x="0" y="0"/>
+          <a:chExt cx="0" cy="0"/>
+        </a:xfrm>
+      </p:grpSpPr>
+      <p:sp>
+        <p:nvSpPr>
+          <p:cNvPr id="2" name="Title 1"/>
+          <p:cNvSpPr>
+            <a:spLocks noGrp="1"/>
+          </p:cNvSpPr>
+          <p:nvPr>
+            <p:ph type="title"/>
+          </p:nvPr>
+        </p:nvSpPr>
+        <p:spPr/>
+        <p:txBody>
+          <a:bodyPr>
+            <a:normAutofit/>
+          </a:bodyPr>
+          <a:lstStyle/>
+          <a:p>
+            <a:r>
+              <a:rPr lang="en-US" sz="2800" dirty="0"/>
+              <a:t>Grading and uniqueness validation</a:t>
+            </a:r>
           </a:p>
         </p:txBody>
       </p:sp>
@@ -5504,6 +11189,10 @@
           </a:bodyPr>
           <a:lstStyle/>
           <a:p>
+            <a:r>
+              <a:rPr lang="en-US" sz="2400" dirty="0" smtClean="0"/>
+              <a:t>Uniqueness validation – the idea is simple: having obtained the solution and having the original puzzle represented by its assignments distribution remove the chosen assignment on the highest level  of the search tree and try solving the altered puzzle. If there is a solution then the puzzle is not unique. Try the same on the lower level of the search tree and so on. If none of those puzzles is solvable then we have a unique solution.</a:t>
+            </a:r>
             <a:endParaRPr lang="en-US" sz="2400" dirty="0"/>
           </a:p>
         </p:txBody>
@@ -5511,7 +11200,7 @@
     </p:spTree>
     <p:extLst>
       <p:ext uri="{BB962C8B-B14F-4D97-AF65-F5344CB8AC3E}">
-        <p14:creationId xmlns:p14="http://schemas.microsoft.com/office/powerpoint/2010/main" val="3401336830"/>
+        <p14:creationId xmlns:p14="http://schemas.microsoft.com/office/powerpoint/2010/main" val="512396615"/>
       </p:ext>
     </p:extLst>
   </p:cSld>

--- a/Sudoku/Sudoku  solving the puzzle validating uniqnuess.pptx
+++ b/Sudoku/Sudoku  solving the puzzle validating uniqnuess.pptx
@@ -17,7 +17,8 @@
     <p:sldId id="267" r:id="rId11"/>
     <p:sldId id="258" r:id="rId12"/>
     <p:sldId id="268" r:id="rId13"/>
-    <p:sldId id="259" r:id="rId14"/>
+    <p:sldId id="269" r:id="rId14"/>
+    <p:sldId id="259" r:id="rId15"/>
   </p:sldIdLst>
   <p:sldSz cx="9144000" cy="6858000" type="screen4x3"/>
   <p:notesSz cx="6858000" cy="9144000"/>
@@ -231,11 +232,11 @@
           <c:showBubbleSize val="0"/>
         </c:dLbls>
         <c:gapWidth val="150"/>
-        <c:axId val="45172224"/>
-        <c:axId val="45173760"/>
+        <c:axId val="40841984"/>
+        <c:axId val="40843520"/>
       </c:barChart>
       <c:catAx>
-        <c:axId val="45172224"/>
+        <c:axId val="40841984"/>
         <c:scaling>
           <c:orientation val="minMax"/>
         </c:scaling>
@@ -245,7 +246,7 @@
         <c:majorTickMark val="out"/>
         <c:minorTickMark val="none"/>
         <c:tickLblPos val="nextTo"/>
-        <c:crossAx val="45173760"/>
+        <c:crossAx val="40843520"/>
         <c:crosses val="autoZero"/>
         <c:auto val="1"/>
         <c:lblAlgn val="ctr"/>
@@ -253,7 +254,7 @@
         <c:noMultiLvlLbl val="0"/>
       </c:catAx>
       <c:valAx>
-        <c:axId val="45173760"/>
+        <c:axId val="40843520"/>
         <c:scaling>
           <c:orientation val="minMax"/>
         </c:scaling>
@@ -264,7 +265,7 @@
         <c:majorTickMark val="out"/>
         <c:minorTickMark val="none"/>
         <c:tickLblPos val="nextTo"/>
-        <c:crossAx val="45172224"/>
+        <c:crossAx val="40841984"/>
         <c:crosses val="autoZero"/>
         <c:crossBetween val="between"/>
       </c:valAx>
@@ -401,11 +402,11 @@
           <c:showBubbleSize val="0"/>
         </c:dLbls>
         <c:gapWidth val="150"/>
-        <c:axId val="85372288"/>
-        <c:axId val="85386368"/>
+        <c:axId val="122606720"/>
+        <c:axId val="122608256"/>
       </c:barChart>
       <c:catAx>
-        <c:axId val="85372288"/>
+        <c:axId val="122606720"/>
         <c:scaling>
           <c:orientation val="minMax"/>
         </c:scaling>
@@ -415,7 +416,7 @@
         <c:majorTickMark val="out"/>
         <c:minorTickMark val="none"/>
         <c:tickLblPos val="nextTo"/>
-        <c:crossAx val="85386368"/>
+        <c:crossAx val="122608256"/>
         <c:crosses val="autoZero"/>
         <c:auto val="1"/>
         <c:lblAlgn val="ctr"/>
@@ -423,7 +424,7 @@
         <c:noMultiLvlLbl val="0"/>
       </c:catAx>
       <c:valAx>
-        <c:axId val="85386368"/>
+        <c:axId val="122608256"/>
         <c:scaling>
           <c:orientation val="minMax"/>
         </c:scaling>
@@ -434,7 +435,7 @@
         <c:majorTickMark val="out"/>
         <c:minorTickMark val="none"/>
         <c:tickLblPos val="nextTo"/>
-        <c:crossAx val="85372288"/>
+        <c:crossAx val="122606720"/>
         <c:crosses val="autoZero"/>
         <c:crossBetween val="between"/>
       </c:valAx>
@@ -571,11 +572,11 @@
           <c:showBubbleSize val="0"/>
         </c:dLbls>
         <c:gapWidth val="150"/>
-        <c:axId val="141760384"/>
-        <c:axId val="141761920"/>
+        <c:axId val="120227328"/>
+        <c:axId val="126980480"/>
       </c:barChart>
       <c:catAx>
-        <c:axId val="141760384"/>
+        <c:axId val="120227328"/>
         <c:scaling>
           <c:orientation val="minMax"/>
         </c:scaling>
@@ -595,7 +596,7 @@
             <a:endParaRPr lang="en-US"/>
           </a:p>
         </c:txPr>
-        <c:crossAx val="141761920"/>
+        <c:crossAx val="126980480"/>
         <c:crosses val="autoZero"/>
         <c:auto val="1"/>
         <c:lblAlgn val="ctr"/>
@@ -603,7 +604,7 @@
         <c:noMultiLvlLbl val="0"/>
       </c:catAx>
       <c:valAx>
-        <c:axId val="141761920"/>
+        <c:axId val="126980480"/>
         <c:scaling>
           <c:orientation val="minMax"/>
         </c:scaling>
@@ -624,7 +625,7 @@
             <a:endParaRPr lang="en-US"/>
           </a:p>
         </c:txPr>
-        <c:crossAx val="141760384"/>
+        <c:crossAx val="120227328"/>
         <c:crosses val="autoZero"/>
         <c:crossBetween val="between"/>
       </c:valAx>
@@ -761,11 +762,11 @@
           <c:showBubbleSize val="0"/>
         </c:dLbls>
         <c:gapWidth val="150"/>
-        <c:axId val="121144832"/>
-        <c:axId val="121146752"/>
+        <c:axId val="126983168"/>
+        <c:axId val="127410944"/>
       </c:barChart>
       <c:catAx>
-        <c:axId val="121144832"/>
+        <c:axId val="126983168"/>
         <c:scaling>
           <c:orientation val="minMax"/>
         </c:scaling>
@@ -785,7 +786,7 @@
             <a:endParaRPr lang="en-US"/>
           </a:p>
         </c:txPr>
-        <c:crossAx val="121146752"/>
+        <c:crossAx val="127410944"/>
         <c:crosses val="autoZero"/>
         <c:auto val="1"/>
         <c:lblAlgn val="ctr"/>
@@ -793,7 +794,7 @@
         <c:noMultiLvlLbl val="0"/>
       </c:catAx>
       <c:valAx>
-        <c:axId val="121146752"/>
+        <c:axId val="127410944"/>
         <c:scaling>
           <c:orientation val="minMax"/>
         </c:scaling>
@@ -814,7 +815,7 @@
             <a:endParaRPr lang="en-US"/>
           </a:p>
         </c:txPr>
-        <c:crossAx val="121144832"/>
+        <c:crossAx val="126983168"/>
         <c:crosses val="autoZero"/>
         <c:crossBetween val="between"/>
       </c:valAx>
@@ -4047,7 +4048,6 @@
               <a:rPr lang="en-US" sz="2800" dirty="0"/>
               <a:t>Generating puzzles</a:t>
             </a:r>
-            <a:endParaRPr lang="en-US" sz="2800" dirty="0"/>
           </a:p>
         </p:txBody>
       </p:sp>
@@ -4078,25 +4078,8 @@
             </a:r>
             <a:r>
               <a:rPr lang="en-US" sz="2400" dirty="0" smtClean="0"/>
-              <a:t> different </a:t>
-            </a:r>
-            <a:r>
-              <a:rPr lang="en-US" sz="2400" dirty="0" smtClean="0"/>
-              <a:t>solutions </a:t>
-            </a:r>
-            <a:r>
-              <a:rPr lang="en-US" sz="2400" dirty="0" smtClean="0"/>
-              <a:t>but only 5,472,730,538 of those are not congruent with each other with respect to rotation, reflection, permutation and relabeling</a:t>
-            </a:r>
-            <a:r>
-              <a:rPr lang="en-US" sz="2400" dirty="0" smtClean="0"/>
-              <a:t>. How to write a generator which will be able to generate any one of </a:t>
-            </a:r>
-            <a:r>
-              <a:rPr lang="en-US" sz="2400" dirty="0" smtClean="0"/>
-              <a:t>those essential 5,472,730,538 puzzles.</a:t>
-            </a:r>
-            <a:endParaRPr lang="en-US" sz="2400" dirty="0" smtClean="0"/>
+              <a:t> different solutions but only 5,472,730,538 of those are not congruent with each other with respect to rotation, reflection, permutation and relabeling. How to write a generator which will be able to generate any one of those essential 5,472,730,538 puzzles.</a:t>
+            </a:r>
           </a:p>
           <a:p>
             <a:r>
@@ -4206,18 +4189,60 @@
         <p:spPr/>
         <p:txBody>
           <a:bodyPr>
-            <a:normAutofit/>
+            <a:normAutofit fontScale="92500" lnSpcReduction="10000"/>
           </a:bodyPr>
           <a:lstStyle/>
           <a:p>
             <a:r>
               <a:rPr lang="en-US" sz="2400" dirty="0" smtClean="0"/>
-              <a:t>I chose different approach – generate the puzzle line by line randomizing it </a:t>
-            </a:r>
-            <a:r>
-              <a:rPr lang="en-US" sz="2400" smtClean="0"/>
-              <a:t>whenever possible.</a:t>
-            </a:r>
+              <a:t>I chose different approach – generate the </a:t>
+            </a:r>
+            <a:r>
+              <a:rPr lang="en-US" sz="2400" dirty="0" smtClean="0"/>
+              <a:t>solved puzzle </a:t>
+            </a:r>
+            <a:r>
+              <a:rPr lang="en-US" sz="2400" dirty="0" smtClean="0"/>
+              <a:t>line by line randomizing it whenever possible</a:t>
+            </a:r>
+            <a:r>
+              <a:rPr lang="en-US" sz="2400" dirty="0" smtClean="0"/>
+              <a:t>. If a newly assigned value leads to infeasible configuration then backtrack until find set of assignments not violating the row, column and region constraints.</a:t>
+            </a:r>
+          </a:p>
+          <a:p>
+            <a:r>
+              <a:rPr lang="en-US" sz="2400" dirty="0" smtClean="0"/>
+              <a:t>The next step: make holes into the newly generated solved puzzle one row at a time one hole at a time in random. After making one pass through all of the rows stop and evaluate the grade of the puzzle and if the solution is unique. If the solution is unique but the grade is lower than the requested grade make another pass. If the solution is not unique undo last pass and make another pass. Repeat until finding a configuration with unique solution and a grade matching the requested grade.</a:t>
+            </a:r>
+          </a:p>
+          <a:p>
+            <a:pPr marL="0" indent="0">
+              <a:buNone/>
+            </a:pPr>
+            <a:r>
+              <a:rPr lang="en-US" sz="2400" dirty="0"/>
+              <a:t> </a:t>
+            </a:r>
+            <a:endParaRPr lang="en-US" sz="2400" dirty="0" smtClean="0"/>
+          </a:p>
+          <a:p>
+            <a:pPr marL="0" indent="0">
+              <a:buNone/>
+            </a:pPr>
+            <a:r>
+              <a:rPr lang="en-US" sz="2400" dirty="0"/>
+              <a:t> </a:t>
+            </a:r>
+            <a:r>
+              <a:rPr lang="en-US" sz="2400" dirty="0" smtClean="0"/>
+              <a:t>   </a:t>
+            </a:r>
+          </a:p>
+          <a:p>
+            <a:endParaRPr lang="en-US" sz="2400" dirty="0" smtClean="0"/>
+          </a:p>
+          <a:p>
             <a:endParaRPr lang="en-US" sz="2400" dirty="0"/>
           </a:p>
         </p:txBody>
@@ -4277,6 +4302,102 @@
           <a:lstStyle/>
           <a:p>
             <a:r>
+              <a:rPr lang="en-US" sz="2800" dirty="0"/>
+              <a:t>Generating puzzles</a:t>
+            </a:r>
+          </a:p>
+        </p:txBody>
+      </p:sp>
+      <p:sp>
+        <p:nvSpPr>
+          <p:cNvPr id="3" name="Content Placeholder 2"/>
+          <p:cNvSpPr>
+            <a:spLocks noGrp="1"/>
+          </p:cNvSpPr>
+          <p:nvPr>
+            <p:ph idx="1"/>
+          </p:nvPr>
+        </p:nvSpPr>
+        <p:spPr/>
+        <p:txBody>
+          <a:bodyPr>
+            <a:normAutofit/>
+          </a:bodyPr>
+          <a:lstStyle/>
+          <a:p>
+            <a:r>
+              <a:rPr lang="en-US" sz="2400" dirty="0" smtClean="0"/>
+              <a:t>Problems with my approach for making holes – this is not true backtracking algorithm and there is no guarantee it will find a puzzle with the  requested grade for the given max amount of iterations.</a:t>
+            </a:r>
+          </a:p>
+          <a:p>
+            <a:r>
+              <a:rPr lang="en-US" sz="2400" dirty="0" smtClean="0"/>
+              <a:t>Next step: implement a true backtracking algorithm for making holes into the generated solved puzzle which will explore all possible combinations at the current level before </a:t>
+            </a:r>
+            <a:r>
+              <a:rPr lang="en-US" sz="2400" smtClean="0"/>
+              <a:t>it backtracks. </a:t>
+            </a:r>
+            <a:endParaRPr lang="en-US" sz="2400" dirty="0"/>
+          </a:p>
+        </p:txBody>
+      </p:sp>
+    </p:spTree>
+    <p:extLst>
+      <p:ext uri="{BB962C8B-B14F-4D97-AF65-F5344CB8AC3E}">
+        <p14:creationId xmlns:p14="http://schemas.microsoft.com/office/powerpoint/2010/main" val="50479229"/>
+      </p:ext>
+    </p:extLst>
+  </p:cSld>
+  <p:clrMapOvr>
+    <a:masterClrMapping/>
+  </p:clrMapOvr>
+  <p:timing>
+    <p:tnLst>
+      <p:par>
+        <p:cTn id="1" dur="indefinite" restart="never" nodeType="tmRoot"/>
+      </p:par>
+    </p:tnLst>
+  </p:timing>
+</p:sld>
+</file>
+
+<file path=ppt/slides/slide14.xml><?xml version="1.0" encoding="utf-8"?>
+<p:sld xmlns:a="http://schemas.openxmlformats.org/drawingml/2006/main" xmlns:r="http://schemas.openxmlformats.org/officeDocument/2006/relationships" xmlns:p="http://schemas.openxmlformats.org/presentationml/2006/main">
+  <p:cSld>
+    <p:spTree>
+      <p:nvGrpSpPr>
+        <p:cNvPr id="1" name=""/>
+        <p:cNvGrpSpPr/>
+        <p:nvPr/>
+      </p:nvGrpSpPr>
+      <p:grpSpPr>
+        <a:xfrm>
+          <a:off x="0" y="0"/>
+          <a:ext cx="0" cy="0"/>
+          <a:chOff x="0" y="0"/>
+          <a:chExt cx="0" cy="0"/>
+        </a:xfrm>
+      </p:grpSpPr>
+      <p:sp>
+        <p:nvSpPr>
+          <p:cNvPr id="2" name="Title 1"/>
+          <p:cNvSpPr>
+            <a:spLocks noGrp="1"/>
+          </p:cNvSpPr>
+          <p:nvPr>
+            <p:ph type="title"/>
+          </p:nvPr>
+        </p:nvSpPr>
+        <p:spPr/>
+        <p:txBody>
+          <a:bodyPr>
+            <a:normAutofit/>
+          </a:bodyPr>
+          <a:lstStyle/>
+          <a:p>
+            <a:r>
               <a:rPr lang="en-US" sz="2800" dirty="0" smtClean="0"/>
               <a:t>Another approach: Sudoku as linear programming problem</a:t>
             </a:r>
@@ -6433,19 +6554,7 @@
           <a:p>
             <a:r>
               <a:rPr lang="en-US" sz="2800" dirty="0" smtClean="0"/>
-              <a:t>Applying depth-first search </a:t>
-            </a:r>
-            <a:r>
-              <a:rPr lang="en-US" sz="2800" dirty="0" smtClean="0"/>
-              <a:t>in</a:t>
-            </a:r>
-            <a:r>
-              <a:rPr lang="en-US" sz="2800" dirty="0" smtClean="0"/>
-              <a:t> </a:t>
-            </a:r>
-            <a:r>
-              <a:rPr lang="en-US" sz="2800" dirty="0" smtClean="0"/>
-              <a:t>Sudoku solver </a:t>
+              <a:t>Applying depth-first search in Sudoku solver </a:t>
             </a:r>
             <a:endParaRPr lang="en-US" sz="2800" dirty="0"/>
           </a:p>
@@ -6475,11 +6584,7 @@
           <a:p>
             <a:r>
               <a:rPr lang="en-US" sz="2400" dirty="0" smtClean="0"/>
-              <a:t>Obtaining the distribution with possible </a:t>
-            </a:r>
-            <a:r>
-              <a:rPr lang="en-US" sz="2400" dirty="0" smtClean="0"/>
-              <a:t>assignments</a:t>
+              <a:t>Obtaining the distribution with possible assignments</a:t>
             </a:r>
           </a:p>
           <a:p>
@@ -6973,19 +7078,7 @@
           <a:p>
             <a:r>
               <a:rPr lang="en-US" sz="2800" dirty="0" smtClean="0"/>
-              <a:t>Applying depth-first search </a:t>
-            </a:r>
-            <a:r>
-              <a:rPr lang="en-US" sz="2800" dirty="0" smtClean="0"/>
-              <a:t>in</a:t>
-            </a:r>
-            <a:r>
-              <a:rPr lang="en-US" sz="2800" dirty="0" smtClean="0"/>
-              <a:t> </a:t>
-            </a:r>
-            <a:r>
-              <a:rPr lang="en-US" sz="2800" dirty="0" smtClean="0"/>
-              <a:t>Sudoku solver </a:t>
+              <a:t>Applying depth-first search in Sudoku solver </a:t>
             </a:r>
             <a:endParaRPr lang="en-US" sz="2800" dirty="0"/>
           </a:p>
@@ -7119,7 +7212,6 @@
                 <a:rPr lang="en-US" dirty="0"/>
                 <a:t>4</a:t>
               </a:r>
-              <a:endParaRPr lang="en-US" dirty="0"/>
             </a:p>
           </p:txBody>
         </p:sp>
@@ -7294,7 +7386,6 @@
                 <a:rPr lang="en-US" dirty="0"/>
                 <a:t>4</a:t>
               </a:r>
-              <a:endParaRPr lang="en-US" dirty="0"/>
             </a:p>
           </p:txBody>
         </p:sp>
@@ -7382,7 +7473,6 @@
                 <a:rPr lang="en-US" dirty="0"/>
                 <a:t>3</a:t>
               </a:r>
-              <a:endParaRPr lang="en-US" dirty="0"/>
             </a:p>
           </p:txBody>
         </p:sp>
@@ -7426,7 +7516,6 @@
                 <a:rPr lang="en-US" dirty="0"/>
                 <a:t>5</a:t>
               </a:r>
-              <a:endParaRPr lang="en-US" dirty="0"/>
             </a:p>
           </p:txBody>
         </p:sp>
@@ -7470,7 +7559,6 @@
                 <a:rPr lang="en-US" dirty="0"/>
                 <a:t>5</a:t>
               </a:r>
-              <a:endParaRPr lang="en-US" dirty="0"/>
             </a:p>
           </p:txBody>
         </p:sp>
@@ -7514,7 +7602,6 @@
                 <a:rPr lang="en-US" dirty="0"/>
                 <a:t>3</a:t>
               </a:r>
-              <a:endParaRPr lang="en-US" dirty="0"/>
             </a:p>
           </p:txBody>
         </p:sp>
@@ -7558,7 +7645,6 @@
                 <a:rPr lang="en-US" dirty="0"/>
                 <a:t>3</a:t>
               </a:r>
-              <a:endParaRPr lang="en-US" dirty="0"/>
             </a:p>
           </p:txBody>
         </p:sp>
@@ -7602,7 +7688,6 @@
                 <a:rPr lang="en-US" dirty="0"/>
                 <a:t>5</a:t>
               </a:r>
-              <a:endParaRPr lang="en-US" dirty="0"/>
             </a:p>
           </p:txBody>
         </p:sp>
@@ -7646,7 +7731,6 @@
                 <a:rPr lang="en-US" dirty="0"/>
                 <a:t>3</a:t>
               </a:r>
-              <a:endParaRPr lang="en-US" dirty="0"/>
             </a:p>
           </p:txBody>
         </p:sp>
@@ -7690,7 +7774,6 @@
                 <a:rPr lang="en-US" dirty="0"/>
                 <a:t>5</a:t>
               </a:r>
-              <a:endParaRPr lang="en-US" dirty="0"/>
             </a:p>
           </p:txBody>
         </p:sp>
@@ -8866,7 +8949,6 @@
                 <a:rPr lang="en-US" dirty="0"/>
                 <a:t>4</a:t>
               </a:r>
-              <a:endParaRPr lang="en-US" dirty="0"/>
             </a:p>
           </p:txBody>
         </p:sp>
@@ -9041,7 +9123,6 @@
                 <a:rPr lang="en-US" dirty="0"/>
                 <a:t>4</a:t>
               </a:r>
-              <a:endParaRPr lang="en-US" dirty="0"/>
             </a:p>
           </p:txBody>
         </p:sp>
@@ -9129,7 +9210,6 @@
                 <a:rPr lang="en-US" dirty="0"/>
                 <a:t>3</a:t>
               </a:r>
-              <a:endParaRPr lang="en-US" dirty="0"/>
             </a:p>
           </p:txBody>
         </p:sp>
@@ -9173,7 +9253,6 @@
                 <a:rPr lang="en-US" dirty="0"/>
                 <a:t>5</a:t>
               </a:r>
-              <a:endParaRPr lang="en-US" dirty="0"/>
             </a:p>
           </p:txBody>
         </p:sp>
@@ -9217,7 +9296,6 @@
                 <a:rPr lang="en-US" dirty="0"/>
                 <a:t>5</a:t>
               </a:r>
-              <a:endParaRPr lang="en-US" dirty="0"/>
             </a:p>
           </p:txBody>
         </p:sp>
@@ -9261,7 +9339,6 @@
                 <a:rPr lang="en-US" dirty="0"/>
                 <a:t>3</a:t>
               </a:r>
-              <a:endParaRPr lang="en-US" dirty="0"/>
             </a:p>
           </p:txBody>
         </p:sp>
@@ -9305,7 +9382,6 @@
                 <a:rPr lang="en-US" dirty="0"/>
                 <a:t>3</a:t>
               </a:r>
-              <a:endParaRPr lang="en-US" dirty="0"/>
             </a:p>
           </p:txBody>
         </p:sp>
@@ -9349,7 +9425,6 @@
                 <a:rPr lang="en-US" dirty="0"/>
                 <a:t>5</a:t>
               </a:r>
-              <a:endParaRPr lang="en-US" dirty="0"/>
             </a:p>
           </p:txBody>
         </p:sp>
@@ -9393,7 +9468,6 @@
                 <a:rPr lang="en-US" dirty="0"/>
                 <a:t>3</a:t>
               </a:r>
-              <a:endParaRPr lang="en-US" dirty="0"/>
             </a:p>
           </p:txBody>
         </p:sp>
@@ -9437,7 +9511,6 @@
                 <a:rPr lang="en-US" dirty="0"/>
                 <a:t>5</a:t>
               </a:r>
-              <a:endParaRPr lang="en-US" dirty="0"/>
             </a:p>
           </p:txBody>
         </p:sp>

--- a/Sudoku/Sudoku  solving the puzzle validating uniqnuess.pptx
+++ b/Sudoku/Sudoku  solving the puzzle validating uniqnuess.pptx
@@ -232,11 +232,11 @@
           <c:showBubbleSize val="0"/>
         </c:dLbls>
         <c:gapWidth val="150"/>
-        <c:axId val="40841984"/>
-        <c:axId val="40843520"/>
+        <c:axId val="40380672"/>
+        <c:axId val="40382464"/>
       </c:barChart>
       <c:catAx>
-        <c:axId val="40841984"/>
+        <c:axId val="40380672"/>
         <c:scaling>
           <c:orientation val="minMax"/>
         </c:scaling>
@@ -246,7 +246,7 @@
         <c:majorTickMark val="out"/>
         <c:minorTickMark val="none"/>
         <c:tickLblPos val="nextTo"/>
-        <c:crossAx val="40843520"/>
+        <c:crossAx val="40382464"/>
         <c:crosses val="autoZero"/>
         <c:auto val="1"/>
         <c:lblAlgn val="ctr"/>
@@ -254,7 +254,7 @@
         <c:noMultiLvlLbl val="0"/>
       </c:catAx>
       <c:valAx>
-        <c:axId val="40843520"/>
+        <c:axId val="40382464"/>
         <c:scaling>
           <c:orientation val="minMax"/>
         </c:scaling>
@@ -265,7 +265,7 @@
         <c:majorTickMark val="out"/>
         <c:minorTickMark val="none"/>
         <c:tickLblPos val="nextTo"/>
-        <c:crossAx val="40841984"/>
+        <c:crossAx val="40380672"/>
         <c:crosses val="autoZero"/>
         <c:crossBetween val="between"/>
       </c:valAx>
@@ -402,11 +402,11 @@
           <c:showBubbleSize val="0"/>
         </c:dLbls>
         <c:gapWidth val="150"/>
-        <c:axId val="122606720"/>
-        <c:axId val="122608256"/>
+        <c:axId val="114914432"/>
+        <c:axId val="114915968"/>
       </c:barChart>
       <c:catAx>
-        <c:axId val="122606720"/>
+        <c:axId val="114914432"/>
         <c:scaling>
           <c:orientation val="minMax"/>
         </c:scaling>
@@ -416,7 +416,7 @@
         <c:majorTickMark val="out"/>
         <c:minorTickMark val="none"/>
         <c:tickLblPos val="nextTo"/>
-        <c:crossAx val="122608256"/>
+        <c:crossAx val="114915968"/>
         <c:crosses val="autoZero"/>
         <c:auto val="1"/>
         <c:lblAlgn val="ctr"/>
@@ -424,7 +424,7 @@
         <c:noMultiLvlLbl val="0"/>
       </c:catAx>
       <c:valAx>
-        <c:axId val="122608256"/>
+        <c:axId val="114915968"/>
         <c:scaling>
           <c:orientation val="minMax"/>
         </c:scaling>
@@ -435,7 +435,7 @@
         <c:majorTickMark val="out"/>
         <c:minorTickMark val="none"/>
         <c:tickLblPos val="nextTo"/>
-        <c:crossAx val="122606720"/>
+        <c:crossAx val="114914432"/>
         <c:crosses val="autoZero"/>
         <c:crossBetween val="between"/>
       </c:valAx>
@@ -572,11 +572,11 @@
           <c:showBubbleSize val="0"/>
         </c:dLbls>
         <c:gapWidth val="150"/>
-        <c:axId val="120227328"/>
-        <c:axId val="126980480"/>
+        <c:axId val="114936448"/>
+        <c:axId val="115278208"/>
       </c:barChart>
       <c:catAx>
-        <c:axId val="120227328"/>
+        <c:axId val="114936448"/>
         <c:scaling>
           <c:orientation val="minMax"/>
         </c:scaling>
@@ -596,7 +596,7 @@
             <a:endParaRPr lang="en-US"/>
           </a:p>
         </c:txPr>
-        <c:crossAx val="126980480"/>
+        <c:crossAx val="115278208"/>
         <c:crosses val="autoZero"/>
         <c:auto val="1"/>
         <c:lblAlgn val="ctr"/>
@@ -604,7 +604,7 @@
         <c:noMultiLvlLbl val="0"/>
       </c:catAx>
       <c:valAx>
-        <c:axId val="126980480"/>
+        <c:axId val="115278208"/>
         <c:scaling>
           <c:orientation val="minMax"/>
         </c:scaling>
@@ -625,7 +625,7 @@
             <a:endParaRPr lang="en-US"/>
           </a:p>
         </c:txPr>
-        <c:crossAx val="120227328"/>
+        <c:crossAx val="114936448"/>
         <c:crosses val="autoZero"/>
         <c:crossBetween val="between"/>
       </c:valAx>
@@ -762,11 +762,11 @@
           <c:showBubbleSize val="0"/>
         </c:dLbls>
         <c:gapWidth val="150"/>
-        <c:axId val="126983168"/>
-        <c:axId val="127410944"/>
+        <c:axId val="115297664"/>
+        <c:axId val="115336320"/>
       </c:barChart>
       <c:catAx>
-        <c:axId val="126983168"/>
+        <c:axId val="115297664"/>
         <c:scaling>
           <c:orientation val="minMax"/>
         </c:scaling>
@@ -786,7 +786,7 @@
             <a:endParaRPr lang="en-US"/>
           </a:p>
         </c:txPr>
-        <c:crossAx val="127410944"/>
+        <c:crossAx val="115336320"/>
         <c:crosses val="autoZero"/>
         <c:auto val="1"/>
         <c:lblAlgn val="ctr"/>
@@ -794,7 +794,7 @@
         <c:noMultiLvlLbl val="0"/>
       </c:catAx>
       <c:valAx>
-        <c:axId val="127410944"/>
+        <c:axId val="115336320"/>
         <c:scaling>
           <c:orientation val="minMax"/>
         </c:scaling>
@@ -815,7 +815,7 @@
             <a:endParaRPr lang="en-US"/>
           </a:p>
         </c:txPr>
-        <c:crossAx val="126983168"/>
+        <c:crossAx val="115297664"/>
         <c:crosses val="autoZero"/>
         <c:crossBetween val="between"/>
       </c:valAx>
@@ -1021,7 +1021,7 @@
           <a:p>
             <a:fld id="{A1E2C6C5-A207-4B71-89A7-4AB74899EBC0}" type="datetimeFigureOut">
               <a:rPr lang="en-US" smtClean="0"/>
-              <a:t>9/23/2015</a:t>
+              <a:t>9/24/2015</a:t>
             </a:fld>
             <a:endParaRPr lang="en-US"/>
           </a:p>
@@ -1191,7 +1191,7 @@
           <a:p>
             <a:fld id="{A1E2C6C5-A207-4B71-89A7-4AB74899EBC0}" type="datetimeFigureOut">
               <a:rPr lang="en-US" smtClean="0"/>
-              <a:t>9/23/2015</a:t>
+              <a:t>9/24/2015</a:t>
             </a:fld>
             <a:endParaRPr lang="en-US"/>
           </a:p>
@@ -1371,7 +1371,7 @@
           <a:p>
             <a:fld id="{A1E2C6C5-A207-4B71-89A7-4AB74899EBC0}" type="datetimeFigureOut">
               <a:rPr lang="en-US" smtClean="0"/>
-              <a:t>9/23/2015</a:t>
+              <a:t>9/24/2015</a:t>
             </a:fld>
             <a:endParaRPr lang="en-US"/>
           </a:p>
@@ -1541,7 +1541,7 @@
           <a:p>
             <a:fld id="{A1E2C6C5-A207-4B71-89A7-4AB74899EBC0}" type="datetimeFigureOut">
               <a:rPr lang="en-US" smtClean="0"/>
-              <a:t>9/23/2015</a:t>
+              <a:t>9/24/2015</a:t>
             </a:fld>
             <a:endParaRPr lang="en-US"/>
           </a:p>
@@ -1787,7 +1787,7 @@
           <a:p>
             <a:fld id="{A1E2C6C5-A207-4B71-89A7-4AB74899EBC0}" type="datetimeFigureOut">
               <a:rPr lang="en-US" smtClean="0"/>
-              <a:t>9/23/2015</a:t>
+              <a:t>9/24/2015</a:t>
             </a:fld>
             <a:endParaRPr lang="en-US"/>
           </a:p>
@@ -2075,7 +2075,7 @@
           <a:p>
             <a:fld id="{A1E2C6C5-A207-4B71-89A7-4AB74899EBC0}" type="datetimeFigureOut">
               <a:rPr lang="en-US" smtClean="0"/>
-              <a:t>9/23/2015</a:t>
+              <a:t>9/24/2015</a:t>
             </a:fld>
             <a:endParaRPr lang="en-US"/>
           </a:p>
@@ -2497,7 +2497,7 @@
           <a:p>
             <a:fld id="{A1E2C6C5-A207-4B71-89A7-4AB74899EBC0}" type="datetimeFigureOut">
               <a:rPr lang="en-US" smtClean="0"/>
-              <a:t>9/23/2015</a:t>
+              <a:t>9/24/2015</a:t>
             </a:fld>
             <a:endParaRPr lang="en-US"/>
           </a:p>
@@ -2615,7 +2615,7 @@
           <a:p>
             <a:fld id="{A1E2C6C5-A207-4B71-89A7-4AB74899EBC0}" type="datetimeFigureOut">
               <a:rPr lang="en-US" smtClean="0"/>
-              <a:t>9/23/2015</a:t>
+              <a:t>9/24/2015</a:t>
             </a:fld>
             <a:endParaRPr lang="en-US"/>
           </a:p>
@@ -2710,7 +2710,7 @@
           <a:p>
             <a:fld id="{A1E2C6C5-A207-4B71-89A7-4AB74899EBC0}" type="datetimeFigureOut">
               <a:rPr lang="en-US" smtClean="0"/>
-              <a:t>9/23/2015</a:t>
+              <a:t>9/24/2015</a:t>
             </a:fld>
             <a:endParaRPr lang="en-US"/>
           </a:p>
@@ -2987,7 +2987,7 @@
           <a:p>
             <a:fld id="{A1E2C6C5-A207-4B71-89A7-4AB74899EBC0}" type="datetimeFigureOut">
               <a:rPr lang="en-US" smtClean="0"/>
-              <a:t>9/23/2015</a:t>
+              <a:t>9/24/2015</a:t>
             </a:fld>
             <a:endParaRPr lang="en-US"/>
           </a:p>
@@ -3240,7 +3240,7 @@
           <a:p>
             <a:fld id="{A1E2C6C5-A207-4B71-89A7-4AB74899EBC0}" type="datetimeFigureOut">
               <a:rPr lang="en-US" smtClean="0"/>
-              <a:t>9/23/2015</a:t>
+              <a:t>9/24/2015</a:t>
             </a:fld>
             <a:endParaRPr lang="en-US"/>
           </a:p>
@@ -3453,7 +3453,7 @@
           <a:p>
             <a:fld id="{A1E2C6C5-A207-4B71-89A7-4AB74899EBC0}" type="datetimeFigureOut">
               <a:rPr lang="en-US" smtClean="0"/>
-              <a:t>9/23/2015</a:t>
+              <a:t>9/24/2015</a:t>
             </a:fld>
             <a:endParaRPr lang="en-US"/>
           </a:p>
@@ -4195,19 +4195,7 @@
           <a:p>
             <a:r>
               <a:rPr lang="en-US" sz="2400" dirty="0" smtClean="0"/>
-              <a:t>I chose different approach – generate the </a:t>
-            </a:r>
-            <a:r>
-              <a:rPr lang="en-US" sz="2400" dirty="0" smtClean="0"/>
-              <a:t>solved puzzle </a:t>
-            </a:r>
-            <a:r>
-              <a:rPr lang="en-US" sz="2400" dirty="0" smtClean="0"/>
-              <a:t>line by line randomizing it whenever possible</a:t>
-            </a:r>
-            <a:r>
-              <a:rPr lang="en-US" sz="2400" dirty="0" smtClean="0"/>
-              <a:t>. If a newly assigned value leads to infeasible configuration then backtrack until find set of assignments not violating the row, column and region constraints.</a:t>
+              <a:t>I chose different approach – generate the solved puzzle line by line randomizing it whenever possible. If a newly assigned value leads to infeasible configuration then backtrack until find set of assignments not violating the row, column and region constraints.</a:t>
             </a:r>
           </a:p>
           <a:p>
@@ -4399,7 +4387,11 @@
           <a:p>
             <a:r>
               <a:rPr lang="en-US" sz="2800" dirty="0" smtClean="0"/>
-              <a:t>Another approach: Sudoku as linear programming problem</a:t>
+              <a:t>Another approach: Sudoku as linear programming </a:t>
+            </a:r>
+            <a:r>
+              <a:rPr lang="en-US" sz="2800" dirty="0" smtClean="0"/>
+              <a:t>problem over finite field</a:t>
             </a:r>
             <a:endParaRPr lang="en-US" sz="2800" dirty="0"/>
           </a:p>
@@ -4422,6 +4414,24 @@
           </a:bodyPr>
           <a:lstStyle/>
           <a:p>
+            <a:r>
+              <a:rPr lang="en-US" sz="2400" dirty="0" smtClean="0"/>
+              <a:t>The calculations are performed over Galois field GF(3^2)</a:t>
+            </a:r>
+          </a:p>
+          <a:p>
+            <a:r>
+              <a:rPr lang="en-US" sz="2400" dirty="0" smtClean="0"/>
+              <a:t>Solving a linear programming problem is NP Complete but in reality there are algorithms such as </a:t>
+            </a:r>
+            <a:r>
+              <a:rPr lang="en-US" sz="2400" dirty="0" err="1" smtClean="0"/>
+              <a:t>Karmakar’s</a:t>
+            </a:r>
+            <a:r>
+              <a:rPr lang="en-US" sz="2400" dirty="0" smtClean="0"/>
+              <a:t> algorithm which can run in O(N^3) time for most practical problems. </a:t>
+            </a:r>
             <a:endParaRPr lang="en-US" sz="2400" dirty="0"/>
           </a:p>
         </p:txBody>
